--- a/Python演示文稿.pptx
+++ b/Python演示文稿.pptx
@@ -4,6 +4,9 @@
   <p:sldMasterIdLst>
     <p:sldMasterId id="2147483648" r:id="rId1"/>
   </p:sldMasterIdLst>
+  <p:notesMasterIdLst>
+    <p:notesMasterId r:id="rId26"/>
+  </p:notesMasterIdLst>
   <p:sldIdLst>
     <p:sldId id="256" r:id="rId2"/>
     <p:sldId id="257" r:id="rId3"/>
@@ -19,6 +22,16 @@
     <p:sldId id="269" r:id="rId13"/>
     <p:sldId id="267" r:id="rId14"/>
     <p:sldId id="268" r:id="rId15"/>
+    <p:sldId id="270" r:id="rId16"/>
+    <p:sldId id="271" r:id="rId17"/>
+    <p:sldId id="272" r:id="rId18"/>
+    <p:sldId id="273" r:id="rId19"/>
+    <p:sldId id="274" r:id="rId20"/>
+    <p:sldId id="275" r:id="rId21"/>
+    <p:sldId id="276" r:id="rId22"/>
+    <p:sldId id="277" r:id="rId23"/>
+    <p:sldId id="278" r:id="rId24"/>
+    <p:sldId id="279" r:id="rId25"/>
   </p:sldIdLst>
   <p:sldSz cx="12192000" cy="6858000"/>
   <p:notesSz cx="6858000" cy="9144000"/>
@@ -117,7 +130,445 @@
       </a:defRPr>
     </a:lvl9pPr>
   </p:defaultTextStyle>
+  <p:extLst>
+    <p:ext uri="{EFAFB233-063F-42B5-8137-9DF3F51BA10A}">
+      <p15:sldGuideLst xmlns:p15="http://schemas.microsoft.com/office/powerpoint/2012/main"/>
+    </p:ext>
+  </p:extLst>
 </p:presentation>
+</file>
+
+<file path=ppt/notesMasters/notesMaster1.xml><?xml version="1.0" encoding="utf-8"?>
+<p:notesMaster xmlns:a="http://schemas.openxmlformats.org/drawingml/2006/main" xmlns:r="http://schemas.openxmlformats.org/officeDocument/2006/relationships" xmlns:p="http://schemas.openxmlformats.org/presentationml/2006/main">
+  <p:cSld>
+    <p:bg>
+      <p:bgRef idx="1001">
+        <a:schemeClr val="bg1"/>
+      </p:bgRef>
+    </p:bg>
+    <p:spTree>
+      <p:nvGrpSpPr>
+        <p:cNvPr id="1" name=""/>
+        <p:cNvGrpSpPr/>
+        <p:nvPr/>
+      </p:nvGrpSpPr>
+      <p:grpSpPr>
+        <a:xfrm>
+          <a:off x="0" y="0"/>
+          <a:ext cx="0" cy="0"/>
+          <a:chOff x="0" y="0"/>
+          <a:chExt cx="0" cy="0"/>
+        </a:xfrm>
+      </p:grpSpPr>
+      <p:sp>
+        <p:nvSpPr>
+          <p:cNvPr id="2" name="页眉占位符 1"/>
+          <p:cNvSpPr>
+            <a:spLocks noGrp="1"/>
+          </p:cNvSpPr>
+          <p:nvPr>
+            <p:ph type="hdr" sz="quarter"/>
+          </p:nvPr>
+        </p:nvSpPr>
+        <p:spPr>
+          <a:xfrm>
+            <a:off x="0" y="0"/>
+            <a:ext cx="2971800" cy="458788"/>
+          </a:xfrm>
+          <a:prstGeom prst="rect">
+            <a:avLst/>
+          </a:prstGeom>
+        </p:spPr>
+        <p:txBody>
+          <a:bodyPr vert="horz" lIns="91440" tIns="45720" rIns="91440" bIns="45720" rtlCol="0"/>
+          <a:lstStyle>
+            <a:lvl1pPr algn="l">
+              <a:defRPr sz="1200"/>
+            </a:lvl1pPr>
+          </a:lstStyle>
+          <a:p>
+            <a:endParaRPr lang="zh-CN" altLang="en-US"/>
+          </a:p>
+        </p:txBody>
+      </p:sp>
+      <p:sp>
+        <p:nvSpPr>
+          <p:cNvPr id="3" name="日期占位符 2"/>
+          <p:cNvSpPr>
+            <a:spLocks noGrp="1"/>
+          </p:cNvSpPr>
+          <p:nvPr>
+            <p:ph type="dt" idx="1"/>
+          </p:nvPr>
+        </p:nvSpPr>
+        <p:spPr>
+          <a:xfrm>
+            <a:off x="3884613" y="0"/>
+            <a:ext cx="2971800" cy="458788"/>
+          </a:xfrm>
+          <a:prstGeom prst="rect">
+            <a:avLst/>
+          </a:prstGeom>
+        </p:spPr>
+        <p:txBody>
+          <a:bodyPr vert="horz" lIns="91440" tIns="45720" rIns="91440" bIns="45720" rtlCol="0"/>
+          <a:lstStyle>
+            <a:lvl1pPr algn="r">
+              <a:defRPr sz="1200"/>
+            </a:lvl1pPr>
+          </a:lstStyle>
+          <a:p>
+            <a:fld id="{C4B5E6E6-5227-499D-925E-9AC6471B302E}" type="datetimeFigureOut">
+              <a:rPr lang="zh-CN" altLang="en-US" smtClean="0"/>
+              <a:t>2022/12/7</a:t>
+            </a:fld>
+            <a:endParaRPr lang="zh-CN" altLang="en-US"/>
+          </a:p>
+        </p:txBody>
+      </p:sp>
+      <p:sp>
+        <p:nvSpPr>
+          <p:cNvPr id="4" name="幻灯片图像占位符 3"/>
+          <p:cNvSpPr>
+            <a:spLocks noGrp="1" noRot="1" noChangeAspect="1"/>
+          </p:cNvSpPr>
+          <p:nvPr>
+            <p:ph type="sldImg" idx="2"/>
+          </p:nvPr>
+        </p:nvSpPr>
+        <p:spPr>
+          <a:xfrm>
+            <a:off x="685800" y="1143000"/>
+            <a:ext cx="5486400" cy="3086100"/>
+          </a:xfrm>
+          <a:prstGeom prst="rect">
+            <a:avLst/>
+          </a:prstGeom>
+          <a:noFill/>
+          <a:ln w="12700">
+            <a:solidFill>
+              <a:prstClr val="black"/>
+            </a:solidFill>
+          </a:ln>
+        </p:spPr>
+        <p:txBody>
+          <a:bodyPr vert="horz" lIns="91440" tIns="45720" rIns="91440" bIns="45720" rtlCol="0" anchor="ctr"/>
+          <a:lstStyle/>
+          <a:p>
+            <a:endParaRPr lang="zh-CN" altLang="en-US"/>
+          </a:p>
+        </p:txBody>
+      </p:sp>
+      <p:sp>
+        <p:nvSpPr>
+          <p:cNvPr id="5" name="备注占位符 4"/>
+          <p:cNvSpPr>
+            <a:spLocks noGrp="1"/>
+          </p:cNvSpPr>
+          <p:nvPr>
+            <p:ph type="body" sz="quarter" idx="3"/>
+          </p:nvPr>
+        </p:nvSpPr>
+        <p:spPr>
+          <a:xfrm>
+            <a:off x="685800" y="4400550"/>
+            <a:ext cx="5486400" cy="3600450"/>
+          </a:xfrm>
+          <a:prstGeom prst="rect">
+            <a:avLst/>
+          </a:prstGeom>
+        </p:spPr>
+        <p:txBody>
+          <a:bodyPr vert="horz" lIns="91440" tIns="45720" rIns="91440" bIns="45720" rtlCol="0"/>
+          <a:lstStyle/>
+          <a:p>
+            <a:pPr lvl="0"/>
+            <a:r>
+              <a:rPr lang="zh-CN" altLang="en-US"/>
+              <a:t>单击此处编辑母版文本样式</a:t>
+            </a:r>
+          </a:p>
+          <a:p>
+            <a:pPr lvl="1"/>
+            <a:r>
+              <a:rPr lang="zh-CN" altLang="en-US"/>
+              <a:t>二级</a:t>
+            </a:r>
+          </a:p>
+          <a:p>
+            <a:pPr lvl="2"/>
+            <a:r>
+              <a:rPr lang="zh-CN" altLang="en-US"/>
+              <a:t>三级</a:t>
+            </a:r>
+          </a:p>
+          <a:p>
+            <a:pPr lvl="3"/>
+            <a:r>
+              <a:rPr lang="zh-CN" altLang="en-US"/>
+              <a:t>四级</a:t>
+            </a:r>
+          </a:p>
+          <a:p>
+            <a:pPr lvl="4"/>
+            <a:r>
+              <a:rPr lang="zh-CN" altLang="en-US"/>
+              <a:t>五级</a:t>
+            </a:r>
+          </a:p>
+        </p:txBody>
+      </p:sp>
+      <p:sp>
+        <p:nvSpPr>
+          <p:cNvPr id="6" name="页脚占位符 5"/>
+          <p:cNvSpPr>
+            <a:spLocks noGrp="1"/>
+          </p:cNvSpPr>
+          <p:nvPr>
+            <p:ph type="ftr" sz="quarter" idx="4"/>
+          </p:nvPr>
+        </p:nvSpPr>
+        <p:spPr>
+          <a:xfrm>
+            <a:off x="0" y="8685213"/>
+            <a:ext cx="2971800" cy="458787"/>
+          </a:xfrm>
+          <a:prstGeom prst="rect">
+            <a:avLst/>
+          </a:prstGeom>
+        </p:spPr>
+        <p:txBody>
+          <a:bodyPr vert="horz" lIns="91440" tIns="45720" rIns="91440" bIns="45720" rtlCol="0" anchor="b"/>
+          <a:lstStyle>
+            <a:lvl1pPr algn="l">
+              <a:defRPr sz="1200"/>
+            </a:lvl1pPr>
+          </a:lstStyle>
+          <a:p>
+            <a:endParaRPr lang="zh-CN" altLang="en-US"/>
+          </a:p>
+        </p:txBody>
+      </p:sp>
+      <p:sp>
+        <p:nvSpPr>
+          <p:cNvPr id="7" name="灯片编号占位符 6"/>
+          <p:cNvSpPr>
+            <a:spLocks noGrp="1"/>
+          </p:cNvSpPr>
+          <p:nvPr>
+            <p:ph type="sldNum" sz="quarter" idx="5"/>
+          </p:nvPr>
+        </p:nvSpPr>
+        <p:spPr>
+          <a:xfrm>
+            <a:off x="3884613" y="8685213"/>
+            <a:ext cx="2971800" cy="458787"/>
+          </a:xfrm>
+          <a:prstGeom prst="rect">
+            <a:avLst/>
+          </a:prstGeom>
+        </p:spPr>
+        <p:txBody>
+          <a:bodyPr vert="horz" lIns="91440" tIns="45720" rIns="91440" bIns="45720" rtlCol="0" anchor="b"/>
+          <a:lstStyle>
+            <a:lvl1pPr algn="r">
+              <a:defRPr sz="1200"/>
+            </a:lvl1pPr>
+          </a:lstStyle>
+          <a:p>
+            <a:fld id="{51DEDAE4-02E5-4506-9832-0997B68A82B4}" type="slidenum">
+              <a:rPr lang="zh-CN" altLang="en-US" smtClean="0"/>
+              <a:t>‹#›</a:t>
+            </a:fld>
+            <a:endParaRPr lang="zh-CN" altLang="en-US"/>
+          </a:p>
+        </p:txBody>
+      </p:sp>
+    </p:spTree>
+    <p:extLst>
+      <p:ext uri="{BB962C8B-B14F-4D97-AF65-F5344CB8AC3E}">
+        <p14:creationId xmlns:p14="http://schemas.microsoft.com/office/powerpoint/2010/main" val="1278644521"/>
+      </p:ext>
+    </p:extLst>
+  </p:cSld>
+  <p:clrMap bg1="lt1" tx1="dk1" bg2="lt2" tx2="dk2" accent1="accent1" accent2="accent2" accent3="accent3" accent4="accent4" accent5="accent5" accent6="accent6" hlink="hlink" folHlink="folHlink"/>
+  <p:notesStyle>
+    <a:lvl1pPr marL="0" algn="l" defTabSz="914400" rtl="0" eaLnBrk="1" latinLnBrk="0" hangingPunct="1">
+      <a:defRPr sz="1200" kern="1200">
+        <a:solidFill>
+          <a:schemeClr val="tx1"/>
+        </a:solidFill>
+        <a:latin typeface="+mn-lt"/>
+        <a:ea typeface="+mn-ea"/>
+        <a:cs typeface="+mn-cs"/>
+      </a:defRPr>
+    </a:lvl1pPr>
+    <a:lvl2pPr marL="457200" algn="l" defTabSz="914400" rtl="0" eaLnBrk="1" latinLnBrk="0" hangingPunct="1">
+      <a:defRPr sz="1200" kern="1200">
+        <a:solidFill>
+          <a:schemeClr val="tx1"/>
+        </a:solidFill>
+        <a:latin typeface="+mn-lt"/>
+        <a:ea typeface="+mn-ea"/>
+        <a:cs typeface="+mn-cs"/>
+      </a:defRPr>
+    </a:lvl2pPr>
+    <a:lvl3pPr marL="914400" algn="l" defTabSz="914400" rtl="0" eaLnBrk="1" latinLnBrk="0" hangingPunct="1">
+      <a:defRPr sz="1200" kern="1200">
+        <a:solidFill>
+          <a:schemeClr val="tx1"/>
+        </a:solidFill>
+        <a:latin typeface="+mn-lt"/>
+        <a:ea typeface="+mn-ea"/>
+        <a:cs typeface="+mn-cs"/>
+      </a:defRPr>
+    </a:lvl3pPr>
+    <a:lvl4pPr marL="1371600" algn="l" defTabSz="914400" rtl="0" eaLnBrk="1" latinLnBrk="0" hangingPunct="1">
+      <a:defRPr sz="1200" kern="1200">
+        <a:solidFill>
+          <a:schemeClr val="tx1"/>
+        </a:solidFill>
+        <a:latin typeface="+mn-lt"/>
+        <a:ea typeface="+mn-ea"/>
+        <a:cs typeface="+mn-cs"/>
+      </a:defRPr>
+    </a:lvl4pPr>
+    <a:lvl5pPr marL="1828800" algn="l" defTabSz="914400" rtl="0" eaLnBrk="1" latinLnBrk="0" hangingPunct="1">
+      <a:defRPr sz="1200" kern="1200">
+        <a:solidFill>
+          <a:schemeClr val="tx1"/>
+        </a:solidFill>
+        <a:latin typeface="+mn-lt"/>
+        <a:ea typeface="+mn-ea"/>
+        <a:cs typeface="+mn-cs"/>
+      </a:defRPr>
+    </a:lvl5pPr>
+    <a:lvl6pPr marL="2286000" algn="l" defTabSz="914400" rtl="0" eaLnBrk="1" latinLnBrk="0" hangingPunct="1">
+      <a:defRPr sz="1200" kern="1200">
+        <a:solidFill>
+          <a:schemeClr val="tx1"/>
+        </a:solidFill>
+        <a:latin typeface="+mn-lt"/>
+        <a:ea typeface="+mn-ea"/>
+        <a:cs typeface="+mn-cs"/>
+      </a:defRPr>
+    </a:lvl6pPr>
+    <a:lvl7pPr marL="2743200" algn="l" defTabSz="914400" rtl="0" eaLnBrk="1" latinLnBrk="0" hangingPunct="1">
+      <a:defRPr sz="1200" kern="1200">
+        <a:solidFill>
+          <a:schemeClr val="tx1"/>
+        </a:solidFill>
+        <a:latin typeface="+mn-lt"/>
+        <a:ea typeface="+mn-ea"/>
+        <a:cs typeface="+mn-cs"/>
+      </a:defRPr>
+    </a:lvl7pPr>
+    <a:lvl8pPr marL="3200400" algn="l" defTabSz="914400" rtl="0" eaLnBrk="1" latinLnBrk="0" hangingPunct="1">
+      <a:defRPr sz="1200" kern="1200">
+        <a:solidFill>
+          <a:schemeClr val="tx1"/>
+        </a:solidFill>
+        <a:latin typeface="+mn-lt"/>
+        <a:ea typeface="+mn-ea"/>
+        <a:cs typeface="+mn-cs"/>
+      </a:defRPr>
+    </a:lvl8pPr>
+    <a:lvl9pPr marL="3657600" algn="l" defTabSz="914400" rtl="0" eaLnBrk="1" latinLnBrk="0" hangingPunct="1">
+      <a:defRPr sz="1200" kern="1200">
+        <a:solidFill>
+          <a:schemeClr val="tx1"/>
+        </a:solidFill>
+        <a:latin typeface="+mn-lt"/>
+        <a:ea typeface="+mn-ea"/>
+        <a:cs typeface="+mn-cs"/>
+      </a:defRPr>
+    </a:lvl9pPr>
+  </p:notesStyle>
+</p:notesMaster>
+</file>
+
+<file path=ppt/notesSlides/notesSlide1.xml><?xml version="1.0" encoding="utf-8"?>
+<p:notes xmlns:a="http://schemas.openxmlformats.org/drawingml/2006/main" xmlns:r="http://schemas.openxmlformats.org/officeDocument/2006/relationships" xmlns:p="http://schemas.openxmlformats.org/presentationml/2006/main">
+  <p:cSld>
+    <p:spTree>
+      <p:nvGrpSpPr>
+        <p:cNvPr id="1" name=""/>
+        <p:cNvGrpSpPr/>
+        <p:nvPr/>
+      </p:nvGrpSpPr>
+      <p:grpSpPr>
+        <a:xfrm>
+          <a:off x="0" y="0"/>
+          <a:ext cx="0" cy="0"/>
+          <a:chOff x="0" y="0"/>
+          <a:chExt cx="0" cy="0"/>
+        </a:xfrm>
+      </p:grpSpPr>
+      <p:sp>
+        <p:nvSpPr>
+          <p:cNvPr id="2" name="幻灯片图像占位符 1"/>
+          <p:cNvSpPr>
+            <a:spLocks noGrp="1" noRot="1" noChangeAspect="1"/>
+          </p:cNvSpPr>
+          <p:nvPr>
+            <p:ph type="sldImg"/>
+          </p:nvPr>
+        </p:nvSpPr>
+        <p:spPr/>
+      </p:sp>
+      <p:sp>
+        <p:nvSpPr>
+          <p:cNvPr id="3" name="备注占位符 2"/>
+          <p:cNvSpPr>
+            <a:spLocks noGrp="1"/>
+          </p:cNvSpPr>
+          <p:nvPr>
+            <p:ph type="body" idx="1"/>
+          </p:nvPr>
+        </p:nvSpPr>
+        <p:spPr/>
+        <p:txBody>
+          <a:bodyPr/>
+          <a:lstStyle/>
+          <a:p>
+            <a:endParaRPr lang="zh-CN" altLang="en-US" dirty="0"/>
+          </a:p>
+        </p:txBody>
+      </p:sp>
+      <p:sp>
+        <p:nvSpPr>
+          <p:cNvPr id="4" name="灯片编号占位符 3"/>
+          <p:cNvSpPr>
+            <a:spLocks noGrp="1"/>
+          </p:cNvSpPr>
+          <p:nvPr>
+            <p:ph type="sldNum" sz="quarter" idx="5"/>
+          </p:nvPr>
+        </p:nvSpPr>
+        <p:spPr/>
+        <p:txBody>
+          <a:bodyPr/>
+          <a:lstStyle/>
+          <a:p>
+            <a:fld id="{51DEDAE4-02E5-4506-9832-0997B68A82B4}" type="slidenum">
+              <a:rPr lang="zh-CN" altLang="en-US" smtClean="0"/>
+              <a:t>20</a:t>
+            </a:fld>
+            <a:endParaRPr lang="zh-CN" altLang="en-US"/>
+          </a:p>
+        </p:txBody>
+      </p:sp>
+    </p:spTree>
+    <p:extLst>
+      <p:ext uri="{BB962C8B-B14F-4D97-AF65-F5344CB8AC3E}">
+        <p14:creationId xmlns:p14="http://schemas.microsoft.com/office/powerpoint/2010/main" val="687803322"/>
+      </p:ext>
+    </p:extLst>
+  </p:cSld>
+  <p:clrMapOvr>
+    <a:masterClrMapping/>
+  </p:clrMapOvr>
+</p:notes>
 </file>
 
 <file path=ppt/slideLayouts/slideLayout1.xml><?xml version="1.0" encoding="utf-8"?>
@@ -3757,7 +4208,7 @@
           <a:p>
             <a:r>
               <a:rPr lang="zh-CN" altLang="en-US" dirty="0"/>
-              <a:t>死循环删除</a:t>
+              <a:t>无用循环删除</a:t>
             </a:r>
           </a:p>
         </p:txBody>
@@ -3821,10 +4272,57 @@
               <a:t>删掉这些循环能减少最终代码的大小</a:t>
             </a:r>
             <a:r>
-              <a:rPr lang="en-US" altLang="zh-CN"/>
+              <a:rPr lang="en-US" altLang="zh-CN" dirty="0"/>
               <a:t>!</a:t>
             </a:r>
-            <a:endParaRPr lang="zh-CN" altLang="en-US" dirty="0"/>
+          </a:p>
+          <a:p>
+            <a:r>
+              <a:rPr lang="en-US" altLang="zh-CN" dirty="0"/>
+              <a:t>$</a:t>
+            </a:r>
+            <a:r>
+              <a:rPr lang="en-US" altLang="zh-CN" dirty="0">
+                <a:solidFill>
+                  <a:srgbClr val="FF0000"/>
+                </a:solidFill>
+              </a:rPr>
+              <a:t>[do something] </a:t>
+            </a:r>
+            <a:r>
+              <a:rPr lang="en-US" altLang="zh-CN" dirty="0"/>
+              <a:t>=&gt; useless!</a:t>
+            </a:r>
+          </a:p>
+          <a:p>
+            <a:r>
+              <a:rPr lang="en-US" altLang="zh-CN" dirty="0"/>
+              <a:t>[do something]</a:t>
+            </a:r>
+            <a:r>
+              <a:rPr lang="en-US" altLang="zh-CN" dirty="0">
+                <a:solidFill>
+                  <a:srgbClr val="FF0000"/>
+                </a:solidFill>
+              </a:rPr>
+              <a:t>[do][do] </a:t>
+            </a:r>
+            <a:r>
+              <a:rPr lang="en-US" altLang="zh-CN" dirty="0">
+                <a:solidFill>
+                  <a:schemeClr val="tx1">
+                    <a:lumMod val="95000"/>
+                    <a:lumOff val="5000"/>
+                  </a:schemeClr>
+                </a:solidFill>
+              </a:rPr>
+              <a:t>=&gt; useless!</a:t>
+            </a:r>
+            <a:endParaRPr lang="zh-CN" altLang="en-US" dirty="0">
+              <a:solidFill>
+                <a:srgbClr val="FF0000"/>
+              </a:solidFill>
+            </a:endParaRPr>
           </a:p>
         </p:txBody>
       </p:sp>
@@ -3961,7 +4459,23 @@
             </a:r>
             <a:r>
               <a:rPr lang="en-US" altLang="zh-CN" dirty="0"/>
-              <a:t>.</a:t>
+              <a:t>.(</a:t>
+            </a:r>
+            <a:r>
+              <a:rPr lang="zh-CN" altLang="en-US" dirty="0"/>
+              <a:t>不会产生</a:t>
+            </a:r>
+            <a:r>
+              <a:rPr lang="en-US" altLang="zh-CN" dirty="0"/>
+              <a:t>ADD 0</a:t>
+            </a:r>
+            <a:r>
+              <a:rPr lang="zh-CN" altLang="en-US" dirty="0"/>
+              <a:t>这种指令</a:t>
+            </a:r>
+            <a:r>
+              <a:rPr lang="en-US" altLang="zh-CN" dirty="0"/>
+              <a:t>)</a:t>
             </a:r>
           </a:p>
           <a:p>
@@ -4091,7 +4605,10 @@
           <a:bodyPr/>
           <a:lstStyle/>
           <a:p>
-            <a:endParaRPr lang="zh-CN" altLang="en-US"/>
+            <a:r>
+              <a:rPr lang="zh-CN" altLang="en-US" dirty="0"/>
+              <a:t>冗余语句优化</a:t>
+            </a:r>
           </a:p>
         </p:txBody>
       </p:sp>
@@ -4116,7 +4633,149 @@
           <a:bodyPr/>
           <a:lstStyle/>
           <a:p>
-            <a:endParaRPr lang="zh-CN" altLang="en-US"/>
+            <a:r>
+              <a:rPr lang="zh-CN" altLang="en-US" dirty="0"/>
+              <a:t>考虑连续的</a:t>
+            </a:r>
+            <a:r>
+              <a:rPr lang="en-US" altLang="zh-CN" dirty="0"/>
+              <a:t>LOAD</a:t>
+            </a:r>
+            <a:r>
+              <a:rPr lang="zh-CN" altLang="en-US" dirty="0"/>
+              <a:t>语句</a:t>
+            </a:r>
+            <a:endParaRPr lang="en-US" altLang="zh-CN" dirty="0"/>
+          </a:p>
+          <a:p>
+            <a:pPr lvl="1"/>
+            <a:r>
+              <a:rPr lang="zh-CN" altLang="en-US" dirty="0"/>
+              <a:t>除了最后一个以外，都是无用的，反正也会被覆盖</a:t>
+            </a:r>
+            <a:endParaRPr lang="en-US" altLang="zh-CN" dirty="0"/>
+          </a:p>
+          <a:p>
+            <a:pPr lvl="1"/>
+            <a:r>
+              <a:rPr lang="zh-CN" altLang="en-US" dirty="0"/>
+              <a:t>假如一个</a:t>
+            </a:r>
+            <a:r>
+              <a:rPr lang="en-US" altLang="zh-CN" dirty="0"/>
+              <a:t>LOAD</a:t>
+            </a:r>
+            <a:r>
+              <a:rPr lang="zh-CN" altLang="en-US" dirty="0"/>
+              <a:t>后有一个</a:t>
+            </a:r>
+            <a:r>
+              <a:rPr lang="en-US" altLang="zh-CN" dirty="0"/>
+              <a:t>input</a:t>
+            </a:r>
+            <a:r>
+              <a:rPr lang="zh-CN" altLang="en-US" dirty="0"/>
+              <a:t>语句，则</a:t>
+            </a:r>
+            <a:r>
+              <a:rPr lang="en-US" altLang="zh-CN" dirty="0"/>
+              <a:t>LOAD</a:t>
+            </a:r>
+            <a:r>
+              <a:rPr lang="zh-CN" altLang="en-US" dirty="0"/>
+              <a:t>语句也无用，反正会被覆盖</a:t>
+            </a:r>
+            <a:endParaRPr lang="en-US" altLang="zh-CN" dirty="0"/>
+          </a:p>
+          <a:p>
+            <a:pPr lvl="2"/>
+            <a:r>
+              <a:rPr lang="zh-CN" altLang="en-US" dirty="0"/>
+              <a:t>然而，连续的</a:t>
+            </a:r>
+            <a:r>
+              <a:rPr lang="en-US" altLang="zh-CN" dirty="0"/>
+              <a:t>input</a:t>
+            </a:r>
+            <a:r>
+              <a:rPr lang="zh-CN" altLang="en-US" dirty="0"/>
+              <a:t>语句却不能如此优化，因为它有副作用</a:t>
+            </a:r>
+            <a:endParaRPr lang="en-US" altLang="zh-CN" dirty="0"/>
+          </a:p>
+          <a:p>
+            <a:r>
+              <a:rPr lang="zh-CN" altLang="en-US" dirty="0"/>
+              <a:t>考虑</a:t>
+            </a:r>
+            <a:r>
+              <a:rPr lang="en-US" altLang="zh-CN" dirty="0"/>
+              <a:t>ADD</a:t>
+            </a:r>
+            <a:r>
+              <a:rPr lang="zh-CN" altLang="en-US" dirty="0"/>
+              <a:t>语句后的</a:t>
+            </a:r>
+            <a:r>
+              <a:rPr lang="en-US" altLang="zh-CN" dirty="0"/>
+              <a:t>input</a:t>
+            </a:r>
+          </a:p>
+          <a:p>
+            <a:pPr lvl="1"/>
+            <a:r>
+              <a:rPr lang="zh-CN" altLang="en-US" dirty="0"/>
+              <a:t>只保留</a:t>
+            </a:r>
+            <a:r>
+              <a:rPr lang="en-US" altLang="zh-CN" dirty="0"/>
+              <a:t>input</a:t>
+            </a:r>
+            <a:r>
+              <a:rPr lang="zh-CN" altLang="en-US" dirty="0"/>
+              <a:t>就行，</a:t>
+            </a:r>
+            <a:r>
+              <a:rPr lang="en-US" altLang="zh-CN" dirty="0"/>
+              <a:t>ADD</a:t>
+            </a:r>
+            <a:r>
+              <a:rPr lang="zh-CN" altLang="en-US" dirty="0"/>
+              <a:t>语句会被覆盖</a:t>
+            </a:r>
+            <a:endParaRPr lang="en-US" altLang="zh-CN" dirty="0"/>
+          </a:p>
+          <a:p>
+            <a:endParaRPr lang="en-US" altLang="zh-CN" dirty="0"/>
+          </a:p>
+          <a:p>
+            <a:r>
+              <a:rPr lang="en-US" altLang="zh-CN" dirty="0"/>
+              <a:t>LOADLOADLOAD{input} =&gt; </a:t>
+            </a:r>
+            <a:r>
+              <a:rPr lang="zh-CN" altLang="en-US" dirty="0"/>
+              <a:t>仅保留最后一个</a:t>
+            </a:r>
+            <a:endParaRPr lang="en-US" altLang="zh-CN" dirty="0"/>
+          </a:p>
+          <a:p>
+            <a:r>
+              <a:rPr lang="en-US" altLang="zh-CN" dirty="0" err="1"/>
+              <a:t>ADDADDADDinput</a:t>
+            </a:r>
+            <a:r>
+              <a:rPr lang="en-US" altLang="zh-CN" dirty="0"/>
+              <a:t> =&gt; </a:t>
+            </a:r>
+            <a:r>
+              <a:rPr lang="zh-CN" altLang="en-US" dirty="0"/>
+              <a:t>仅保留</a:t>
+            </a:r>
+            <a:r>
+              <a:rPr lang="en-US" altLang="zh-CN" dirty="0"/>
+              <a:t>input</a:t>
+            </a:r>
           </a:p>
         </p:txBody>
       </p:sp>
@@ -4124,6 +4783,1028 @@
     <p:extLst>
       <p:ext uri="{BB962C8B-B14F-4D97-AF65-F5344CB8AC3E}">
         <p14:creationId xmlns:p14="http://schemas.microsoft.com/office/powerpoint/2010/main" val="2136842849"/>
+      </p:ext>
+    </p:extLst>
+  </p:cSld>
+  <p:clrMapOvr>
+    <a:masterClrMapping/>
+  </p:clrMapOvr>
+</p:sld>
+</file>
+
+<file path=ppt/slides/slide15.xml><?xml version="1.0" encoding="utf-8"?>
+<p:sld xmlns:a="http://schemas.openxmlformats.org/drawingml/2006/main" xmlns:r="http://schemas.openxmlformats.org/officeDocument/2006/relationships" xmlns:p="http://schemas.openxmlformats.org/presentationml/2006/main">
+  <p:cSld>
+    <p:spTree>
+      <p:nvGrpSpPr>
+        <p:cNvPr id="1" name=""/>
+        <p:cNvGrpSpPr/>
+        <p:nvPr/>
+      </p:nvGrpSpPr>
+      <p:grpSpPr>
+        <a:xfrm>
+          <a:off x="0" y="0"/>
+          <a:ext cx="0" cy="0"/>
+          <a:chOff x="0" y="0"/>
+          <a:chExt cx="0" cy="0"/>
+        </a:xfrm>
+      </p:grpSpPr>
+      <p:sp>
+        <p:nvSpPr>
+          <p:cNvPr id="2" name="标题 1">
+            <a:extLst>
+              <a:ext uri="{FF2B5EF4-FFF2-40B4-BE49-F238E27FC236}">
+                <a16:creationId xmlns:a16="http://schemas.microsoft.com/office/drawing/2014/main" id="{34E8E605-EF65-1869-E3F7-63FE122E69BD}"/>
+              </a:ext>
+            </a:extLst>
+          </p:cNvPr>
+          <p:cNvSpPr>
+            <a:spLocks noGrp="1"/>
+          </p:cNvSpPr>
+          <p:nvPr>
+            <p:ph type="title"/>
+          </p:nvPr>
+        </p:nvSpPr>
+        <p:spPr/>
+        <p:txBody>
+          <a:bodyPr/>
+          <a:lstStyle/>
+          <a:p>
+            <a:r>
+              <a:rPr lang="zh-CN" altLang="en-US" dirty="0"/>
+              <a:t>偏移量优化</a:t>
+            </a:r>
+          </a:p>
+        </p:txBody>
+      </p:sp>
+      <p:sp>
+        <p:nvSpPr>
+          <p:cNvPr id="3" name="内容占位符 2">
+            <a:extLst>
+              <a:ext uri="{FF2B5EF4-FFF2-40B4-BE49-F238E27FC236}">
+                <a16:creationId xmlns:a16="http://schemas.microsoft.com/office/drawing/2014/main" id="{77A1E94B-1620-BF26-5A55-BD8B2908E3A2}"/>
+              </a:ext>
+            </a:extLst>
+          </p:cNvPr>
+          <p:cNvSpPr>
+            <a:spLocks noGrp="1"/>
+          </p:cNvSpPr>
+          <p:nvPr>
+            <p:ph idx="1"/>
+          </p:nvPr>
+        </p:nvSpPr>
+        <p:spPr/>
+        <p:txBody>
+          <a:bodyPr/>
+          <a:lstStyle/>
+          <a:p>
+            <a:r>
+              <a:rPr lang="zh-CN" altLang="en-US" dirty="0"/>
+              <a:t>在实际编写</a:t>
+            </a:r>
+            <a:r>
+              <a:rPr lang="en-US" altLang="zh-CN" dirty="0"/>
+              <a:t>bf</a:t>
+            </a:r>
+            <a:r>
+              <a:rPr lang="zh-CN" altLang="en-US" dirty="0"/>
+              <a:t>代码时，程序员不仅仅会操纵当前单元格的值。</a:t>
+            </a:r>
+            <a:endParaRPr lang="en-US" altLang="zh-CN" dirty="0"/>
+          </a:p>
+          <a:p>
+            <a:pPr lvl="1"/>
+            <a:r>
+              <a:rPr lang="zh-CN" altLang="en-US" dirty="0"/>
+              <a:t>如此代码</a:t>
+            </a:r>
+            <a:r>
+              <a:rPr lang="en-US" altLang="zh-CN" dirty="0"/>
+              <a:t>+&gt;+&gt;&gt;-&lt;&lt;&lt;&lt;++, </a:t>
+            </a:r>
+            <a:r>
+              <a:rPr lang="zh-CN" altLang="en-US" dirty="0"/>
+              <a:t>其作用可表示为</a:t>
+            </a:r>
+            <a:r>
+              <a:rPr lang="en-US" altLang="zh-CN" dirty="0"/>
+              <a:t>p[0]++, p[1]++, p[3]--, </a:t>
+            </a:r>
+          </a:p>
+          <a:p>
+            <a:pPr marL="457200" lvl="1" indent="0">
+              <a:buNone/>
+            </a:pPr>
+            <a:r>
+              <a:rPr lang="en-US" altLang="zh-CN" dirty="0"/>
+              <a:t>p[-1]++</a:t>
+            </a:r>
+          </a:p>
+          <a:p>
+            <a:pPr lvl="1"/>
+            <a:r>
+              <a:rPr lang="zh-CN" altLang="en-US" dirty="0"/>
+              <a:t>出现了数条移位指令</a:t>
+            </a:r>
+            <a:r>
+              <a:rPr lang="en-US" altLang="zh-CN" dirty="0"/>
+              <a:t>, </a:t>
+            </a:r>
+            <a:r>
+              <a:rPr lang="zh-CN" altLang="en-US" dirty="0"/>
+              <a:t>可做优化</a:t>
+            </a:r>
+            <a:endParaRPr lang="en-US" altLang="zh-CN" dirty="0"/>
+          </a:p>
+          <a:p>
+            <a:r>
+              <a:rPr lang="zh-CN" altLang="en-US" dirty="0"/>
+              <a:t>想法</a:t>
+            </a:r>
+            <a:r>
+              <a:rPr lang="en-US" altLang="zh-CN" dirty="0"/>
+              <a:t>: </a:t>
+            </a:r>
+            <a:r>
+              <a:rPr lang="zh-CN" altLang="en-US" dirty="0"/>
+              <a:t>为加减法</a:t>
+            </a:r>
+            <a:r>
+              <a:rPr lang="en-US" altLang="zh-CN" dirty="0"/>
+              <a:t>IO</a:t>
+            </a:r>
+            <a:r>
+              <a:rPr lang="zh-CN" altLang="en-US" dirty="0"/>
+              <a:t>等指令加上偏移量参数</a:t>
+            </a:r>
+            <a:r>
+              <a:rPr lang="en-US" altLang="zh-CN" dirty="0"/>
+              <a:t>, </a:t>
+            </a:r>
+            <a:r>
+              <a:rPr lang="zh-CN" altLang="en-US" dirty="0"/>
+              <a:t>从而忽略掉移位指令</a:t>
+            </a:r>
+            <a:r>
+              <a:rPr lang="en-US" altLang="zh-CN" dirty="0"/>
+              <a:t>, </a:t>
+            </a:r>
+            <a:r>
+              <a:rPr lang="zh-CN" altLang="en-US" dirty="0"/>
+              <a:t>在</a:t>
+            </a:r>
+            <a:r>
+              <a:rPr lang="zh-CN" altLang="en-US" b="1" dirty="0"/>
+              <a:t>不得不</a:t>
+            </a:r>
+            <a:r>
+              <a:rPr lang="zh-CN" altLang="en-US" dirty="0"/>
+              <a:t>移位时才移动指针</a:t>
+            </a:r>
+            <a:r>
+              <a:rPr lang="en-US" altLang="zh-CN" dirty="0"/>
+              <a:t>. </a:t>
+            </a:r>
+            <a:r>
+              <a:rPr lang="zh-CN" altLang="en-US" dirty="0"/>
+              <a:t>可节约大量移指针操作</a:t>
+            </a:r>
+            <a:r>
+              <a:rPr lang="en-US" altLang="zh-CN" dirty="0"/>
+              <a:t>.</a:t>
+            </a:r>
+          </a:p>
+          <a:p>
+            <a:r>
+              <a:rPr lang="zh-CN" altLang="en-US" dirty="0"/>
+              <a:t>仅当遇到一个循环时</a:t>
+            </a:r>
+            <a:r>
+              <a:rPr lang="en-US" altLang="zh-CN" dirty="0"/>
+              <a:t>, </a:t>
+            </a:r>
+            <a:r>
+              <a:rPr lang="zh-CN" altLang="en-US" dirty="0"/>
+              <a:t>不得不移动指针</a:t>
+            </a:r>
+            <a:endParaRPr lang="en-US" altLang="zh-CN" dirty="0"/>
+          </a:p>
+        </p:txBody>
+      </p:sp>
+    </p:spTree>
+    <p:extLst>
+      <p:ext uri="{BB962C8B-B14F-4D97-AF65-F5344CB8AC3E}">
+        <p14:creationId xmlns:p14="http://schemas.microsoft.com/office/powerpoint/2010/main" val="1003557158"/>
+      </p:ext>
+    </p:extLst>
+  </p:cSld>
+  <p:clrMapOvr>
+    <a:masterClrMapping/>
+  </p:clrMapOvr>
+</p:sld>
+</file>
+
+<file path=ppt/slides/slide16.xml><?xml version="1.0" encoding="utf-8"?>
+<p:sld xmlns:a="http://schemas.openxmlformats.org/drawingml/2006/main" xmlns:r="http://schemas.openxmlformats.org/officeDocument/2006/relationships" xmlns:p="http://schemas.openxmlformats.org/presentationml/2006/main">
+  <p:cSld>
+    <p:spTree>
+      <p:nvGrpSpPr>
+        <p:cNvPr id="1" name=""/>
+        <p:cNvGrpSpPr/>
+        <p:nvPr/>
+      </p:nvGrpSpPr>
+      <p:grpSpPr>
+        <a:xfrm>
+          <a:off x="0" y="0"/>
+          <a:ext cx="0" cy="0"/>
+          <a:chOff x="0" y="0"/>
+          <a:chExt cx="0" cy="0"/>
+        </a:xfrm>
+      </p:grpSpPr>
+      <p:sp>
+        <p:nvSpPr>
+          <p:cNvPr id="2" name="标题 1">
+            <a:extLst>
+              <a:ext uri="{FF2B5EF4-FFF2-40B4-BE49-F238E27FC236}">
+                <a16:creationId xmlns:a16="http://schemas.microsoft.com/office/drawing/2014/main" id="{5793FC9D-EFB0-87CD-420D-31E64B9F81BF}"/>
+              </a:ext>
+            </a:extLst>
+          </p:cNvPr>
+          <p:cNvSpPr>
+            <a:spLocks noGrp="1"/>
+          </p:cNvSpPr>
+          <p:nvPr>
+            <p:ph type="title"/>
+          </p:nvPr>
+        </p:nvSpPr>
+        <p:spPr/>
+        <p:txBody>
+          <a:bodyPr/>
+          <a:lstStyle/>
+          <a:p>
+            <a:r>
+              <a:rPr lang="zh-CN" altLang="en-US" dirty="0"/>
+              <a:t>乘法优化</a:t>
+            </a:r>
+          </a:p>
+        </p:txBody>
+      </p:sp>
+      <mc:AlternateContent xmlns:mc="http://schemas.openxmlformats.org/markup-compatibility/2006">
+        <mc:Choice xmlns:a14="http://schemas.microsoft.com/office/drawing/2010/main" Requires="a14">
+          <p:sp>
+            <p:nvSpPr>
+              <p:cNvPr id="3" name="内容占位符 2">
+                <a:extLst>
+                  <a:ext uri="{FF2B5EF4-FFF2-40B4-BE49-F238E27FC236}">
+                    <a16:creationId xmlns:a16="http://schemas.microsoft.com/office/drawing/2014/main" id="{7B758578-2AB0-3661-EC38-918784FBD718}"/>
+                  </a:ext>
+                </a:extLst>
+              </p:cNvPr>
+              <p:cNvSpPr>
+                <a:spLocks noGrp="1"/>
+              </p:cNvSpPr>
+              <p:nvPr>
+                <p:ph idx="1"/>
+              </p:nvPr>
+            </p:nvSpPr>
+            <p:spPr/>
+            <p:txBody>
+              <a:bodyPr/>
+              <a:lstStyle/>
+              <a:p>
+                <a:r>
+                  <a:rPr lang="zh-CN" altLang="en-US" dirty="0"/>
+                  <a:t>程序员不得不使用循环和加法来模拟乘法。</a:t>
+                </a:r>
+                <a:endParaRPr lang="en-US" altLang="zh-CN" dirty="0"/>
+              </a:p>
+              <a:p>
+                <a:pPr lvl="1"/>
+                <a:r>
+                  <a:rPr lang="en-US" altLang="zh-CN" dirty="0"/>
+                  <a:t>++++[-&gt;++&gt;--&lt;&lt;]</a:t>
+                </a:r>
+                <a:r>
+                  <a:rPr lang="zh-CN" altLang="en-US" dirty="0"/>
+                  <a:t>将</a:t>
+                </a:r>
+                <a:r>
+                  <a:rPr lang="en-US" altLang="zh-CN" dirty="0"/>
+                  <a:t>p[1]</a:t>
+                </a:r>
+                <a:r>
+                  <a:rPr lang="zh-CN" altLang="en-US" dirty="0"/>
+                  <a:t>加上</a:t>
+                </a:r>
+                <a:r>
+                  <a:rPr lang="en-US" altLang="zh-CN" dirty="0"/>
+                  <a:t>4×2, </a:t>
+                </a:r>
+                <a:r>
+                  <a:rPr lang="zh-CN" altLang="en-US" dirty="0"/>
+                  <a:t>将</a:t>
+                </a:r>
+                <a:r>
+                  <a:rPr lang="en-US" altLang="zh-CN" dirty="0"/>
+                  <a:t>p[2]</a:t>
+                </a:r>
+                <a:r>
+                  <a:rPr lang="zh-CN" altLang="en-US" dirty="0"/>
+                  <a:t>加上</a:t>
+                </a:r>
+                <a:r>
+                  <a:rPr lang="en-US" altLang="zh-CN" dirty="0"/>
+                  <a:t>4×(-2)</a:t>
+                </a:r>
+                <a:r>
+                  <a:rPr lang="zh-CN" altLang="en-US" dirty="0"/>
+                  <a:t>。</a:t>
+                </a:r>
+                <a:endParaRPr lang="en-US" altLang="zh-CN" dirty="0"/>
+              </a:p>
+              <a:p>
+                <a:pPr lvl="1"/>
+                <a:r>
+                  <a:rPr lang="zh-CN" altLang="en-US" dirty="0"/>
+                  <a:t>这样太慢了，可以直接专门产生乘法指令来使它变快</a:t>
+                </a:r>
+                <a:endParaRPr lang="en-US" altLang="zh-CN" dirty="0"/>
+              </a:p>
+              <a:p>
+                <a:r>
+                  <a:rPr lang="zh-CN" altLang="en-US" dirty="0"/>
+                  <a:t>一个循环内若净位移量为</a:t>
+                </a:r>
+                <a:r>
+                  <a:rPr lang="en-US" altLang="zh-CN" dirty="0"/>
+                  <a:t>0</a:t>
+                </a:r>
+                <a:r>
+                  <a:rPr lang="zh-CN" altLang="en-US" dirty="0"/>
+                  <a:t>，对</a:t>
+                </a:r>
+                <a:r>
+                  <a:rPr lang="en-US" altLang="zh-CN" dirty="0"/>
+                  <a:t>p[0]</a:t>
+                </a:r>
+                <a:r>
+                  <a:rPr lang="zh-CN" altLang="en-US" dirty="0"/>
+                  <a:t>的净修改为</a:t>
+                </a:r>
+                <a:r>
+                  <a:rPr lang="en-US" altLang="zh-CN" dirty="0"/>
+                  <a:t>-1</a:t>
+                </a:r>
+                <a:r>
+                  <a:rPr lang="zh-CN" altLang="en-US" dirty="0"/>
+                  <a:t>，则可看作一个乘法指令。统计在每个位移量</a:t>
+                </a:r>
+                <a:r>
+                  <a:rPr lang="en-US" altLang="zh-CN" dirty="0"/>
+                  <a:t>x</a:t>
+                </a:r>
+                <a:r>
+                  <a:rPr lang="zh-CN" altLang="en-US" dirty="0"/>
+                  <a:t>上的净修改</a:t>
+                </a:r>
+                <a:r>
+                  <a:rPr lang="en-US" altLang="zh-CN" dirty="0"/>
+                  <a:t>y</a:t>
+                </a:r>
+                <a:r>
+                  <a:rPr lang="zh-CN" altLang="en-US" dirty="0"/>
+                  <a:t>，则可看成</a:t>
+                </a:r>
+                <a14:m>
+                  <m:oMath xmlns:m="http://schemas.openxmlformats.org/officeDocument/2006/math">
+                    <m:r>
+                      <a:rPr lang="en-US" altLang="zh-CN" b="0" i="1" smtClean="0">
+                        <a:latin typeface="Cambria Math" panose="02040503050406030204" pitchFamily="18" charset="0"/>
+                      </a:rPr>
+                      <m:t>𝑝</m:t>
+                    </m:r>
+                    <m:d>
+                      <m:dPr>
+                        <m:begChr m:val="["/>
+                        <m:endChr m:val="]"/>
+                        <m:ctrlPr>
+                          <a:rPr lang="en-US" altLang="zh-CN" b="0" i="1" smtClean="0">
+                            <a:latin typeface="Cambria Math" panose="02040503050406030204" pitchFamily="18" charset="0"/>
+                          </a:rPr>
+                        </m:ctrlPr>
+                      </m:dPr>
+                      <m:e>
+                        <m:r>
+                          <a:rPr lang="en-US" altLang="zh-CN" b="0" i="1" smtClean="0">
+                            <a:latin typeface="Cambria Math" panose="02040503050406030204" pitchFamily="18" charset="0"/>
+                          </a:rPr>
+                          <m:t>𝑥</m:t>
+                        </m:r>
+                      </m:e>
+                    </m:d>
+                    <m:r>
+                      <a:rPr lang="en-US" altLang="zh-CN" b="0" i="1" smtClean="0">
+                        <a:latin typeface="Cambria Math" panose="02040503050406030204" pitchFamily="18" charset="0"/>
+                      </a:rPr>
+                      <m:t>=</m:t>
+                    </m:r>
+                    <m:r>
+                      <a:rPr lang="en-US" altLang="zh-CN" b="0" i="1" smtClean="0">
+                        <a:latin typeface="Cambria Math" panose="02040503050406030204" pitchFamily="18" charset="0"/>
+                      </a:rPr>
+                      <m:t>𝑝</m:t>
+                    </m:r>
+                    <m:d>
+                      <m:dPr>
+                        <m:begChr m:val="["/>
+                        <m:endChr m:val="]"/>
+                        <m:ctrlPr>
+                          <a:rPr lang="en-US" altLang="zh-CN" b="0" i="1" smtClean="0">
+                            <a:latin typeface="Cambria Math" panose="02040503050406030204" pitchFamily="18" charset="0"/>
+                          </a:rPr>
+                        </m:ctrlPr>
+                      </m:dPr>
+                      <m:e>
+                        <m:r>
+                          <a:rPr lang="en-US" altLang="zh-CN" b="0" i="1" smtClean="0">
+                            <a:latin typeface="Cambria Math" panose="02040503050406030204" pitchFamily="18" charset="0"/>
+                          </a:rPr>
+                          <m:t>𝑥</m:t>
+                        </m:r>
+                      </m:e>
+                    </m:d>
+                    <m:r>
+                      <a:rPr lang="en-US" altLang="zh-CN" b="0" i="1" smtClean="0">
+                        <a:latin typeface="Cambria Math" panose="02040503050406030204" pitchFamily="18" charset="0"/>
+                      </a:rPr>
+                      <m:t>+</m:t>
+                    </m:r>
+                    <m:r>
+                      <a:rPr lang="en-US" altLang="zh-CN" b="0" i="1" smtClean="0">
+                        <a:latin typeface="Cambria Math" panose="02040503050406030204" pitchFamily="18" charset="0"/>
+                      </a:rPr>
+                      <m:t>𝑝</m:t>
+                    </m:r>
+                    <m:d>
+                      <m:dPr>
+                        <m:begChr m:val="["/>
+                        <m:endChr m:val="]"/>
+                        <m:ctrlPr>
+                          <a:rPr lang="en-US" altLang="zh-CN" b="0" i="1" smtClean="0">
+                            <a:latin typeface="Cambria Math" panose="02040503050406030204" pitchFamily="18" charset="0"/>
+                          </a:rPr>
+                        </m:ctrlPr>
+                      </m:dPr>
+                      <m:e>
+                        <m:r>
+                          <a:rPr lang="en-US" altLang="zh-CN" b="0" i="1" smtClean="0">
+                            <a:latin typeface="Cambria Math" panose="02040503050406030204" pitchFamily="18" charset="0"/>
+                          </a:rPr>
+                          <m:t>0</m:t>
+                        </m:r>
+                      </m:e>
+                    </m:d>
+                    <m:r>
+                      <a:rPr lang="en-US" altLang="zh-CN" b="0" i="1" smtClean="0">
+                        <a:latin typeface="Cambria Math" panose="02040503050406030204" pitchFamily="18" charset="0"/>
+                      </a:rPr>
+                      <m:t>×</m:t>
+                    </m:r>
+                    <m:r>
+                      <a:rPr lang="en-US" altLang="zh-CN" b="0" i="1" smtClean="0">
+                        <a:latin typeface="Cambria Math" panose="02040503050406030204" pitchFamily="18" charset="0"/>
+                      </a:rPr>
+                      <m:t>𝑦</m:t>
+                    </m:r>
+                  </m:oMath>
+                </a14:m>
+                <a:endParaRPr lang="zh-CN" altLang="en-US" dirty="0"/>
+              </a:p>
+            </p:txBody>
+          </p:sp>
+        </mc:Choice>
+        <mc:Fallback>
+          <p:sp>
+            <p:nvSpPr>
+              <p:cNvPr id="3" name="内容占位符 2">
+                <a:extLst>
+                  <a:ext uri="{FF2B5EF4-FFF2-40B4-BE49-F238E27FC236}">
+                    <a16:creationId xmlns:a16="http://schemas.microsoft.com/office/drawing/2014/main" id="{7B758578-2AB0-3661-EC38-918784FBD718}"/>
+                  </a:ext>
+                </a:extLst>
+              </p:cNvPr>
+              <p:cNvSpPr>
+                <a:spLocks noGrp="1" noRot="1" noChangeAspect="1" noMove="1" noResize="1" noEditPoints="1" noAdjustHandles="1" noChangeArrowheads="1" noChangeShapeType="1" noTextEdit="1"/>
+              </p:cNvSpPr>
+              <p:nvPr>
+                <p:ph idx="1"/>
+              </p:nvPr>
+            </p:nvSpPr>
+            <p:spPr>
+              <a:blipFill>
+                <a:blip r:embed="rId2"/>
+                <a:stretch>
+                  <a:fillRect l="-1043" t="-2521" r="-290"/>
+                </a:stretch>
+              </a:blipFill>
+            </p:spPr>
+            <p:txBody>
+              <a:bodyPr/>
+              <a:lstStyle/>
+              <a:p>
+                <a:r>
+                  <a:rPr lang="zh-CN" altLang="en-US">
+                    <a:noFill/>
+                  </a:rPr>
+                  <a:t> </a:t>
+                </a:r>
+              </a:p>
+            </p:txBody>
+          </p:sp>
+        </mc:Fallback>
+      </mc:AlternateContent>
+    </p:spTree>
+    <p:extLst>
+      <p:ext uri="{BB962C8B-B14F-4D97-AF65-F5344CB8AC3E}">
+        <p14:creationId xmlns:p14="http://schemas.microsoft.com/office/powerpoint/2010/main" val="1694916637"/>
+      </p:ext>
+    </p:extLst>
+  </p:cSld>
+  <p:clrMapOvr>
+    <a:masterClrMapping/>
+  </p:clrMapOvr>
+</p:sld>
+</file>
+
+<file path=ppt/slides/slide17.xml><?xml version="1.0" encoding="utf-8"?>
+<p:sld xmlns:a="http://schemas.openxmlformats.org/drawingml/2006/main" xmlns:r="http://schemas.openxmlformats.org/officeDocument/2006/relationships" xmlns:p="http://schemas.openxmlformats.org/presentationml/2006/main">
+  <p:cSld>
+    <p:spTree>
+      <p:nvGrpSpPr>
+        <p:cNvPr id="1" name=""/>
+        <p:cNvGrpSpPr/>
+        <p:nvPr/>
+      </p:nvGrpSpPr>
+      <p:grpSpPr>
+        <a:xfrm>
+          <a:off x="0" y="0"/>
+          <a:ext cx="0" cy="0"/>
+          <a:chOff x="0" y="0"/>
+          <a:chExt cx="0" cy="0"/>
+        </a:xfrm>
+      </p:grpSpPr>
+      <p:sp>
+        <p:nvSpPr>
+          <p:cNvPr id="2" name="标题 1">
+            <a:extLst>
+              <a:ext uri="{FF2B5EF4-FFF2-40B4-BE49-F238E27FC236}">
+                <a16:creationId xmlns:a16="http://schemas.microsoft.com/office/drawing/2014/main" id="{E16F939F-C4B9-09C3-02DC-90ED79959BC4}"/>
+              </a:ext>
+            </a:extLst>
+          </p:cNvPr>
+          <p:cNvSpPr>
+            <a:spLocks noGrp="1"/>
+          </p:cNvSpPr>
+          <p:nvPr>
+            <p:ph type="title"/>
+          </p:nvPr>
+        </p:nvSpPr>
+        <p:spPr/>
+        <p:txBody>
+          <a:bodyPr/>
+          <a:lstStyle/>
+          <a:p>
+            <a:r>
+              <a:rPr lang="zh-CN" altLang="en-US" dirty="0"/>
+              <a:t>整理</a:t>
+            </a:r>
+          </a:p>
+        </p:txBody>
+      </p:sp>
+      <p:sp>
+        <p:nvSpPr>
+          <p:cNvPr id="3" name="内容占位符 2">
+            <a:extLst>
+              <a:ext uri="{FF2B5EF4-FFF2-40B4-BE49-F238E27FC236}">
+                <a16:creationId xmlns:a16="http://schemas.microsoft.com/office/drawing/2014/main" id="{84E63525-6202-EA5F-C09F-D8840EAD6367}"/>
+              </a:ext>
+            </a:extLst>
+          </p:cNvPr>
+          <p:cNvSpPr>
+            <a:spLocks noGrp="1"/>
+          </p:cNvSpPr>
+          <p:nvPr>
+            <p:ph idx="1"/>
+          </p:nvPr>
+        </p:nvSpPr>
+        <p:spPr/>
+        <p:txBody>
+          <a:bodyPr/>
+          <a:lstStyle/>
+          <a:p>
+            <a:r>
+              <a:rPr lang="zh-CN" altLang="en-US" dirty="0"/>
+              <a:t>做了如此多的优化之后</a:t>
+            </a:r>
+            <a:r>
+              <a:rPr lang="en-US" altLang="zh-CN" dirty="0"/>
+              <a:t>, </a:t>
+            </a:r>
+            <a:r>
+              <a:rPr lang="zh-CN" altLang="en-US" dirty="0"/>
+              <a:t>跳转目标又乱掉了</a:t>
+            </a:r>
+            <a:r>
+              <a:rPr lang="en-US" altLang="zh-CN" dirty="0"/>
+              <a:t>, </a:t>
+            </a:r>
+            <a:r>
+              <a:rPr lang="zh-CN" altLang="en-US" dirty="0"/>
+              <a:t>因此再进行一次</a:t>
+            </a:r>
+            <a:r>
+              <a:rPr lang="en-US" altLang="zh-CN" dirty="0"/>
+              <a:t>reallocate.</a:t>
+            </a:r>
+            <a:endParaRPr lang="zh-CN" altLang="en-US" dirty="0"/>
+          </a:p>
+        </p:txBody>
+      </p:sp>
+    </p:spTree>
+    <p:extLst>
+      <p:ext uri="{BB962C8B-B14F-4D97-AF65-F5344CB8AC3E}">
+        <p14:creationId xmlns:p14="http://schemas.microsoft.com/office/powerpoint/2010/main" val="3024324737"/>
+      </p:ext>
+    </p:extLst>
+  </p:cSld>
+  <p:clrMapOvr>
+    <a:masterClrMapping/>
+  </p:clrMapOvr>
+</p:sld>
+</file>
+
+<file path=ppt/slides/slide18.xml><?xml version="1.0" encoding="utf-8"?>
+<p:sld xmlns:a="http://schemas.openxmlformats.org/drawingml/2006/main" xmlns:r="http://schemas.openxmlformats.org/officeDocument/2006/relationships" xmlns:p="http://schemas.openxmlformats.org/presentationml/2006/main">
+  <p:cSld>
+    <p:spTree>
+      <p:nvGrpSpPr>
+        <p:cNvPr id="1" name=""/>
+        <p:cNvGrpSpPr/>
+        <p:nvPr/>
+      </p:nvGrpSpPr>
+      <p:grpSpPr>
+        <a:xfrm>
+          <a:off x="0" y="0"/>
+          <a:ext cx="0" cy="0"/>
+          <a:chOff x="0" y="0"/>
+          <a:chExt cx="0" cy="0"/>
+        </a:xfrm>
+      </p:grpSpPr>
+      <p:sp>
+        <p:nvSpPr>
+          <p:cNvPr id="2" name="标题 1">
+            <a:extLst>
+              <a:ext uri="{FF2B5EF4-FFF2-40B4-BE49-F238E27FC236}">
+                <a16:creationId xmlns:a16="http://schemas.microsoft.com/office/drawing/2014/main" id="{95CC0987-022E-B3AC-2052-553AA336C3A2}"/>
+              </a:ext>
+            </a:extLst>
+          </p:cNvPr>
+          <p:cNvSpPr>
+            <a:spLocks noGrp="1"/>
+          </p:cNvSpPr>
+          <p:nvPr>
+            <p:ph type="title"/>
+          </p:nvPr>
+        </p:nvSpPr>
+        <p:spPr/>
+        <p:txBody>
+          <a:bodyPr/>
+          <a:lstStyle/>
+          <a:p>
+            <a:r>
+              <a:rPr lang="zh-CN" altLang="en-US" dirty="0"/>
+              <a:t>设计虚拟机</a:t>
+            </a:r>
+          </a:p>
+        </p:txBody>
+      </p:sp>
+      <p:sp>
+        <p:nvSpPr>
+          <p:cNvPr id="3" name="内容占位符 2">
+            <a:extLst>
+              <a:ext uri="{FF2B5EF4-FFF2-40B4-BE49-F238E27FC236}">
+                <a16:creationId xmlns:a16="http://schemas.microsoft.com/office/drawing/2014/main" id="{7126775F-8A82-CF73-C8F0-68707D02D9A5}"/>
+              </a:ext>
+            </a:extLst>
+          </p:cNvPr>
+          <p:cNvSpPr>
+            <a:spLocks noGrp="1"/>
+          </p:cNvSpPr>
+          <p:nvPr>
+            <p:ph idx="1"/>
+          </p:nvPr>
+        </p:nvSpPr>
+        <p:spPr/>
+        <p:txBody>
+          <a:bodyPr/>
+          <a:lstStyle/>
+          <a:p>
+            <a:r>
+              <a:rPr lang="zh-CN" altLang="en-US" dirty="0"/>
+              <a:t>执行指令流和</a:t>
+            </a:r>
+            <a:r>
+              <a:rPr lang="en-US" altLang="zh-CN" dirty="0"/>
+              <a:t>IR</a:t>
+            </a:r>
+            <a:r>
+              <a:rPr lang="zh-CN" altLang="en-US" dirty="0"/>
+              <a:t>流的虚拟机</a:t>
+            </a:r>
+            <a:endParaRPr lang="en-US" altLang="zh-CN" dirty="0"/>
+          </a:p>
+          <a:p>
+            <a:pPr lvl="1"/>
+            <a:r>
+              <a:rPr lang="zh-CN" altLang="en-US" dirty="0"/>
+              <a:t>简单，易于设计</a:t>
+            </a:r>
+            <a:endParaRPr lang="en-US" altLang="zh-CN" dirty="0"/>
+          </a:p>
+          <a:p>
+            <a:pPr lvl="1"/>
+            <a:r>
+              <a:rPr lang="zh-CN" altLang="en-US" dirty="0"/>
+              <a:t>针对不同的指令类型设计对应的</a:t>
+            </a:r>
+            <a:r>
+              <a:rPr lang="en-US" altLang="zh-CN" dirty="0"/>
+              <a:t>handle</a:t>
+            </a:r>
+            <a:r>
+              <a:rPr lang="zh-CN" altLang="en-US" dirty="0"/>
+              <a:t>函数，然后根据不同的类型分别调用函数即可。</a:t>
+            </a:r>
+            <a:endParaRPr lang="en-US" altLang="zh-CN" dirty="0"/>
+          </a:p>
+          <a:p>
+            <a:pPr lvl="1"/>
+            <a:r>
+              <a:rPr lang="zh-CN" altLang="en-US" dirty="0"/>
+              <a:t>使用了类继承，复用了一部分代码</a:t>
+            </a:r>
+            <a:endParaRPr lang="en-US" altLang="zh-CN" dirty="0"/>
+          </a:p>
+          <a:p>
+            <a:r>
+              <a:rPr lang="zh-CN" altLang="en-US" dirty="0"/>
+              <a:t>做</a:t>
+            </a:r>
+            <a:r>
+              <a:rPr lang="en-US" altLang="zh-CN" dirty="0"/>
+              <a:t>JIT</a:t>
+            </a:r>
+            <a:r>
+              <a:rPr lang="zh-CN" altLang="en-US" dirty="0"/>
+              <a:t>的虚拟机</a:t>
+            </a:r>
+            <a:endParaRPr lang="en-US" altLang="zh-CN" dirty="0"/>
+          </a:p>
+          <a:p>
+            <a:pPr lvl="1"/>
+            <a:r>
+              <a:rPr lang="zh-CN" altLang="en-US" dirty="0"/>
+              <a:t>和前面俩相差有点大，不好继承，所以单独写</a:t>
+            </a:r>
+            <a:endParaRPr lang="en-US" altLang="zh-CN" dirty="0"/>
+          </a:p>
+          <a:p>
+            <a:pPr lvl="1"/>
+            <a:r>
+              <a:rPr lang="zh-CN" altLang="en-US" dirty="0"/>
+              <a:t>使用库</a:t>
+            </a:r>
+            <a:r>
+              <a:rPr lang="en-US" altLang="zh-CN" dirty="0" err="1"/>
+              <a:t>PeachPy</a:t>
+            </a:r>
+            <a:r>
+              <a:rPr lang="zh-CN" altLang="en-US" dirty="0"/>
+              <a:t>，在</a:t>
+            </a:r>
+            <a:r>
+              <a:rPr lang="en-US" altLang="zh-CN" dirty="0"/>
+              <a:t>Python</a:t>
+            </a:r>
+            <a:r>
+              <a:rPr lang="zh-CN" altLang="en-US" dirty="0"/>
+              <a:t>中将</a:t>
+            </a:r>
+            <a:r>
+              <a:rPr lang="en-US" altLang="zh-CN" dirty="0"/>
+              <a:t>IR</a:t>
+            </a:r>
+            <a:r>
+              <a:rPr lang="zh-CN" altLang="en-US" dirty="0"/>
+              <a:t>翻译为对应的汇编代码并运行时产生机器码。</a:t>
+            </a:r>
+            <a:r>
+              <a:rPr lang="en-US" altLang="zh-CN" dirty="0">
+                <a:solidFill>
+                  <a:schemeClr val="tx1">
+                    <a:lumMod val="50000"/>
+                    <a:lumOff val="50000"/>
+                  </a:schemeClr>
+                </a:solidFill>
+              </a:rPr>
+              <a:t>(</a:t>
+            </a:r>
+            <a:r>
+              <a:rPr lang="zh-CN" altLang="en-US" dirty="0">
+                <a:solidFill>
+                  <a:schemeClr val="tx1">
+                    <a:lumMod val="50000"/>
+                    <a:lumOff val="50000"/>
+                  </a:schemeClr>
+                </a:solidFill>
+              </a:rPr>
+              <a:t>谢谢</a:t>
+            </a:r>
+            <a:r>
+              <a:rPr lang="en-US" altLang="zh-CN" dirty="0" err="1">
+                <a:solidFill>
+                  <a:schemeClr val="tx1">
+                    <a:lumMod val="50000"/>
+                    <a:lumOff val="50000"/>
+                  </a:schemeClr>
+                </a:solidFill>
+                <a:hlinkClick r:id="rId2">
+                  <a:extLst>
+                    <a:ext uri="{A12FA001-AC4F-418D-AE19-62706E023703}">
+                      <ahyp:hlinkClr xmlns:ahyp="http://schemas.microsoft.com/office/drawing/2018/hyperlinkcolor" val="tx"/>
+                    </a:ext>
+                  </a:extLst>
+                </a:hlinkClick>
+              </a:rPr>
+              <a:t>Cushyz</a:t>
+            </a:r>
+            <a:r>
+              <a:rPr lang="en-US" altLang="zh-CN" dirty="0">
+                <a:solidFill>
+                  <a:schemeClr val="tx1">
+                    <a:lumMod val="50000"/>
+                    <a:lumOff val="50000"/>
+                  </a:schemeClr>
+                </a:solidFill>
+              </a:rPr>
+              <a:t>! </a:t>
+            </a:r>
+            <a:r>
+              <a:rPr lang="zh-CN" altLang="en-US" dirty="0">
+                <a:solidFill>
+                  <a:schemeClr val="tx1">
+                    <a:lumMod val="50000"/>
+                    <a:lumOff val="50000"/>
+                  </a:schemeClr>
+                </a:solidFill>
+              </a:rPr>
+              <a:t>他帮我解决了跨平台</a:t>
+            </a:r>
+            <a:r>
+              <a:rPr lang="en-US" altLang="zh-CN" dirty="0" err="1">
+                <a:solidFill>
+                  <a:schemeClr val="tx1">
+                    <a:lumMod val="50000"/>
+                    <a:lumOff val="50000"/>
+                  </a:schemeClr>
+                </a:solidFill>
+              </a:rPr>
+              <a:t>syscall</a:t>
+            </a:r>
+            <a:r>
+              <a:rPr lang="zh-CN" altLang="en-US" dirty="0">
+                <a:solidFill>
+                  <a:schemeClr val="tx1">
+                    <a:lumMod val="50000"/>
+                    <a:lumOff val="50000"/>
+                  </a:schemeClr>
+                </a:solidFill>
+              </a:rPr>
+              <a:t>的问题</a:t>
+            </a:r>
+            <a:r>
+              <a:rPr lang="en-US" altLang="zh-CN" dirty="0">
+                <a:solidFill>
+                  <a:schemeClr val="tx1">
+                    <a:lumMod val="50000"/>
+                    <a:lumOff val="50000"/>
+                  </a:schemeClr>
+                </a:solidFill>
+              </a:rPr>
+              <a:t>!)</a:t>
+            </a:r>
+          </a:p>
+          <a:p>
+            <a:pPr lvl="1"/>
+            <a:r>
+              <a:rPr lang="zh-CN" altLang="en-US" dirty="0"/>
+              <a:t>申请一块可执行的内存，将机器码放入内存中，并跳转过去执行</a:t>
+            </a:r>
+            <a:endParaRPr lang="en-US" altLang="zh-CN" dirty="0"/>
+          </a:p>
+        </p:txBody>
+      </p:sp>
+    </p:spTree>
+    <p:extLst>
+      <p:ext uri="{BB962C8B-B14F-4D97-AF65-F5344CB8AC3E}">
+        <p14:creationId xmlns:p14="http://schemas.microsoft.com/office/powerpoint/2010/main" val="2356411386"/>
+      </p:ext>
+    </p:extLst>
+  </p:cSld>
+  <p:clrMapOvr>
+    <a:masterClrMapping/>
+  </p:clrMapOvr>
+</p:sld>
+</file>
+
+<file path=ppt/slides/slide19.xml><?xml version="1.0" encoding="utf-8"?>
+<p:sld xmlns:a="http://schemas.openxmlformats.org/drawingml/2006/main" xmlns:r="http://schemas.openxmlformats.org/officeDocument/2006/relationships" xmlns:p="http://schemas.openxmlformats.org/presentationml/2006/main">
+  <p:cSld>
+    <p:spTree>
+      <p:nvGrpSpPr>
+        <p:cNvPr id="1" name=""/>
+        <p:cNvGrpSpPr/>
+        <p:nvPr/>
+      </p:nvGrpSpPr>
+      <p:grpSpPr>
+        <a:xfrm>
+          <a:off x="0" y="0"/>
+          <a:ext cx="0" cy="0"/>
+          <a:chOff x="0" y="0"/>
+          <a:chExt cx="0" cy="0"/>
+        </a:xfrm>
+      </p:grpSpPr>
+      <p:sp>
+        <p:nvSpPr>
+          <p:cNvPr id="4" name="标题 3">
+            <a:extLst>
+              <a:ext uri="{FF2B5EF4-FFF2-40B4-BE49-F238E27FC236}">
+                <a16:creationId xmlns:a16="http://schemas.microsoft.com/office/drawing/2014/main" id="{CB563C64-CDC7-E993-225E-6262FB89DD32}"/>
+              </a:ext>
+            </a:extLst>
+          </p:cNvPr>
+          <p:cNvSpPr>
+            <a:spLocks noGrp="1"/>
+          </p:cNvSpPr>
+          <p:nvPr>
+            <p:ph type="title"/>
+          </p:nvPr>
+        </p:nvSpPr>
+        <p:spPr/>
+        <p:txBody>
+          <a:bodyPr/>
+          <a:lstStyle/>
+          <a:p>
+            <a:r>
+              <a:rPr lang="zh-CN" altLang="en-US" dirty="0"/>
+              <a:t>可视化结果</a:t>
+            </a:r>
+          </a:p>
+        </p:txBody>
+      </p:sp>
+      <p:sp>
+        <p:nvSpPr>
+          <p:cNvPr id="5" name="文本占位符 4">
+            <a:extLst>
+              <a:ext uri="{FF2B5EF4-FFF2-40B4-BE49-F238E27FC236}">
+                <a16:creationId xmlns:a16="http://schemas.microsoft.com/office/drawing/2014/main" id="{2ED5013D-CFF9-F773-2901-1131895913E3}"/>
+              </a:ext>
+            </a:extLst>
+          </p:cNvPr>
+          <p:cNvSpPr>
+            <a:spLocks noGrp="1"/>
+          </p:cNvSpPr>
+          <p:nvPr>
+            <p:ph type="body" idx="1"/>
+          </p:nvPr>
+        </p:nvSpPr>
+        <p:spPr/>
+        <p:txBody>
+          <a:bodyPr/>
+          <a:lstStyle/>
+          <a:p>
+            <a:r>
+              <a:rPr lang="en-US" altLang="zh-CN" dirty="0"/>
+              <a:t>        It’s actually a game.</a:t>
+            </a:r>
+            <a:endParaRPr lang="zh-CN" altLang="en-US" dirty="0"/>
+          </a:p>
+        </p:txBody>
+      </p:sp>
+    </p:spTree>
+    <p:extLst>
+      <p:ext uri="{BB962C8B-B14F-4D97-AF65-F5344CB8AC3E}">
+        <p14:creationId xmlns:p14="http://schemas.microsoft.com/office/powerpoint/2010/main" val="492391199"/>
       </p:ext>
     </p:extLst>
   </p:cSld>
@@ -4211,6 +5892,832 @@
     <p:extLst>
       <p:ext uri="{BB962C8B-B14F-4D97-AF65-F5344CB8AC3E}">
         <p14:creationId xmlns:p14="http://schemas.microsoft.com/office/powerpoint/2010/main" val="3691756604"/>
+      </p:ext>
+    </p:extLst>
+  </p:cSld>
+  <p:clrMapOvr>
+    <a:masterClrMapping/>
+  </p:clrMapOvr>
+</p:sld>
+</file>
+
+<file path=ppt/slides/slide20.xml><?xml version="1.0" encoding="utf-8"?>
+<p:sld xmlns:a="http://schemas.openxmlformats.org/drawingml/2006/main" xmlns:r="http://schemas.openxmlformats.org/officeDocument/2006/relationships" xmlns:p="http://schemas.openxmlformats.org/presentationml/2006/main">
+  <p:cSld>
+    <p:spTree>
+      <p:nvGrpSpPr>
+        <p:cNvPr id="1" name=""/>
+        <p:cNvGrpSpPr/>
+        <p:nvPr/>
+      </p:nvGrpSpPr>
+      <p:grpSpPr>
+        <a:xfrm>
+          <a:off x="0" y="0"/>
+          <a:ext cx="0" cy="0"/>
+          <a:chOff x="0" y="0"/>
+          <a:chExt cx="0" cy="0"/>
+        </a:xfrm>
+      </p:grpSpPr>
+      <p:sp>
+        <p:nvSpPr>
+          <p:cNvPr id="6" name="标题 5">
+            <a:extLst>
+              <a:ext uri="{FF2B5EF4-FFF2-40B4-BE49-F238E27FC236}">
+                <a16:creationId xmlns:a16="http://schemas.microsoft.com/office/drawing/2014/main" id="{6A4ACA39-551B-8527-D598-353A78A932AD}"/>
+              </a:ext>
+            </a:extLst>
+          </p:cNvPr>
+          <p:cNvSpPr>
+            <a:spLocks noGrp="1"/>
+          </p:cNvSpPr>
+          <p:nvPr>
+            <p:ph type="title"/>
+          </p:nvPr>
+        </p:nvSpPr>
+        <p:spPr/>
+        <p:txBody>
+          <a:bodyPr/>
+          <a:lstStyle/>
+          <a:p>
+            <a:r>
+              <a:rPr lang="en-US" altLang="zh-CN" dirty="0"/>
+              <a:t>CLI</a:t>
+            </a:r>
+            <a:r>
+              <a:rPr lang="zh-CN" altLang="en-US" dirty="0"/>
+              <a:t>可视化</a:t>
+            </a:r>
+          </a:p>
+        </p:txBody>
+      </p:sp>
+      <p:pic>
+        <p:nvPicPr>
+          <p:cNvPr id="10" name="图片占位符 9" descr="图片包含 文本&#10;&#10;描述已自动生成">
+            <a:extLst>
+              <a:ext uri="{FF2B5EF4-FFF2-40B4-BE49-F238E27FC236}">
+                <a16:creationId xmlns:a16="http://schemas.microsoft.com/office/drawing/2014/main" id="{E22C5465-BD66-C23A-ADC5-F66135281C8F}"/>
+              </a:ext>
+            </a:extLst>
+          </p:cNvPr>
+          <p:cNvPicPr>
+            <a:picLocks noGrp="1" noChangeAspect="1"/>
+          </p:cNvPicPr>
+          <p:nvPr>
+            <p:ph type="pic" idx="1"/>
+          </p:nvPr>
+        </p:nvPicPr>
+        <p:blipFill>
+          <a:blip r:embed="rId3">
+            <a:extLst>
+              <a:ext uri="{28A0092B-C50C-407E-A947-70E740481C1C}">
+                <a14:useLocalDpi xmlns:a14="http://schemas.microsoft.com/office/drawing/2010/main" val="0"/>
+              </a:ext>
+            </a:extLst>
+          </a:blip>
+          <a:srcRect t="4986" b="4986"/>
+          <a:stretch>
+            <a:fillRect/>
+          </a:stretch>
+        </p:blipFill>
+        <p:spPr/>
+      </p:pic>
+      <p:sp>
+        <p:nvSpPr>
+          <p:cNvPr id="8" name="文本占位符 7">
+            <a:extLst>
+              <a:ext uri="{FF2B5EF4-FFF2-40B4-BE49-F238E27FC236}">
+                <a16:creationId xmlns:a16="http://schemas.microsoft.com/office/drawing/2014/main" id="{8E7FD620-1C30-FFC1-D24F-06E835F3E410}"/>
+              </a:ext>
+            </a:extLst>
+          </p:cNvPr>
+          <p:cNvSpPr>
+            <a:spLocks noGrp="1"/>
+          </p:cNvSpPr>
+          <p:nvPr>
+            <p:ph type="body" sz="half" idx="2"/>
+          </p:nvPr>
+        </p:nvSpPr>
+        <p:spPr/>
+        <p:txBody>
+          <a:bodyPr>
+            <a:normAutofit/>
+          </a:bodyPr>
+          <a:lstStyle/>
+          <a:p>
+            <a:r>
+              <a:rPr lang="zh-CN" altLang="en-US" sz="2000" dirty="0"/>
+              <a:t>在命令行忠实的打印</a:t>
+            </a:r>
+            <a:r>
+              <a:rPr lang="en-US" altLang="zh-CN" sz="2000" dirty="0"/>
+              <a:t>bf</a:t>
+            </a:r>
+            <a:r>
+              <a:rPr lang="zh-CN" altLang="en-US" sz="2000" dirty="0"/>
+              <a:t>程序的输出。</a:t>
+            </a:r>
+            <a:endParaRPr lang="en-US" altLang="zh-CN" sz="2000" dirty="0"/>
+          </a:p>
+          <a:p>
+            <a:r>
+              <a:rPr lang="zh-CN" altLang="en-US" sz="2000" dirty="0"/>
+              <a:t>注意看，这个程序的名字叫</a:t>
+            </a:r>
+            <a:r>
+              <a:rPr lang="en-US" altLang="zh-CN" sz="2000" dirty="0"/>
+              <a:t>madelbrot.bf, </a:t>
+            </a:r>
+            <a:r>
+              <a:rPr lang="zh-CN" altLang="en-US" sz="2000" dirty="0"/>
+              <a:t>他在命令行画了一个漂亮的分形。</a:t>
+            </a:r>
+            <a:endParaRPr lang="en-US" altLang="zh-CN" sz="2000" dirty="0"/>
+          </a:p>
+        </p:txBody>
+      </p:sp>
+    </p:spTree>
+    <p:extLst>
+      <p:ext uri="{BB962C8B-B14F-4D97-AF65-F5344CB8AC3E}">
+        <p14:creationId xmlns:p14="http://schemas.microsoft.com/office/powerpoint/2010/main" val="4101628320"/>
+      </p:ext>
+    </p:extLst>
+  </p:cSld>
+  <p:clrMapOvr>
+    <a:masterClrMapping/>
+  </p:clrMapOvr>
+</p:sld>
+</file>
+
+<file path=ppt/slides/slide21.xml><?xml version="1.0" encoding="utf-8"?>
+<p:sld xmlns:a="http://schemas.openxmlformats.org/drawingml/2006/main" xmlns:r="http://schemas.openxmlformats.org/officeDocument/2006/relationships" xmlns:p="http://schemas.openxmlformats.org/presentationml/2006/main">
+  <p:cSld>
+    <p:spTree>
+      <p:nvGrpSpPr>
+        <p:cNvPr id="1" name=""/>
+        <p:cNvGrpSpPr/>
+        <p:nvPr/>
+      </p:nvGrpSpPr>
+      <p:grpSpPr>
+        <a:xfrm>
+          <a:off x="0" y="0"/>
+          <a:ext cx="0" cy="0"/>
+          <a:chOff x="0" y="0"/>
+          <a:chExt cx="0" cy="0"/>
+        </a:xfrm>
+      </p:grpSpPr>
+      <p:sp>
+        <p:nvSpPr>
+          <p:cNvPr id="2" name="标题 1">
+            <a:extLst>
+              <a:ext uri="{FF2B5EF4-FFF2-40B4-BE49-F238E27FC236}">
+                <a16:creationId xmlns:a16="http://schemas.microsoft.com/office/drawing/2014/main" id="{5BE9E8F7-8561-04C5-10B2-43ACC9E3DF61}"/>
+              </a:ext>
+            </a:extLst>
+          </p:cNvPr>
+          <p:cNvSpPr>
+            <a:spLocks noGrp="1"/>
+          </p:cNvSpPr>
+          <p:nvPr>
+            <p:ph type="title"/>
+          </p:nvPr>
+        </p:nvSpPr>
+        <p:spPr/>
+        <p:txBody>
+          <a:bodyPr/>
+          <a:lstStyle/>
+          <a:p>
+            <a:r>
+              <a:rPr lang="en-US" altLang="zh-CN" dirty="0"/>
+              <a:t>GUI</a:t>
+            </a:r>
+            <a:r>
+              <a:rPr lang="zh-CN" altLang="en-US" dirty="0"/>
+              <a:t>可视化</a:t>
+            </a:r>
+          </a:p>
+        </p:txBody>
+      </p:sp>
+      <p:pic>
+        <p:nvPicPr>
+          <p:cNvPr id="10" name="图片占位符 9" descr="图表, 瀑布图&#10;&#10;描述已自动生成">
+            <a:extLst>
+              <a:ext uri="{FF2B5EF4-FFF2-40B4-BE49-F238E27FC236}">
+                <a16:creationId xmlns:a16="http://schemas.microsoft.com/office/drawing/2014/main" id="{B40C4275-4352-7A05-D9CC-F7843DD0F571}"/>
+              </a:ext>
+            </a:extLst>
+          </p:cNvPr>
+          <p:cNvPicPr>
+            <a:picLocks noGrp="1" noChangeAspect="1"/>
+          </p:cNvPicPr>
+          <p:nvPr>
+            <p:ph type="pic" idx="1"/>
+          </p:nvPr>
+        </p:nvPicPr>
+        <p:blipFill>
+          <a:blip r:embed="rId2">
+            <a:extLst>
+              <a:ext uri="{28A0092B-C50C-407E-A947-70E740481C1C}">
+                <a14:useLocalDpi xmlns:a14="http://schemas.microsoft.com/office/drawing/2010/main" val="0"/>
+              </a:ext>
+            </a:extLst>
+          </a:blip>
+          <a:stretch>
+            <a:fillRect/>
+          </a:stretch>
+        </p:blipFill>
+        <p:spPr>
+          <a:xfrm>
+            <a:off x="4883283" y="1257299"/>
+            <a:ext cx="6468927" cy="3798121"/>
+          </a:xfrm>
+        </p:spPr>
+      </p:pic>
+      <p:sp>
+        <p:nvSpPr>
+          <p:cNvPr id="4" name="文本占位符 3">
+            <a:extLst>
+              <a:ext uri="{FF2B5EF4-FFF2-40B4-BE49-F238E27FC236}">
+                <a16:creationId xmlns:a16="http://schemas.microsoft.com/office/drawing/2014/main" id="{D0244F5E-2D2C-CFDD-0EDF-4B311B7B4024}"/>
+              </a:ext>
+            </a:extLst>
+          </p:cNvPr>
+          <p:cNvSpPr>
+            <a:spLocks noGrp="1"/>
+          </p:cNvSpPr>
+          <p:nvPr>
+            <p:ph type="body" sz="half" idx="2"/>
+          </p:nvPr>
+        </p:nvSpPr>
+        <p:spPr/>
+        <p:txBody>
+          <a:bodyPr>
+            <a:normAutofit/>
+          </a:bodyPr>
+          <a:lstStyle/>
+          <a:p>
+            <a:r>
+              <a:rPr lang="zh-CN" altLang="en-US" sz="2400" dirty="0"/>
+              <a:t>写了一个简易的</a:t>
+            </a:r>
+            <a:r>
+              <a:rPr lang="en-US" altLang="zh-CN" sz="2400" dirty="0"/>
+              <a:t>GUI</a:t>
+            </a:r>
+            <a:r>
+              <a:rPr lang="zh-CN" altLang="en-US" sz="2400" dirty="0"/>
+              <a:t>界面，用来展示虚拟机内部实际上在做什么。界面基于</a:t>
+            </a:r>
+            <a:r>
+              <a:rPr lang="en-US" altLang="zh-CN" sz="2400" dirty="0" err="1"/>
+              <a:t>pygame</a:t>
+            </a:r>
+            <a:r>
+              <a:rPr lang="zh-CN" altLang="en-US" sz="2400" dirty="0"/>
+              <a:t>框架开发。此框架画长方形还挺方便。</a:t>
+            </a:r>
+            <a:endParaRPr lang="en-US" altLang="zh-CN" sz="2400" dirty="0"/>
+          </a:p>
+          <a:p>
+            <a:r>
+              <a:rPr lang="zh-CN" altLang="en-US" sz="2400" dirty="0"/>
+              <a:t>此程序名叫</a:t>
+            </a:r>
+            <a:r>
+              <a:rPr lang="en-US" altLang="zh-CN" sz="2400" dirty="0"/>
+              <a:t>factor.bf, </a:t>
+            </a:r>
+            <a:r>
+              <a:rPr lang="zh-CN" altLang="en-US" sz="2400" dirty="0"/>
+              <a:t>其接受一个输入，并返回质因数分解的结果。</a:t>
+            </a:r>
+          </a:p>
+        </p:txBody>
+      </p:sp>
+      <p:pic>
+        <p:nvPicPr>
+          <p:cNvPr id="12" name="图片 11" descr="图片包含 应用程序&#10;&#10;描述已自动生成">
+            <a:extLst>
+              <a:ext uri="{FF2B5EF4-FFF2-40B4-BE49-F238E27FC236}">
+                <a16:creationId xmlns:a16="http://schemas.microsoft.com/office/drawing/2014/main" id="{840034C7-514C-BBC9-B9FA-8B2B24D8B7CE}"/>
+              </a:ext>
+            </a:extLst>
+          </p:cNvPr>
+          <p:cNvPicPr>
+            <a:picLocks noChangeAspect="1"/>
+          </p:cNvPicPr>
+          <p:nvPr/>
+        </p:nvPicPr>
+        <p:blipFill>
+          <a:blip r:embed="rId3">
+            <a:extLst>
+              <a:ext uri="{28A0092B-C50C-407E-A947-70E740481C1C}">
+                <a14:useLocalDpi xmlns:a14="http://schemas.microsoft.com/office/drawing/2010/main" val="0"/>
+              </a:ext>
+            </a:extLst>
+          </a:blip>
+          <a:stretch>
+            <a:fillRect/>
+          </a:stretch>
+        </p:blipFill>
+        <p:spPr>
+          <a:xfrm>
+            <a:off x="4883284" y="1257300"/>
+            <a:ext cx="6468927" cy="3798121"/>
+          </a:xfrm>
+          <a:prstGeom prst="rect">
+            <a:avLst/>
+          </a:prstGeom>
+        </p:spPr>
+      </p:pic>
+    </p:spTree>
+    <p:extLst>
+      <p:ext uri="{BB962C8B-B14F-4D97-AF65-F5344CB8AC3E}">
+        <p14:creationId xmlns:p14="http://schemas.microsoft.com/office/powerpoint/2010/main" val="243211051"/>
+      </p:ext>
+    </p:extLst>
+  </p:cSld>
+  <p:clrMapOvr>
+    <a:masterClrMapping/>
+  </p:clrMapOvr>
+  <p:timing>
+    <p:tnLst>
+      <p:par>
+        <p:cTn id="1" dur="indefinite" restart="never" nodeType="tmRoot">
+          <p:childTnLst>
+            <p:seq concurrent="1" nextAc="seek">
+              <p:cTn id="2" dur="indefinite" nodeType="mainSeq">
+                <p:childTnLst>
+                  <p:par>
+                    <p:cTn id="3" fill="hold">
+                      <p:stCondLst>
+                        <p:cond delay="indefinite"/>
+                      </p:stCondLst>
+                      <p:childTnLst>
+                        <p:par>
+                          <p:cTn id="4" fill="hold">
+                            <p:stCondLst>
+                              <p:cond delay="0"/>
+                            </p:stCondLst>
+                            <p:childTnLst>
+                              <p:par>
+                                <p:cTn id="5" presetID="10" presetClass="entr" presetSubtype="0" fill="hold" nodeType="clickEffect">
+                                  <p:stCondLst>
+                                    <p:cond delay="0"/>
+                                  </p:stCondLst>
+                                  <p:childTnLst>
+                                    <p:set>
+                                      <p:cBhvr>
+                                        <p:cTn id="6" dur="1" fill="hold">
+                                          <p:stCondLst>
+                                            <p:cond delay="0"/>
+                                          </p:stCondLst>
+                                        </p:cTn>
+                                        <p:tgtEl>
+                                          <p:spTgt spid="10"/>
+                                        </p:tgtEl>
+                                        <p:attrNameLst>
+                                          <p:attrName>style.visibility</p:attrName>
+                                        </p:attrNameLst>
+                                      </p:cBhvr>
+                                      <p:to>
+                                        <p:strVal val="visible"/>
+                                      </p:to>
+                                    </p:set>
+                                    <p:animEffect transition="in" filter="fade">
+                                      <p:cBhvr>
+                                        <p:cTn id="7" dur="500"/>
+                                        <p:tgtEl>
+                                          <p:spTgt spid="10"/>
+                                        </p:tgtEl>
+                                      </p:cBhvr>
+                                    </p:animEffect>
+                                  </p:childTnLst>
+                                </p:cTn>
+                              </p:par>
+                            </p:childTnLst>
+                          </p:cTn>
+                        </p:par>
+                      </p:childTnLst>
+                    </p:cTn>
+                  </p:par>
+                  <p:par>
+                    <p:cTn id="8" fill="hold">
+                      <p:stCondLst>
+                        <p:cond delay="indefinite"/>
+                      </p:stCondLst>
+                      <p:childTnLst>
+                        <p:par>
+                          <p:cTn id="9" fill="hold">
+                            <p:stCondLst>
+                              <p:cond delay="0"/>
+                            </p:stCondLst>
+                            <p:childTnLst>
+                              <p:par>
+                                <p:cTn id="10" presetID="10" presetClass="entr" presetSubtype="0" fill="hold" nodeType="clickEffect">
+                                  <p:stCondLst>
+                                    <p:cond delay="0"/>
+                                  </p:stCondLst>
+                                  <p:childTnLst>
+                                    <p:set>
+                                      <p:cBhvr>
+                                        <p:cTn id="11" dur="1" fill="hold">
+                                          <p:stCondLst>
+                                            <p:cond delay="0"/>
+                                          </p:stCondLst>
+                                        </p:cTn>
+                                        <p:tgtEl>
+                                          <p:spTgt spid="12"/>
+                                        </p:tgtEl>
+                                        <p:attrNameLst>
+                                          <p:attrName>style.visibility</p:attrName>
+                                        </p:attrNameLst>
+                                      </p:cBhvr>
+                                      <p:to>
+                                        <p:strVal val="visible"/>
+                                      </p:to>
+                                    </p:set>
+                                    <p:animEffect transition="in" filter="fade">
+                                      <p:cBhvr>
+                                        <p:cTn id="12" dur="500"/>
+                                        <p:tgtEl>
+                                          <p:spTgt spid="12"/>
+                                        </p:tgtEl>
+                                      </p:cBhvr>
+                                    </p:animEffect>
+                                  </p:childTnLst>
+                                </p:cTn>
+                              </p:par>
+                            </p:childTnLst>
+                          </p:cTn>
+                        </p:par>
+                      </p:childTnLst>
+                    </p:cTn>
+                  </p:par>
+                </p:childTnLst>
+              </p:cTn>
+              <p:prevCondLst>
+                <p:cond evt="onPrev" delay="0">
+                  <p:tgtEl>
+                    <p:sldTgt/>
+                  </p:tgtEl>
+                </p:cond>
+              </p:prevCondLst>
+              <p:nextCondLst>
+                <p:cond evt="onNext" delay="0">
+                  <p:tgtEl>
+                    <p:sldTgt/>
+                  </p:tgtEl>
+                </p:cond>
+              </p:nextCondLst>
+            </p:seq>
+          </p:childTnLst>
+        </p:cTn>
+      </p:par>
+    </p:tnLst>
+  </p:timing>
+</p:sld>
+</file>
+
+<file path=ppt/slides/slide22.xml><?xml version="1.0" encoding="utf-8"?>
+<p:sld xmlns:a="http://schemas.openxmlformats.org/drawingml/2006/main" xmlns:r="http://schemas.openxmlformats.org/officeDocument/2006/relationships" xmlns:p="http://schemas.openxmlformats.org/presentationml/2006/main">
+  <p:cSld>
+    <p:spTree>
+      <p:nvGrpSpPr>
+        <p:cNvPr id="1" name=""/>
+        <p:cNvGrpSpPr/>
+        <p:nvPr/>
+      </p:nvGrpSpPr>
+      <p:grpSpPr>
+        <a:xfrm>
+          <a:off x="0" y="0"/>
+          <a:ext cx="0" cy="0"/>
+          <a:chOff x="0" y="0"/>
+          <a:chExt cx="0" cy="0"/>
+        </a:xfrm>
+      </p:grpSpPr>
+      <p:sp>
+        <p:nvSpPr>
+          <p:cNvPr id="5" name="标题 4">
+            <a:extLst>
+              <a:ext uri="{FF2B5EF4-FFF2-40B4-BE49-F238E27FC236}">
+                <a16:creationId xmlns:a16="http://schemas.microsoft.com/office/drawing/2014/main" id="{6BF1EEF9-4136-1EC2-DA10-B8C7FC4E48FB}"/>
+              </a:ext>
+            </a:extLst>
+          </p:cNvPr>
+          <p:cNvSpPr>
+            <a:spLocks noGrp="1"/>
+          </p:cNvSpPr>
+          <p:nvPr>
+            <p:ph type="title"/>
+          </p:nvPr>
+        </p:nvSpPr>
+        <p:spPr/>
+        <p:txBody>
+          <a:bodyPr/>
+          <a:lstStyle/>
+          <a:p>
+            <a:r>
+              <a:rPr lang="zh-CN" altLang="en-US" dirty="0"/>
+              <a:t>结论</a:t>
+            </a:r>
+          </a:p>
+        </p:txBody>
+      </p:sp>
+      <p:sp>
+        <p:nvSpPr>
+          <p:cNvPr id="6" name="文本占位符 5">
+            <a:extLst>
+              <a:ext uri="{FF2B5EF4-FFF2-40B4-BE49-F238E27FC236}">
+                <a16:creationId xmlns:a16="http://schemas.microsoft.com/office/drawing/2014/main" id="{CF57B37D-59BB-84AD-8F5E-2B6BC2AE2E27}"/>
+              </a:ext>
+            </a:extLst>
+          </p:cNvPr>
+          <p:cNvSpPr>
+            <a:spLocks noGrp="1"/>
+          </p:cNvSpPr>
+          <p:nvPr>
+            <p:ph type="body" idx="1"/>
+          </p:nvPr>
+        </p:nvSpPr>
+        <p:spPr/>
+        <p:txBody>
+          <a:bodyPr/>
+          <a:lstStyle/>
+          <a:p>
+            <a:r>
+              <a:rPr lang="en-US" altLang="zh-CN" dirty="0"/>
+              <a:t> Conclusion</a:t>
+            </a:r>
+            <a:endParaRPr lang="zh-CN" altLang="en-US" dirty="0"/>
+          </a:p>
+        </p:txBody>
+      </p:sp>
+    </p:spTree>
+    <p:extLst>
+      <p:ext uri="{BB962C8B-B14F-4D97-AF65-F5344CB8AC3E}">
+        <p14:creationId xmlns:p14="http://schemas.microsoft.com/office/powerpoint/2010/main" val="1980866904"/>
+      </p:ext>
+    </p:extLst>
+  </p:cSld>
+  <p:clrMapOvr>
+    <a:masterClrMapping/>
+  </p:clrMapOvr>
+</p:sld>
+</file>
+
+<file path=ppt/slides/slide23.xml><?xml version="1.0" encoding="utf-8"?>
+<p:sld xmlns:a="http://schemas.openxmlformats.org/drawingml/2006/main" xmlns:r="http://schemas.openxmlformats.org/officeDocument/2006/relationships" xmlns:p="http://schemas.openxmlformats.org/presentationml/2006/main">
+  <p:cSld>
+    <p:spTree>
+      <p:nvGrpSpPr>
+        <p:cNvPr id="1" name=""/>
+        <p:cNvGrpSpPr/>
+        <p:nvPr/>
+      </p:nvGrpSpPr>
+      <p:grpSpPr>
+        <a:xfrm>
+          <a:off x="0" y="0"/>
+          <a:ext cx="0" cy="0"/>
+          <a:chOff x="0" y="0"/>
+          <a:chExt cx="0" cy="0"/>
+        </a:xfrm>
+      </p:grpSpPr>
+      <p:sp>
+        <p:nvSpPr>
+          <p:cNvPr id="4" name="标题 3">
+            <a:extLst>
+              <a:ext uri="{FF2B5EF4-FFF2-40B4-BE49-F238E27FC236}">
+                <a16:creationId xmlns:a16="http://schemas.microsoft.com/office/drawing/2014/main" id="{584D1371-20AF-D30F-91AD-A2B1E0421CDC}"/>
+              </a:ext>
+            </a:extLst>
+          </p:cNvPr>
+          <p:cNvSpPr>
+            <a:spLocks noGrp="1"/>
+          </p:cNvSpPr>
+          <p:nvPr>
+            <p:ph type="title"/>
+          </p:nvPr>
+        </p:nvSpPr>
+        <p:spPr/>
+        <p:txBody>
+          <a:bodyPr/>
+          <a:lstStyle/>
+          <a:p>
+            <a:r>
+              <a:rPr lang="zh-CN" altLang="en-US" dirty="0"/>
+              <a:t>结论</a:t>
+            </a:r>
+          </a:p>
+        </p:txBody>
+      </p:sp>
+      <p:sp>
+        <p:nvSpPr>
+          <p:cNvPr id="5" name="内容占位符 4">
+            <a:extLst>
+              <a:ext uri="{FF2B5EF4-FFF2-40B4-BE49-F238E27FC236}">
+                <a16:creationId xmlns:a16="http://schemas.microsoft.com/office/drawing/2014/main" id="{82C23382-6B7F-65F7-4DFF-37AD616A99FF}"/>
+              </a:ext>
+            </a:extLst>
+          </p:cNvPr>
+          <p:cNvSpPr>
+            <a:spLocks noGrp="1"/>
+          </p:cNvSpPr>
+          <p:nvPr>
+            <p:ph idx="1"/>
+          </p:nvPr>
+        </p:nvSpPr>
+        <p:spPr/>
+        <p:txBody>
+          <a:bodyPr/>
+          <a:lstStyle/>
+          <a:p>
+            <a:pPr>
+              <a:lnSpc>
+                <a:spcPct val="150000"/>
+              </a:lnSpc>
+            </a:pPr>
+            <a:r>
+              <a:rPr lang="en-US" altLang="zh-CN" dirty="0"/>
+              <a:t>JIT</a:t>
+            </a:r>
+            <a:r>
+              <a:rPr lang="zh-CN" altLang="en-US" dirty="0"/>
+              <a:t>没有听上去那么神秘，了解原理的话写一个还是能做到的。</a:t>
+            </a:r>
+            <a:endParaRPr lang="en-US" altLang="zh-CN" dirty="0"/>
+          </a:p>
+          <a:p>
+            <a:pPr>
+              <a:lnSpc>
+                <a:spcPct val="150000"/>
+              </a:lnSpc>
+            </a:pPr>
+            <a:r>
+              <a:rPr lang="en-US" altLang="zh-CN" dirty="0"/>
+              <a:t>Python</a:t>
+            </a:r>
+            <a:r>
+              <a:rPr lang="zh-CN" altLang="en-US" dirty="0"/>
+              <a:t>真的什么库都有，太爽了。</a:t>
+            </a:r>
+          </a:p>
+        </p:txBody>
+      </p:sp>
+    </p:spTree>
+    <p:extLst>
+      <p:ext uri="{BB962C8B-B14F-4D97-AF65-F5344CB8AC3E}">
+        <p14:creationId xmlns:p14="http://schemas.microsoft.com/office/powerpoint/2010/main" val="3642192407"/>
+      </p:ext>
+    </p:extLst>
+  </p:cSld>
+  <p:clrMapOvr>
+    <a:masterClrMapping/>
+  </p:clrMapOvr>
+</p:sld>
+</file>
+
+<file path=ppt/slides/slide24.xml><?xml version="1.0" encoding="utf-8"?>
+<p:sld xmlns:a="http://schemas.openxmlformats.org/drawingml/2006/main" xmlns:r="http://schemas.openxmlformats.org/officeDocument/2006/relationships" xmlns:p="http://schemas.openxmlformats.org/presentationml/2006/main">
+  <p:cSld>
+    <p:spTree>
+      <p:nvGrpSpPr>
+        <p:cNvPr id="1" name=""/>
+        <p:cNvGrpSpPr/>
+        <p:nvPr/>
+      </p:nvGrpSpPr>
+      <p:grpSpPr>
+        <a:xfrm>
+          <a:off x="0" y="0"/>
+          <a:ext cx="0" cy="0"/>
+          <a:chOff x="0" y="0"/>
+          <a:chExt cx="0" cy="0"/>
+        </a:xfrm>
+      </p:grpSpPr>
+      <p:sp>
+        <p:nvSpPr>
+          <p:cNvPr id="4" name="标题 3">
+            <a:extLst>
+              <a:ext uri="{FF2B5EF4-FFF2-40B4-BE49-F238E27FC236}">
+                <a16:creationId xmlns:a16="http://schemas.microsoft.com/office/drawing/2014/main" id="{8D9ED6C9-BFC1-3296-8E78-97673211A7D2}"/>
+              </a:ext>
+            </a:extLst>
+          </p:cNvPr>
+          <p:cNvSpPr>
+            <a:spLocks noGrp="1"/>
+          </p:cNvSpPr>
+          <p:nvPr>
+            <p:ph type="title"/>
+          </p:nvPr>
+        </p:nvSpPr>
+        <p:spPr/>
+        <p:txBody>
+          <a:bodyPr/>
+          <a:lstStyle/>
+          <a:p>
+            <a:r>
+              <a:rPr lang="zh-CN" altLang="en-US" dirty="0"/>
+              <a:t>致谢</a:t>
+            </a:r>
+          </a:p>
+        </p:txBody>
+      </p:sp>
+      <p:sp>
+        <p:nvSpPr>
+          <p:cNvPr id="5" name="文本占位符 4">
+            <a:extLst>
+              <a:ext uri="{FF2B5EF4-FFF2-40B4-BE49-F238E27FC236}">
+                <a16:creationId xmlns:a16="http://schemas.microsoft.com/office/drawing/2014/main" id="{7D79821A-328C-1302-4416-16214052DEA7}"/>
+              </a:ext>
+            </a:extLst>
+          </p:cNvPr>
+          <p:cNvSpPr>
+            <a:spLocks noGrp="1"/>
+          </p:cNvSpPr>
+          <p:nvPr>
+            <p:ph idx="1"/>
+          </p:nvPr>
+        </p:nvSpPr>
+        <p:spPr/>
+        <p:txBody>
+          <a:bodyPr/>
+          <a:lstStyle/>
+          <a:p>
+            <a:r>
+              <a:rPr lang="zh-CN" altLang="en-US" dirty="0"/>
+              <a:t>张洁老师和</a:t>
+            </a:r>
+            <a:r>
+              <a:rPr lang="en-US" altLang="zh-CN" dirty="0"/>
+              <a:t>TAS</a:t>
+            </a:r>
+            <a:r>
+              <a:rPr lang="zh-CN" altLang="en-US" dirty="0"/>
+              <a:t>，您讲得太好了，</a:t>
+            </a:r>
+            <a:r>
+              <a:rPr lang="en-US" altLang="zh-CN" dirty="0"/>
+              <a:t>TA</a:t>
+            </a:r>
+            <a:r>
+              <a:rPr lang="zh-CN" altLang="en-US" dirty="0"/>
+              <a:t>们太负责了！</a:t>
+            </a:r>
+            <a:endParaRPr lang="en-US" altLang="zh-CN" dirty="0"/>
+          </a:p>
+          <a:p>
+            <a:r>
+              <a:rPr lang="en-US" altLang="zh-CN" dirty="0" err="1">
+                <a:hlinkClick r:id="rId2"/>
+              </a:rPr>
+              <a:t>Cushyz</a:t>
+            </a:r>
+            <a:r>
+              <a:rPr lang="zh-CN" altLang="en-US" dirty="0"/>
+              <a:t>，这位好哥们帮我解决了不少问题</a:t>
+            </a:r>
+            <a:endParaRPr lang="en-US" altLang="zh-CN" dirty="0"/>
+          </a:p>
+          <a:p>
+            <a:r>
+              <a:rPr lang="en-US" altLang="zh-CN" dirty="0" err="1">
+                <a:hlinkClick r:id="rId3"/>
+              </a:rPr>
+              <a:t>Github</a:t>
+            </a:r>
+            <a:r>
+              <a:rPr lang="zh-CN" altLang="en-US" dirty="0"/>
+              <a:t>上的开源实现，我的窥孔优化是借鉴了许多开源实现才做出来的。</a:t>
+            </a:r>
+            <a:endParaRPr lang="en-US" altLang="zh-CN" dirty="0"/>
+          </a:p>
+          <a:p>
+            <a:r>
+              <a:rPr lang="en-US" altLang="zh-CN" dirty="0" err="1"/>
+              <a:t>PeachPy</a:t>
+            </a:r>
+            <a:r>
+              <a:rPr lang="zh-CN" altLang="en-US" dirty="0"/>
+              <a:t>库，没有这个库，我的</a:t>
+            </a:r>
+            <a:r>
+              <a:rPr lang="en-US" altLang="zh-CN" dirty="0"/>
+              <a:t>JIT</a:t>
+            </a:r>
+            <a:r>
+              <a:rPr lang="zh-CN" altLang="en-US" dirty="0"/>
+              <a:t>就无法完成。</a:t>
+            </a:r>
+            <a:endParaRPr lang="en-US" altLang="zh-CN" dirty="0"/>
+          </a:p>
+          <a:p>
+            <a:endParaRPr lang="zh-CN" altLang="en-US" dirty="0"/>
+          </a:p>
+        </p:txBody>
+      </p:sp>
+    </p:spTree>
+    <p:extLst>
+      <p:ext uri="{BB962C8B-B14F-4D97-AF65-F5344CB8AC3E}">
+        <p14:creationId xmlns:p14="http://schemas.microsoft.com/office/powerpoint/2010/main" val="1209520276"/>
       </p:ext>
     </p:extLst>
   </p:cSld>
@@ -5685,4 +8192,299 @@
     </a:ext>
   </a:extLst>
 </a:theme>
+</file>
+
+<file path=ppt/theme/theme2.xml><?xml version="1.0" encoding="utf-8"?>
+<a:theme xmlns:a="http://schemas.openxmlformats.org/drawingml/2006/main" name="Office 主题​​">
+  <a:themeElements>
+    <a:clrScheme name="Office">
+      <a:dk1>
+        <a:sysClr val="windowText" lastClr="000000"/>
+      </a:dk1>
+      <a:lt1>
+        <a:sysClr val="window" lastClr="FFFFFF"/>
+      </a:lt1>
+      <a:dk2>
+        <a:srgbClr val="44546A"/>
+      </a:dk2>
+      <a:lt2>
+        <a:srgbClr val="E7E6E6"/>
+      </a:lt2>
+      <a:accent1>
+        <a:srgbClr val="4472C4"/>
+      </a:accent1>
+      <a:accent2>
+        <a:srgbClr val="ED7D31"/>
+      </a:accent2>
+      <a:accent3>
+        <a:srgbClr val="A5A5A5"/>
+      </a:accent3>
+      <a:accent4>
+        <a:srgbClr val="FFC000"/>
+      </a:accent4>
+      <a:accent5>
+        <a:srgbClr val="5B9BD5"/>
+      </a:accent5>
+      <a:accent6>
+        <a:srgbClr val="70AD47"/>
+      </a:accent6>
+      <a:hlink>
+        <a:srgbClr val="0563C1"/>
+      </a:hlink>
+      <a:folHlink>
+        <a:srgbClr val="954F72"/>
+      </a:folHlink>
+    </a:clrScheme>
+    <a:fontScheme name="Office">
+      <a:majorFont>
+        <a:latin typeface="等线 Light" panose="020F0302020204030204"/>
+        <a:ea typeface=""/>
+        <a:cs typeface=""/>
+        <a:font script="Jpan" typeface="游ゴシック Light"/>
+        <a:font script="Hang" typeface="맑은 고딕"/>
+        <a:font script="Hans" typeface="等线 Light"/>
+        <a:font script="Hant" typeface="新細明體"/>
+        <a:font script="Arab" typeface="Times New Roman"/>
+        <a:font script="Hebr" typeface="Times New Roman"/>
+        <a:font script="Thai" typeface="Angsana New"/>
+        <a:font script="Ethi" typeface="Nyala"/>
+        <a:font script="Beng" typeface="Vrinda"/>
+        <a:font script="Gujr" typeface="Shruti"/>
+        <a:font script="Khmr" typeface="MoolBoran"/>
+        <a:font script="Knda" typeface="Tunga"/>
+        <a:font script="Guru" typeface="Raavi"/>
+        <a:font script="Cans" typeface="Euphemia"/>
+        <a:font script="Cher" typeface="Plantagenet Cherokee"/>
+        <a:font script="Yiii" typeface="Microsoft Yi Baiti"/>
+        <a:font script="Tibt" typeface="Microsoft Himalaya"/>
+        <a:font script="Thaa" typeface="MV Boli"/>
+        <a:font script="Deva" typeface="Mangal"/>
+        <a:font script="Telu" typeface="Gautami"/>
+        <a:font script="Taml" typeface="Latha"/>
+        <a:font script="Syrc" typeface="Estrangelo Edessa"/>
+        <a:font script="Orya" typeface="Kalinga"/>
+        <a:font script="Mlym" typeface="Kartika"/>
+        <a:font script="Laoo" typeface="DokChampa"/>
+        <a:font script="Sinh" typeface="Iskoola Pota"/>
+        <a:font script="Mong" typeface="Mongolian Baiti"/>
+        <a:font script="Viet" typeface="Times New Roman"/>
+        <a:font script="Uigh" typeface="Microsoft Uighur"/>
+        <a:font script="Geor" typeface="Sylfaen"/>
+        <a:font script="Armn" typeface="Arial"/>
+        <a:font script="Bugi" typeface="Leelawadee UI"/>
+        <a:font script="Bopo" typeface="Microsoft JhengHei"/>
+        <a:font script="Java" typeface="Javanese Text"/>
+        <a:font script="Lisu" typeface="Segoe UI"/>
+        <a:font script="Mymr" typeface="Myanmar Text"/>
+        <a:font script="Nkoo" typeface="Ebrima"/>
+        <a:font script="Olck" typeface="Nirmala UI"/>
+        <a:font script="Osma" typeface="Ebrima"/>
+        <a:font script="Phag" typeface="Phagspa"/>
+        <a:font script="Syrn" typeface="Estrangelo Edessa"/>
+        <a:font script="Syrj" typeface="Estrangelo Edessa"/>
+        <a:font script="Syre" typeface="Estrangelo Edessa"/>
+        <a:font script="Sora" typeface="Nirmala UI"/>
+        <a:font script="Tale" typeface="Microsoft Tai Le"/>
+        <a:font script="Talu" typeface="Microsoft New Tai Lue"/>
+        <a:font script="Tfng" typeface="Ebrima"/>
+      </a:majorFont>
+      <a:minorFont>
+        <a:latin typeface="等线" panose="020F0502020204030204"/>
+        <a:ea typeface=""/>
+        <a:cs typeface=""/>
+        <a:font script="Jpan" typeface="游ゴシック"/>
+        <a:font script="Hang" typeface="맑은 고딕"/>
+        <a:font script="Hans" typeface="等线"/>
+        <a:font script="Hant" typeface="新細明體"/>
+        <a:font script="Arab" typeface="Arial"/>
+        <a:font script="Hebr" typeface="Arial"/>
+        <a:font script="Thai" typeface="Cordia New"/>
+        <a:font script="Ethi" typeface="Nyala"/>
+        <a:font script="Beng" typeface="Vrinda"/>
+        <a:font script="Gujr" typeface="Shruti"/>
+        <a:font script="Khmr" typeface="DaunPenh"/>
+        <a:font script="Knda" typeface="Tunga"/>
+        <a:font script="Guru" typeface="Raavi"/>
+        <a:font script="Cans" typeface="Euphemia"/>
+        <a:font script="Cher" typeface="Plantagenet Cherokee"/>
+        <a:font script="Yiii" typeface="Microsoft Yi Baiti"/>
+        <a:font script="Tibt" typeface="Microsoft Himalaya"/>
+        <a:font script="Thaa" typeface="MV Boli"/>
+        <a:font script="Deva" typeface="Mangal"/>
+        <a:font script="Telu" typeface="Gautami"/>
+        <a:font script="Taml" typeface="Latha"/>
+        <a:font script="Syrc" typeface="Estrangelo Edessa"/>
+        <a:font script="Orya" typeface="Kalinga"/>
+        <a:font script="Mlym" typeface="Kartika"/>
+        <a:font script="Laoo" typeface="DokChampa"/>
+        <a:font script="Sinh" typeface="Iskoola Pota"/>
+        <a:font script="Mong" typeface="Mongolian Baiti"/>
+        <a:font script="Viet" typeface="Arial"/>
+        <a:font script="Uigh" typeface="Microsoft Uighur"/>
+        <a:font script="Geor" typeface="Sylfaen"/>
+        <a:font script="Armn" typeface="Arial"/>
+        <a:font script="Bugi" typeface="Leelawadee UI"/>
+        <a:font script="Bopo" typeface="Microsoft JhengHei"/>
+        <a:font script="Java" typeface="Javanese Text"/>
+        <a:font script="Lisu" typeface="Segoe UI"/>
+        <a:font script="Mymr" typeface="Myanmar Text"/>
+        <a:font script="Nkoo" typeface="Ebrima"/>
+        <a:font script="Olck" typeface="Nirmala UI"/>
+        <a:font script="Osma" typeface="Ebrima"/>
+        <a:font script="Phag" typeface="Phagspa"/>
+        <a:font script="Syrn" typeface="Estrangelo Edessa"/>
+        <a:font script="Syrj" typeface="Estrangelo Edessa"/>
+        <a:font script="Syre" typeface="Estrangelo Edessa"/>
+        <a:font script="Sora" typeface="Nirmala UI"/>
+        <a:font script="Tale" typeface="Microsoft Tai Le"/>
+        <a:font script="Talu" typeface="Microsoft New Tai Lue"/>
+        <a:font script="Tfng" typeface="Ebrima"/>
+      </a:minorFont>
+    </a:fontScheme>
+    <a:fmtScheme name="Office">
+      <a:fillStyleLst>
+        <a:solidFill>
+          <a:schemeClr val="phClr"/>
+        </a:solidFill>
+        <a:gradFill rotWithShape="1">
+          <a:gsLst>
+            <a:gs pos="0">
+              <a:schemeClr val="phClr">
+                <a:lumMod val="110000"/>
+                <a:satMod val="105000"/>
+                <a:tint val="67000"/>
+              </a:schemeClr>
+            </a:gs>
+            <a:gs pos="50000">
+              <a:schemeClr val="phClr">
+                <a:lumMod val="105000"/>
+                <a:satMod val="103000"/>
+                <a:tint val="73000"/>
+              </a:schemeClr>
+            </a:gs>
+            <a:gs pos="100000">
+              <a:schemeClr val="phClr">
+                <a:lumMod val="105000"/>
+                <a:satMod val="109000"/>
+                <a:tint val="81000"/>
+              </a:schemeClr>
+            </a:gs>
+          </a:gsLst>
+          <a:lin ang="5400000" scaled="0"/>
+        </a:gradFill>
+        <a:gradFill rotWithShape="1">
+          <a:gsLst>
+            <a:gs pos="0">
+              <a:schemeClr val="phClr">
+                <a:satMod val="103000"/>
+                <a:lumMod val="102000"/>
+                <a:tint val="94000"/>
+              </a:schemeClr>
+            </a:gs>
+            <a:gs pos="50000">
+              <a:schemeClr val="phClr">
+                <a:satMod val="110000"/>
+                <a:lumMod val="100000"/>
+                <a:shade val="100000"/>
+              </a:schemeClr>
+            </a:gs>
+            <a:gs pos="100000">
+              <a:schemeClr val="phClr">
+                <a:lumMod val="99000"/>
+                <a:satMod val="120000"/>
+                <a:shade val="78000"/>
+              </a:schemeClr>
+            </a:gs>
+          </a:gsLst>
+          <a:lin ang="5400000" scaled="0"/>
+        </a:gradFill>
+      </a:fillStyleLst>
+      <a:lnStyleLst>
+        <a:ln w="6350" cap="flat" cmpd="sng" algn="ctr">
+          <a:solidFill>
+            <a:schemeClr val="phClr"/>
+          </a:solidFill>
+          <a:prstDash val="solid"/>
+          <a:miter lim="800000"/>
+        </a:ln>
+        <a:ln w="12700" cap="flat" cmpd="sng" algn="ctr">
+          <a:solidFill>
+            <a:schemeClr val="phClr"/>
+          </a:solidFill>
+          <a:prstDash val="solid"/>
+          <a:miter lim="800000"/>
+        </a:ln>
+        <a:ln w="19050" cap="flat" cmpd="sng" algn="ctr">
+          <a:solidFill>
+            <a:schemeClr val="phClr"/>
+          </a:solidFill>
+          <a:prstDash val="solid"/>
+          <a:miter lim="800000"/>
+        </a:ln>
+      </a:lnStyleLst>
+      <a:effectStyleLst>
+        <a:effectStyle>
+          <a:effectLst/>
+        </a:effectStyle>
+        <a:effectStyle>
+          <a:effectLst/>
+        </a:effectStyle>
+        <a:effectStyle>
+          <a:effectLst>
+            <a:outerShdw blurRad="57150" dist="19050" dir="5400000" algn="ctr" rotWithShape="0">
+              <a:srgbClr val="000000">
+                <a:alpha val="63000"/>
+              </a:srgbClr>
+            </a:outerShdw>
+          </a:effectLst>
+        </a:effectStyle>
+      </a:effectStyleLst>
+      <a:bgFillStyleLst>
+        <a:solidFill>
+          <a:schemeClr val="phClr"/>
+        </a:solidFill>
+        <a:solidFill>
+          <a:schemeClr val="phClr">
+            <a:tint val="95000"/>
+            <a:satMod val="170000"/>
+          </a:schemeClr>
+        </a:solidFill>
+        <a:gradFill rotWithShape="1">
+          <a:gsLst>
+            <a:gs pos="0">
+              <a:schemeClr val="phClr">
+                <a:tint val="93000"/>
+                <a:satMod val="150000"/>
+                <a:shade val="98000"/>
+                <a:lumMod val="102000"/>
+              </a:schemeClr>
+            </a:gs>
+            <a:gs pos="50000">
+              <a:schemeClr val="phClr">
+                <a:tint val="98000"/>
+                <a:satMod val="130000"/>
+                <a:shade val="90000"/>
+                <a:lumMod val="103000"/>
+              </a:schemeClr>
+            </a:gs>
+            <a:gs pos="100000">
+              <a:schemeClr val="phClr">
+                <a:shade val="63000"/>
+                <a:satMod val="120000"/>
+              </a:schemeClr>
+            </a:gs>
+          </a:gsLst>
+          <a:lin ang="5400000" scaled="0"/>
+        </a:gradFill>
+      </a:bgFillStyleLst>
+    </a:fmtScheme>
+  </a:themeElements>
+  <a:objectDefaults/>
+  <a:extraClrSchemeLst/>
+  <a:extLst>
+    <a:ext uri="{05A4C25C-085E-4340-85A3-A5531E510DB2}">
+      <thm15:themeFamily xmlns:thm15="http://schemas.microsoft.com/office/thememl/2012/main" name="Office Theme" id="{62F939B6-93AF-4DB8-9C6B-D6C7DFDC589F}" vid="{4A3C46E8-61CC-4603-A589-7422A47A8E4A}"/>
+    </a:ext>
+  </a:extLst>
+</a:theme>
 </file>
--- a/Python演示文稿.pptx
+++ b/Python演示文稿.pptx
@@ -488,6 +488,90 @@
 </file>
 
 <file path=ppt/notesSlides/notesSlide1.xml><?xml version="1.0" encoding="utf-8"?>
+<p:notes xmlns:a="http://schemas.openxmlformats.org/drawingml/2006/main" xmlns:r="http://schemas.openxmlformats.org/officeDocument/2006/relationships" xmlns:p="http://schemas.openxmlformats.org/presentationml/2006/main">
+  <p:cSld>
+    <p:spTree>
+      <p:nvGrpSpPr>
+        <p:cNvPr id="1" name=""/>
+        <p:cNvGrpSpPr/>
+        <p:nvPr/>
+      </p:nvGrpSpPr>
+      <p:grpSpPr>
+        <a:xfrm>
+          <a:off x="0" y="0"/>
+          <a:ext cx="0" cy="0"/>
+          <a:chOff x="0" y="0"/>
+          <a:chExt cx="0" cy="0"/>
+        </a:xfrm>
+      </p:grpSpPr>
+      <p:sp>
+        <p:nvSpPr>
+          <p:cNvPr id="2" name="幻灯片图像占位符 1"/>
+          <p:cNvSpPr>
+            <a:spLocks noGrp="1" noRot="1" noChangeAspect="1"/>
+          </p:cNvSpPr>
+          <p:nvPr>
+            <p:ph type="sldImg"/>
+          </p:nvPr>
+        </p:nvSpPr>
+        <p:spPr/>
+      </p:sp>
+      <p:sp>
+        <p:nvSpPr>
+          <p:cNvPr id="3" name="备注占位符 2"/>
+          <p:cNvSpPr>
+            <a:spLocks noGrp="1"/>
+          </p:cNvSpPr>
+          <p:nvPr>
+            <p:ph type="body" idx="1"/>
+          </p:nvPr>
+        </p:nvSpPr>
+        <p:spPr/>
+        <p:txBody>
+          <a:bodyPr/>
+          <a:lstStyle/>
+          <a:p>
+            <a:endParaRPr lang="zh-CN" altLang="en-US" dirty="0"/>
+          </a:p>
+        </p:txBody>
+      </p:sp>
+      <p:sp>
+        <p:nvSpPr>
+          <p:cNvPr id="4" name="灯片编号占位符 3"/>
+          <p:cNvSpPr>
+            <a:spLocks noGrp="1"/>
+          </p:cNvSpPr>
+          <p:nvPr>
+            <p:ph type="sldNum" sz="quarter" idx="5"/>
+          </p:nvPr>
+        </p:nvSpPr>
+        <p:spPr/>
+        <p:txBody>
+          <a:bodyPr/>
+          <a:lstStyle/>
+          <a:p>
+            <a:fld id="{51DEDAE4-02E5-4506-9832-0997B68A82B4}" type="slidenum">
+              <a:rPr lang="zh-CN" altLang="en-US" smtClean="0"/>
+              <a:t>5</a:t>
+            </a:fld>
+            <a:endParaRPr lang="zh-CN" altLang="en-US"/>
+          </a:p>
+        </p:txBody>
+      </p:sp>
+    </p:spTree>
+    <p:extLst>
+      <p:ext uri="{BB962C8B-B14F-4D97-AF65-F5344CB8AC3E}">
+        <p14:creationId xmlns:p14="http://schemas.microsoft.com/office/powerpoint/2010/main" val="4046703352"/>
+      </p:ext>
+    </p:extLst>
+  </p:cSld>
+  <p:clrMapOvr>
+    <a:masterClrMapping/>
+  </p:clrMapOvr>
+</p:notes>
+</file>
+
+<file path=ppt/notesSlides/notesSlide2.xml><?xml version="1.0" encoding="utf-8"?>
 <p:notes xmlns:a="http://schemas.openxmlformats.org/drawingml/2006/main" xmlns:r="http://schemas.openxmlformats.org/officeDocument/2006/relationships" xmlns:p="http://schemas.openxmlformats.org/presentationml/2006/main">
   <p:cSld>
     <p:spTree>
@@ -3859,6 +3943,18 @@
   <p:clrMapOvr>
     <a:masterClrMapping/>
   </p:clrMapOvr>
+  <mc:AlternateContent xmlns:mc="http://schemas.openxmlformats.org/markup-compatibility/2006">
+    <mc:Choice xmlns:p159="http://schemas.microsoft.com/office/powerpoint/2015/09/main" Requires="p159">
+      <p:transition spd="slow">
+        <p159:morph option="byObject"/>
+      </p:transition>
+    </mc:Choice>
+    <mc:Fallback>
+      <p:transition spd="slow">
+        <p:fade/>
+      </p:transition>
+    </mc:Fallback>
+  </mc:AlternateContent>
 </p:sld>
 </file>
 
@@ -4001,6 +4097,18 @@
   <p:clrMapOvr>
     <a:masterClrMapping/>
   </p:clrMapOvr>
+  <mc:AlternateContent xmlns:mc="http://schemas.openxmlformats.org/markup-compatibility/2006">
+    <mc:Choice xmlns:p159="http://schemas.microsoft.com/office/powerpoint/2015/09/main" Requires="p159">
+      <p:transition spd="slow">
+        <p159:morph option="byObject"/>
+      </p:transition>
+    </mc:Choice>
+    <mc:Fallback>
+      <p:transition spd="slow">
+        <p:fade/>
+      </p:transition>
+    </mc:Fallback>
+  </mc:AlternateContent>
 </p:sld>
 </file>
 
@@ -4165,6 +4273,18 @@
   <p:clrMapOvr>
     <a:masterClrMapping/>
   </p:clrMapOvr>
+  <mc:AlternateContent xmlns:mc="http://schemas.openxmlformats.org/markup-compatibility/2006">
+    <mc:Choice xmlns:p159="http://schemas.microsoft.com/office/powerpoint/2015/09/main" Requires="p159">
+      <p:transition spd="slow">
+        <p159:morph option="byObject"/>
+      </p:transition>
+    </mc:Choice>
+    <mc:Fallback>
+      <p:transition spd="slow">
+        <p:fade/>
+      </p:transition>
+    </mc:Fallback>
+  </mc:AlternateContent>
 </p:sld>
 </file>
 
@@ -4336,6 +4456,18 @@
   <p:clrMapOvr>
     <a:masterClrMapping/>
   </p:clrMapOvr>
+  <mc:AlternateContent xmlns:mc="http://schemas.openxmlformats.org/markup-compatibility/2006">
+    <mc:Choice xmlns:p159="http://schemas.microsoft.com/office/powerpoint/2015/09/main" Requires="p159">
+      <p:transition spd="slow">
+        <p159:morph option="byObject"/>
+      </p:transition>
+    </mc:Choice>
+    <mc:Fallback>
+      <p:transition spd="slow">
+        <p:fade/>
+      </p:transition>
+    </mc:Fallback>
+  </mc:AlternateContent>
 </p:sld>
 </file>
 
@@ -4564,6 +4696,18 @@
   <p:clrMapOvr>
     <a:masterClrMapping/>
   </p:clrMapOvr>
+  <mc:AlternateContent xmlns:mc="http://schemas.openxmlformats.org/markup-compatibility/2006">
+    <mc:Choice xmlns:p159="http://schemas.microsoft.com/office/powerpoint/2015/09/main" Requires="p159">
+      <p:transition spd="slow">
+        <p159:morph option="byObject"/>
+      </p:transition>
+    </mc:Choice>
+    <mc:Fallback>
+      <p:transition spd="slow">
+        <p:fade/>
+      </p:transition>
+    </mc:Fallback>
+  </mc:AlternateContent>
 </p:sld>
 </file>
 
@@ -4789,6 +4933,18 @@
   <p:clrMapOvr>
     <a:masterClrMapping/>
   </p:clrMapOvr>
+  <mc:AlternateContent xmlns:mc="http://schemas.openxmlformats.org/markup-compatibility/2006">
+    <mc:Choice xmlns:p159="http://schemas.microsoft.com/office/powerpoint/2015/09/main" Requires="p159">
+      <p:transition spd="slow">
+        <p159:morph option="byObject"/>
+      </p:transition>
+    </mc:Choice>
+    <mc:Fallback>
+      <p:transition spd="slow">
+        <p:fade/>
+      </p:transition>
+    </mc:Fallback>
+  </mc:AlternateContent>
 </p:sld>
 </file>
 
@@ -5001,6 +5157,18 @@
   <p:clrMapOvr>
     <a:masterClrMapping/>
   </p:clrMapOvr>
+  <mc:AlternateContent xmlns:mc="http://schemas.openxmlformats.org/markup-compatibility/2006">
+    <mc:Choice xmlns:p159="http://schemas.microsoft.com/office/powerpoint/2015/09/main" Requires="p159">
+      <p:transition spd="slow">
+        <p159:morph option="byObject"/>
+      </p:transition>
+    </mc:Choice>
+    <mc:Fallback>
+      <p:transition spd="slow">
+        <p:fade/>
+      </p:transition>
+    </mc:Fallback>
+  </mc:AlternateContent>
 </p:sld>
 </file>
 
@@ -5049,8 +5217,8 @@
           </a:p>
         </p:txBody>
       </p:sp>
-      <mc:AlternateContent xmlns:mc="http://schemas.openxmlformats.org/markup-compatibility/2006">
-        <mc:Choice xmlns:a14="http://schemas.microsoft.com/office/drawing/2010/main" Requires="a14">
+      <mc:AlternateContent xmlns:mc="http://schemas.openxmlformats.org/markup-compatibility/2006" xmlns:a14="http://schemas.microsoft.com/office/drawing/2010/main">
+        <mc:Choice Requires="a14">
           <p:sp>
             <p:nvSpPr>
               <p:cNvPr id="3" name="内容占位符 2">
@@ -5283,7 +5451,7 @@
             </p:txBody>
           </p:sp>
         </mc:Choice>
-        <mc:Fallback>
+        <mc:Fallback xmlns="">
           <p:sp>
             <p:nvSpPr>
               <p:cNvPr id="3" name="内容占位符 2">
@@ -5333,6 +5501,18 @@
   <p:clrMapOvr>
     <a:masterClrMapping/>
   </p:clrMapOvr>
+  <mc:AlternateContent xmlns:mc="http://schemas.openxmlformats.org/markup-compatibility/2006">
+    <mc:Choice xmlns:p159="http://schemas.microsoft.com/office/powerpoint/2015/09/main" Requires="p159">
+      <p:transition spd="slow">
+        <p159:morph option="byObject"/>
+      </p:transition>
+    </mc:Choice>
+    <mc:Fallback>
+      <p:transition spd="slow">
+        <p:fade/>
+      </p:transition>
+    </mc:Fallback>
+  </mc:AlternateContent>
 </p:sld>
 </file>
 
@@ -5440,6 +5620,18 @@
   <p:clrMapOvr>
     <a:masterClrMapping/>
   </p:clrMapOvr>
+  <mc:AlternateContent xmlns:mc="http://schemas.openxmlformats.org/markup-compatibility/2006">
+    <mc:Choice xmlns:p159="http://schemas.microsoft.com/office/powerpoint/2015/09/main" Requires="p159">
+      <p:transition spd="slow">
+        <p159:morph option="byObject"/>
+      </p:transition>
+    </mc:Choice>
+    <mc:Fallback>
+      <p:transition spd="slow">
+        <p:fade/>
+      </p:transition>
+    </mc:Fallback>
+  </mc:AlternateContent>
 </p:sld>
 </file>
 
@@ -5724,6 +5916,18 @@
   <p:clrMapOvr>
     <a:masterClrMapping/>
   </p:clrMapOvr>
+  <mc:AlternateContent xmlns:mc="http://schemas.openxmlformats.org/markup-compatibility/2006">
+    <mc:Choice xmlns:p159="http://schemas.microsoft.com/office/powerpoint/2015/09/main" Requires="p159">
+      <p:transition spd="slow">
+        <p159:morph option="byObject"/>
+      </p:transition>
+    </mc:Choice>
+    <mc:Fallback>
+      <p:transition spd="slow">
+        <p:fade/>
+      </p:transition>
+    </mc:Fallback>
+  </mc:AlternateContent>
 </p:sld>
 </file>
 
@@ -5811,6 +6015,18 @@
   <p:clrMapOvr>
     <a:masterClrMapping/>
   </p:clrMapOvr>
+  <mc:AlternateContent xmlns:mc="http://schemas.openxmlformats.org/markup-compatibility/2006">
+    <mc:Choice xmlns:p159="http://schemas.microsoft.com/office/powerpoint/2015/09/main" Requires="p159">
+      <p:transition spd="slow">
+        <p159:morph option="byObject"/>
+      </p:transition>
+    </mc:Choice>
+    <mc:Fallback>
+      <p:transition spd="slow">
+        <p:fade/>
+      </p:transition>
+    </mc:Fallback>
+  </mc:AlternateContent>
 </p:sld>
 </file>
 
@@ -5898,6 +6114,18 @@
   <p:clrMapOvr>
     <a:masterClrMapping/>
   </p:clrMapOvr>
+  <mc:AlternateContent xmlns:mc="http://schemas.openxmlformats.org/markup-compatibility/2006">
+    <mc:Choice xmlns:p159="http://schemas.microsoft.com/office/powerpoint/2015/09/main" Requires="p159">
+      <p:transition spd="slow">
+        <p159:morph option="byObject"/>
+      </p:transition>
+    </mc:Choice>
+    <mc:Fallback>
+      <p:transition spd="slow">
+        <p:fade/>
+      </p:transition>
+    </mc:Fallback>
+  </mc:AlternateContent>
 </p:sld>
 </file>
 
@@ -6045,6 +6273,18 @@
   <p:clrMapOvr>
     <a:masterClrMapping/>
   </p:clrMapOvr>
+  <mc:AlternateContent xmlns:mc="http://schemas.openxmlformats.org/markup-compatibility/2006">
+    <mc:Choice xmlns:p159="http://schemas.microsoft.com/office/powerpoint/2015/09/main" Requires="p159">
+      <p:transition spd="slow">
+        <p159:morph option="byObject"/>
+      </p:transition>
+    </mc:Choice>
+    <mc:Fallback>
+      <p:transition spd="slow">
+        <p:fade/>
+      </p:transition>
+    </mc:Fallback>
+  </mc:AlternateContent>
 </p:sld>
 </file>
 
@@ -6239,6 +6479,18 @@
   <p:clrMapOvr>
     <a:masterClrMapping/>
   </p:clrMapOvr>
+  <mc:AlternateContent xmlns:mc="http://schemas.openxmlformats.org/markup-compatibility/2006">
+    <mc:Choice xmlns:p159="http://schemas.microsoft.com/office/powerpoint/2015/09/main" Requires="p159">
+      <p:transition spd="slow">
+        <p159:morph option="byObject"/>
+      </p:transition>
+    </mc:Choice>
+    <mc:Fallback>
+      <p:transition spd="slow">
+        <p:fade/>
+      </p:transition>
+    </mc:Fallback>
+  </mc:AlternateContent>
   <p:timing>
     <p:tnLst>
       <p:par>
@@ -6462,6 +6714,18 @@
   <p:clrMapOvr>
     <a:masterClrMapping/>
   </p:clrMapOvr>
+  <mc:AlternateContent xmlns:mc="http://schemas.openxmlformats.org/markup-compatibility/2006">
+    <mc:Choice xmlns:p159="http://schemas.microsoft.com/office/powerpoint/2015/09/main" Requires="p159">
+      <p:transition spd="slow">
+        <p159:morph option="byObject"/>
+      </p:transition>
+    </mc:Choice>
+    <mc:Fallback>
+      <p:transition spd="slow">
+        <p:fade/>
+      </p:transition>
+    </mc:Fallback>
+  </mc:AlternateContent>
 </p:sld>
 </file>
 
@@ -6573,6 +6837,18 @@
   <p:clrMapOvr>
     <a:masterClrMapping/>
   </p:clrMapOvr>
+  <mc:AlternateContent xmlns:mc="http://schemas.openxmlformats.org/markup-compatibility/2006">
+    <mc:Choice xmlns:p159="http://schemas.microsoft.com/office/powerpoint/2015/09/main" Requires="p159">
+      <p:transition spd="slow">
+        <p159:morph option="byObject"/>
+      </p:transition>
+    </mc:Choice>
+    <mc:Fallback>
+      <p:transition spd="slow">
+        <p:fade/>
+      </p:transition>
+    </mc:Fallback>
+  </mc:AlternateContent>
 </p:sld>
 </file>
 
@@ -6724,6 +7000,18 @@
   <p:clrMapOvr>
     <a:masterClrMapping/>
   </p:clrMapOvr>
+  <mc:AlternateContent xmlns:mc="http://schemas.openxmlformats.org/markup-compatibility/2006">
+    <mc:Choice xmlns:p159="http://schemas.microsoft.com/office/powerpoint/2015/09/main" Requires="p159">
+      <p:transition spd="slow">
+        <p159:morph option="byObject"/>
+      </p:transition>
+    </mc:Choice>
+    <mc:Fallback>
+      <p:transition spd="slow">
+        <p:fade/>
+      </p:transition>
+    </mc:Fallback>
+  </mc:AlternateContent>
 </p:sld>
 </file>
 
@@ -6888,6 +7176,18 @@
   <p:clrMapOvr>
     <a:masterClrMapping/>
   </p:clrMapOvr>
+  <mc:AlternateContent xmlns:mc="http://schemas.openxmlformats.org/markup-compatibility/2006">
+    <mc:Choice xmlns:p159="http://schemas.microsoft.com/office/powerpoint/2015/09/main" Requires="p159">
+      <p:transition spd="slow">
+        <p159:morph option="byObject"/>
+      </p:transition>
+    </mc:Choice>
+    <mc:Fallback>
+      <p:transition spd="slow">
+        <p:fade/>
+      </p:transition>
+    </mc:Fallback>
+  </mc:AlternateContent>
 </p:sld>
 </file>
 
@@ -7348,6 +7648,18 @@
   <p:clrMapOvr>
     <a:masterClrMapping/>
   </p:clrMapOvr>
+  <mc:AlternateContent xmlns:mc="http://schemas.openxmlformats.org/markup-compatibility/2006">
+    <mc:Choice xmlns:p159="http://schemas.microsoft.com/office/powerpoint/2015/09/main" Requires="p159">
+      <p:transition spd="slow">
+        <p159:morph option="byObject"/>
+      </p:transition>
+    </mc:Choice>
+    <mc:Fallback>
+      <p:transition spd="slow">
+        <p:fade/>
+      </p:transition>
+    </mc:Fallback>
+  </mc:AlternateContent>
 </p:sld>
 </file>
 
@@ -7463,6 +7775,18 @@
   <p:clrMapOvr>
     <a:masterClrMapping/>
   </p:clrMapOvr>
+  <mc:AlternateContent xmlns:mc="http://schemas.openxmlformats.org/markup-compatibility/2006">
+    <mc:Choice xmlns:p159="http://schemas.microsoft.com/office/powerpoint/2015/09/main" Requires="p159">
+      <p:transition spd="slow">
+        <p159:morph option="byObject"/>
+      </p:transition>
+    </mc:Choice>
+    <mc:Fallback>
+      <p:transition spd="slow">
+        <p:fade/>
+      </p:transition>
+    </mc:Fallback>
+  </mc:AlternateContent>
 </p:sld>
 </file>
 
@@ -7637,6 +7961,18 @@
   <p:clrMapOvr>
     <a:masterClrMapping/>
   </p:clrMapOvr>
+  <mc:AlternateContent xmlns:mc="http://schemas.openxmlformats.org/markup-compatibility/2006">
+    <mc:Choice xmlns:p159="http://schemas.microsoft.com/office/powerpoint/2015/09/main" Requires="p159">
+      <p:transition spd="slow">
+        <p159:morph option="byObject"/>
+      </p:transition>
+    </mc:Choice>
+    <mc:Fallback>
+      <p:transition spd="slow">
+        <p:fade/>
+      </p:transition>
+    </mc:Fallback>
+  </mc:AlternateContent>
 </p:sld>
 </file>
 
@@ -7723,6 +8059,18 @@
   <p:clrMapOvr>
     <a:masterClrMapping/>
   </p:clrMapOvr>
+  <mc:AlternateContent xmlns:mc="http://schemas.openxmlformats.org/markup-compatibility/2006">
+    <mc:Choice xmlns:p159="http://schemas.microsoft.com/office/powerpoint/2015/09/main" Requires="p159">
+      <p:transition spd="slow">
+        <p159:morph option="byObject"/>
+      </p:transition>
+    </mc:Choice>
+    <mc:Fallback>
+      <p:transition spd="slow">
+        <p:fade/>
+      </p:transition>
+    </mc:Fallback>
+  </mc:AlternateContent>
 </p:sld>
 </file>
 
@@ -7809,6 +8157,18 @@
   <p:clrMapOvr>
     <a:masterClrMapping/>
   </p:clrMapOvr>
+  <mc:AlternateContent xmlns:mc="http://schemas.openxmlformats.org/markup-compatibility/2006">
+    <mc:Choice xmlns:p159="http://schemas.microsoft.com/office/powerpoint/2015/09/main" Requires="p159">
+      <p:transition spd="slow">
+        <p159:morph option="byObject"/>
+      </p:transition>
+    </mc:Choice>
+    <mc:Fallback>
+      <p:transition spd="slow">
+        <p:fade/>
+      </p:transition>
+    </mc:Fallback>
+  </mc:AlternateContent>
 </p:sld>
 </file>
 
@@ -7896,6 +8256,18 @@
   <p:clrMapOvr>
     <a:masterClrMapping/>
   </p:clrMapOvr>
+  <mc:AlternateContent xmlns:mc="http://schemas.openxmlformats.org/markup-compatibility/2006">
+    <mc:Choice xmlns:p159="http://schemas.microsoft.com/office/powerpoint/2015/09/main" Requires="p159">
+      <p:transition spd="slow">
+        <p159:morph option="byObject"/>
+      </p:transition>
+    </mc:Choice>
+    <mc:Fallback>
+      <p:transition spd="slow">
+        <p:fade/>
+      </p:transition>
+    </mc:Fallback>
+  </mc:AlternateContent>
 </p:sld>
 </file>
 

--- a/Python演示文稿.pptx
+++ b/Python演示文稿.pptx
@@ -1,37 +1,37 @@
 
 <file path=ppt/presentation.xml><?xml version="1.0" encoding="utf-8"?>
-<p:presentation xmlns:a="http://schemas.openxmlformats.org/drawingml/2006/main" xmlns:r="http://schemas.openxmlformats.org/officeDocument/2006/relationships" xmlns:p="http://schemas.openxmlformats.org/presentationml/2006/main" saveSubsetFonts="1">
+<p:presentation xmlns:a="http://schemas.openxmlformats.org/drawingml/2006/main" xmlns:r="http://schemas.openxmlformats.org/officeDocument/2006/relationships" xmlns:p="http://schemas.openxmlformats.org/presentationml/2006/main">
   <p:sldMasterIdLst>
     <p:sldMasterId id="2147483648" r:id="rId1"/>
   </p:sldMasterIdLst>
   <p:notesMasterIdLst>
-    <p:notesMasterId r:id="rId26"/>
+    <p:notesMasterId r:id="rId8"/>
   </p:notesMasterIdLst>
   <p:sldIdLst>
-    <p:sldId id="256" r:id="rId2"/>
-    <p:sldId id="257" r:id="rId3"/>
-    <p:sldId id="258" r:id="rId4"/>
-    <p:sldId id="259" r:id="rId5"/>
-    <p:sldId id="260" r:id="rId6"/>
-    <p:sldId id="261" r:id="rId7"/>
-    <p:sldId id="262" r:id="rId8"/>
-    <p:sldId id="263" r:id="rId9"/>
-    <p:sldId id="264" r:id="rId10"/>
-    <p:sldId id="265" r:id="rId11"/>
-    <p:sldId id="266" r:id="rId12"/>
-    <p:sldId id="269" r:id="rId13"/>
-    <p:sldId id="267" r:id="rId14"/>
-    <p:sldId id="268" r:id="rId15"/>
-    <p:sldId id="270" r:id="rId16"/>
-    <p:sldId id="271" r:id="rId17"/>
-    <p:sldId id="272" r:id="rId18"/>
-    <p:sldId id="273" r:id="rId19"/>
-    <p:sldId id="274" r:id="rId20"/>
-    <p:sldId id="275" r:id="rId21"/>
-    <p:sldId id="276" r:id="rId22"/>
-    <p:sldId id="277" r:id="rId23"/>
-    <p:sldId id="278" r:id="rId24"/>
-    <p:sldId id="279" r:id="rId25"/>
+    <p:sldId id="256" r:id="rId3"/>
+    <p:sldId id="257" r:id="rId4"/>
+    <p:sldId id="258" r:id="rId5"/>
+    <p:sldId id="259" r:id="rId6"/>
+    <p:sldId id="260" r:id="rId7"/>
+    <p:sldId id="261" r:id="rId9"/>
+    <p:sldId id="262" r:id="rId10"/>
+    <p:sldId id="263" r:id="rId11"/>
+    <p:sldId id="264" r:id="rId12"/>
+    <p:sldId id="265" r:id="rId13"/>
+    <p:sldId id="266" r:id="rId14"/>
+    <p:sldId id="269" r:id="rId15"/>
+    <p:sldId id="267" r:id="rId16"/>
+    <p:sldId id="268" r:id="rId17"/>
+    <p:sldId id="270" r:id="rId18"/>
+    <p:sldId id="271" r:id="rId19"/>
+    <p:sldId id="272" r:id="rId20"/>
+    <p:sldId id="273" r:id="rId21"/>
+    <p:sldId id="274" r:id="rId22"/>
+    <p:sldId id="275" r:id="rId23"/>
+    <p:sldId id="276" r:id="rId24"/>
+    <p:sldId id="277" r:id="rId25"/>
+    <p:sldId id="278" r:id="rId26"/>
+    <p:sldId id="279" r:id="rId27"/>
   </p:sldIdLst>
   <p:sldSz cx="12192000" cy="6858000"/>
   <p:notesSz cx="6858000" cy="9144000"/>
@@ -130,11 +130,6 @@
       </a:defRPr>
     </a:lvl9pPr>
   </p:defaultTextStyle>
-  <p:extLst>
-    <p:ext uri="{EFAFB233-063F-42B5-8137-9DF3F51BA10A}">
-      <p15:sldGuideLst xmlns:p15="http://schemas.microsoft.com/office/powerpoint/2012/main"/>
-    </p:ext>
-  </p:extLst>
 </p:presentation>
 </file>
 
@@ -220,7 +215,6 @@
           <a:p>
             <a:fld id="{C4B5E6E6-5227-499D-925E-9AC6471B302E}" type="datetimeFigureOut">
               <a:rPr lang="zh-CN" altLang="en-US" smtClean="0"/>
-              <a:t>2022/12/7</a:t>
             </a:fld>
             <a:endParaRPr lang="zh-CN" altLang="en-US"/>
           </a:p>
@@ -287,6 +281,7 @@
               <a:rPr lang="zh-CN" altLang="en-US"/>
               <a:t>单击此处编辑母版文本样式</a:t>
             </a:r>
+            <a:endParaRPr lang="zh-CN" altLang="en-US"/>
           </a:p>
           <a:p>
             <a:pPr lvl="1"/>
@@ -294,6 +289,7 @@
               <a:rPr lang="zh-CN" altLang="en-US"/>
               <a:t>二级</a:t>
             </a:r>
+            <a:endParaRPr lang="zh-CN" altLang="en-US"/>
           </a:p>
           <a:p>
             <a:pPr lvl="2"/>
@@ -301,6 +297,7 @@
               <a:rPr lang="zh-CN" altLang="en-US"/>
               <a:t>三级</a:t>
             </a:r>
+            <a:endParaRPr lang="zh-CN" altLang="en-US"/>
           </a:p>
           <a:p>
             <a:pPr lvl="3"/>
@@ -308,6 +305,7 @@
               <a:rPr lang="zh-CN" altLang="en-US"/>
               <a:t>四级</a:t>
             </a:r>
+            <a:endParaRPr lang="zh-CN" altLang="en-US"/>
           </a:p>
           <a:p>
             <a:pPr lvl="4"/>
@@ -315,6 +313,7 @@
               <a:rPr lang="zh-CN" altLang="en-US"/>
               <a:t>五级</a:t>
             </a:r>
+            <a:endParaRPr lang="zh-CN" altLang="en-US"/>
           </a:p>
         </p:txBody>
       </p:sp>
@@ -378,18 +377,12 @@
           <a:p>
             <a:fld id="{51DEDAE4-02E5-4506-9832-0997B68A82B4}" type="slidenum">
               <a:rPr lang="zh-CN" altLang="en-US" smtClean="0"/>
-              <a:t>‹#›</a:t>
             </a:fld>
             <a:endParaRPr lang="zh-CN" altLang="en-US"/>
           </a:p>
         </p:txBody>
       </p:sp>
     </p:spTree>
-    <p:extLst>
-      <p:ext uri="{BB962C8B-B14F-4D97-AF65-F5344CB8AC3E}">
-        <p14:creationId xmlns:p14="http://schemas.microsoft.com/office/powerpoint/2010/main" val="1278644521"/>
-      </p:ext>
-    </p:extLst>
   </p:cSld>
   <p:clrMap bg1="lt1" tx1="dk1" bg2="lt2" tx2="dk2" accent1="accent1" accent2="accent2" accent3="accent3" accent4="accent4" accent5="accent5" accent6="accent6" hlink="hlink" folHlink="folHlink"/>
   <p:notesStyle>
@@ -552,18 +545,12 @@
           <a:p>
             <a:fld id="{51DEDAE4-02E5-4506-9832-0997B68A82B4}" type="slidenum">
               <a:rPr lang="zh-CN" altLang="en-US" smtClean="0"/>
-              <a:t>5</a:t>
             </a:fld>
             <a:endParaRPr lang="zh-CN" altLang="en-US"/>
           </a:p>
         </p:txBody>
       </p:sp>
     </p:spTree>
-    <p:extLst>
-      <p:ext uri="{BB962C8B-B14F-4D97-AF65-F5344CB8AC3E}">
-        <p14:creationId xmlns:p14="http://schemas.microsoft.com/office/powerpoint/2010/main" val="4046703352"/>
-      </p:ext>
-    </p:extLst>
   </p:cSld>
   <p:clrMapOvr>
     <a:masterClrMapping/>
@@ -636,18 +623,12 @@
           <a:p>
             <a:fld id="{51DEDAE4-02E5-4506-9832-0997B68A82B4}" type="slidenum">
               <a:rPr lang="zh-CN" altLang="en-US" smtClean="0"/>
-              <a:t>20</a:t>
             </a:fld>
             <a:endParaRPr lang="zh-CN" altLang="en-US"/>
           </a:p>
         </p:txBody>
       </p:sp>
     </p:spTree>
-    <p:extLst>
-      <p:ext uri="{BB962C8B-B14F-4D97-AF65-F5344CB8AC3E}">
-        <p14:creationId xmlns:p14="http://schemas.microsoft.com/office/powerpoint/2010/main" val="687803322"/>
-      </p:ext>
-    </p:extLst>
   </p:cSld>
   <p:clrMapOvr>
     <a:masterClrMapping/>
@@ -674,13 +655,7 @@
       </p:grpSpPr>
       <p:sp>
         <p:nvSpPr>
-          <p:cNvPr id="2" name="标题 1">
-            <a:extLst>
-              <a:ext uri="{FF2B5EF4-FFF2-40B4-BE49-F238E27FC236}">
-                <a16:creationId xmlns:a16="http://schemas.microsoft.com/office/drawing/2014/main" id="{DE3DBBA5-D730-9474-2166-77FFD573665F}"/>
-              </a:ext>
-            </a:extLst>
-          </p:cNvPr>
+          <p:cNvPr id="2" name="标题 1"/>
           <p:cNvSpPr>
             <a:spLocks noGrp="1"/>
           </p:cNvSpPr>
@@ -706,18 +681,13 @@
               <a:rPr lang="zh-CN" altLang="en-US"/>
               <a:t>单击此处编辑母版标题样式</a:t>
             </a:r>
-          </a:p>
-        </p:txBody>
-      </p:sp>
-      <p:sp>
-        <p:nvSpPr>
-          <p:cNvPr id="3" name="副标题 2">
-            <a:extLst>
-              <a:ext uri="{FF2B5EF4-FFF2-40B4-BE49-F238E27FC236}">
-                <a16:creationId xmlns:a16="http://schemas.microsoft.com/office/drawing/2014/main" id="{AE2517CA-3DCE-2B3A-A910-7D9E0EF68A4E}"/>
-              </a:ext>
-            </a:extLst>
-          </p:cNvPr>
+            <a:endParaRPr lang="zh-CN" altLang="en-US"/>
+          </a:p>
+        </p:txBody>
+      </p:sp>
+      <p:sp>
+        <p:nvSpPr>
+          <p:cNvPr id="3" name="副标题 2"/>
           <p:cNvSpPr>
             <a:spLocks noGrp="1"/>
           </p:cNvSpPr>
@@ -776,18 +746,13 @@
               <a:rPr lang="zh-CN" altLang="en-US"/>
               <a:t>单击此处编辑母版副标题样式</a:t>
             </a:r>
-          </a:p>
-        </p:txBody>
-      </p:sp>
-      <p:sp>
-        <p:nvSpPr>
-          <p:cNvPr id="4" name="日期占位符 3">
-            <a:extLst>
-              <a:ext uri="{FF2B5EF4-FFF2-40B4-BE49-F238E27FC236}">
-                <a16:creationId xmlns:a16="http://schemas.microsoft.com/office/drawing/2014/main" id="{ACB1D685-50A0-5DAC-F304-03ED659A477F}"/>
-              </a:ext>
-            </a:extLst>
-          </p:cNvPr>
+            <a:endParaRPr lang="zh-CN" altLang="en-US"/>
+          </a:p>
+        </p:txBody>
+      </p:sp>
+      <p:sp>
+        <p:nvSpPr>
+          <p:cNvPr id="4" name="日期占位符 3"/>
           <p:cNvSpPr>
             <a:spLocks noGrp="1"/>
           </p:cNvSpPr>
@@ -802,7 +767,6 @@
           <a:p>
             <a:fld id="{CA1860E2-8529-400A-813D-9D88C47B50CC}" type="datetimeFigureOut">
               <a:rPr lang="zh-CN" altLang="en-US" smtClean="0"/>
-              <a:t>2022/12/7</a:t>
             </a:fld>
             <a:endParaRPr lang="zh-CN" altLang="en-US"/>
           </a:p>
@@ -810,13 +774,7 @@
       </p:sp>
       <p:sp>
         <p:nvSpPr>
-          <p:cNvPr id="5" name="页脚占位符 4">
-            <a:extLst>
-              <a:ext uri="{FF2B5EF4-FFF2-40B4-BE49-F238E27FC236}">
-                <a16:creationId xmlns:a16="http://schemas.microsoft.com/office/drawing/2014/main" id="{4846662C-C13A-A39D-DCBB-1135ADDA9EC8}"/>
-              </a:ext>
-            </a:extLst>
-          </p:cNvPr>
+          <p:cNvPr id="5" name="页脚占位符 4"/>
           <p:cNvSpPr>
             <a:spLocks noGrp="1"/>
           </p:cNvSpPr>
@@ -835,13 +793,7 @@
       </p:sp>
       <p:sp>
         <p:nvSpPr>
-          <p:cNvPr id="6" name="灯片编号占位符 5">
-            <a:extLst>
-              <a:ext uri="{FF2B5EF4-FFF2-40B4-BE49-F238E27FC236}">
-                <a16:creationId xmlns:a16="http://schemas.microsoft.com/office/drawing/2014/main" id="{9F08845B-7E08-2F25-0247-BE51D80310C0}"/>
-              </a:ext>
-            </a:extLst>
-          </p:cNvPr>
+          <p:cNvPr id="6" name="灯片编号占位符 5"/>
           <p:cNvSpPr>
             <a:spLocks noGrp="1"/>
           </p:cNvSpPr>
@@ -856,18 +808,12 @@
           <a:p>
             <a:fld id="{68FF4377-F939-48DD-B821-2CDC16E414E7}" type="slidenum">
               <a:rPr lang="zh-CN" altLang="en-US" smtClean="0"/>
-              <a:t>‹#›</a:t>
             </a:fld>
             <a:endParaRPr lang="zh-CN" altLang="en-US"/>
           </a:p>
         </p:txBody>
       </p:sp>
     </p:spTree>
-    <p:extLst>
-      <p:ext uri="{BB962C8B-B14F-4D97-AF65-F5344CB8AC3E}">
-        <p14:creationId xmlns:p14="http://schemas.microsoft.com/office/powerpoint/2010/main" val="2331876232"/>
-      </p:ext>
-    </p:extLst>
   </p:cSld>
   <p:clrMapOvr>
     <a:masterClrMapping/>
@@ -894,13 +840,7 @@
       </p:grpSpPr>
       <p:sp>
         <p:nvSpPr>
-          <p:cNvPr id="2" name="标题 1">
-            <a:extLst>
-              <a:ext uri="{FF2B5EF4-FFF2-40B4-BE49-F238E27FC236}">
-                <a16:creationId xmlns:a16="http://schemas.microsoft.com/office/drawing/2014/main" id="{4D06314E-9375-B790-0E3B-C8E0D49FF694}"/>
-              </a:ext>
-            </a:extLst>
-          </p:cNvPr>
+          <p:cNvPr id="2" name="标题 1"/>
           <p:cNvSpPr>
             <a:spLocks noGrp="1"/>
           </p:cNvSpPr>
@@ -917,18 +857,13 @@
               <a:rPr lang="zh-CN" altLang="en-US"/>
               <a:t>单击此处编辑母版标题样式</a:t>
             </a:r>
-          </a:p>
-        </p:txBody>
-      </p:sp>
-      <p:sp>
-        <p:nvSpPr>
-          <p:cNvPr id="3" name="竖排文字占位符 2">
-            <a:extLst>
-              <a:ext uri="{FF2B5EF4-FFF2-40B4-BE49-F238E27FC236}">
-                <a16:creationId xmlns:a16="http://schemas.microsoft.com/office/drawing/2014/main" id="{5D652D1A-8164-CD5A-FCB7-1E06A925E293}"/>
-              </a:ext>
-            </a:extLst>
-          </p:cNvPr>
+            <a:endParaRPr lang="zh-CN" altLang="en-US"/>
+          </a:p>
+        </p:txBody>
+      </p:sp>
+      <p:sp>
+        <p:nvSpPr>
+          <p:cNvPr id="3" name="竖排文字占位符 2"/>
           <p:cNvSpPr>
             <a:spLocks noGrp="1"/>
           </p:cNvSpPr>
@@ -946,6 +881,7 @@
               <a:rPr lang="zh-CN" altLang="en-US"/>
               <a:t>单击此处编辑母版文本样式</a:t>
             </a:r>
+            <a:endParaRPr lang="zh-CN" altLang="en-US"/>
           </a:p>
           <a:p>
             <a:pPr lvl="1"/>
@@ -953,6 +889,7 @@
               <a:rPr lang="zh-CN" altLang="en-US"/>
               <a:t>二级</a:t>
             </a:r>
+            <a:endParaRPr lang="zh-CN" altLang="en-US"/>
           </a:p>
           <a:p>
             <a:pPr lvl="2"/>
@@ -960,6 +897,7 @@
               <a:rPr lang="zh-CN" altLang="en-US"/>
               <a:t>三级</a:t>
             </a:r>
+            <a:endParaRPr lang="zh-CN" altLang="en-US"/>
           </a:p>
           <a:p>
             <a:pPr lvl="3"/>
@@ -967,6 +905,7 @@
               <a:rPr lang="zh-CN" altLang="en-US"/>
               <a:t>四级</a:t>
             </a:r>
+            <a:endParaRPr lang="zh-CN" altLang="en-US"/>
           </a:p>
           <a:p>
             <a:pPr lvl="4"/>
@@ -974,18 +913,13 @@
               <a:rPr lang="zh-CN" altLang="en-US"/>
               <a:t>五级</a:t>
             </a:r>
-          </a:p>
-        </p:txBody>
-      </p:sp>
-      <p:sp>
-        <p:nvSpPr>
-          <p:cNvPr id="4" name="日期占位符 3">
-            <a:extLst>
-              <a:ext uri="{FF2B5EF4-FFF2-40B4-BE49-F238E27FC236}">
-                <a16:creationId xmlns:a16="http://schemas.microsoft.com/office/drawing/2014/main" id="{91E0C400-DEBE-F814-09D0-6D1DFF8BC7BA}"/>
-              </a:ext>
-            </a:extLst>
-          </p:cNvPr>
+            <a:endParaRPr lang="zh-CN" altLang="en-US"/>
+          </a:p>
+        </p:txBody>
+      </p:sp>
+      <p:sp>
+        <p:nvSpPr>
+          <p:cNvPr id="4" name="日期占位符 3"/>
           <p:cNvSpPr>
             <a:spLocks noGrp="1"/>
           </p:cNvSpPr>
@@ -1000,7 +934,6 @@
           <a:p>
             <a:fld id="{CA1860E2-8529-400A-813D-9D88C47B50CC}" type="datetimeFigureOut">
               <a:rPr lang="zh-CN" altLang="en-US" smtClean="0"/>
-              <a:t>2022/12/7</a:t>
             </a:fld>
             <a:endParaRPr lang="zh-CN" altLang="en-US"/>
           </a:p>
@@ -1008,13 +941,7 @@
       </p:sp>
       <p:sp>
         <p:nvSpPr>
-          <p:cNvPr id="5" name="页脚占位符 4">
-            <a:extLst>
-              <a:ext uri="{FF2B5EF4-FFF2-40B4-BE49-F238E27FC236}">
-                <a16:creationId xmlns:a16="http://schemas.microsoft.com/office/drawing/2014/main" id="{6275B034-7D42-BBBE-CA97-C7BB55E1FEE1}"/>
-              </a:ext>
-            </a:extLst>
-          </p:cNvPr>
+          <p:cNvPr id="5" name="页脚占位符 4"/>
           <p:cNvSpPr>
             <a:spLocks noGrp="1"/>
           </p:cNvSpPr>
@@ -1033,13 +960,7 @@
       </p:sp>
       <p:sp>
         <p:nvSpPr>
-          <p:cNvPr id="6" name="灯片编号占位符 5">
-            <a:extLst>
-              <a:ext uri="{FF2B5EF4-FFF2-40B4-BE49-F238E27FC236}">
-                <a16:creationId xmlns:a16="http://schemas.microsoft.com/office/drawing/2014/main" id="{0B56A9CF-6408-B1B9-E3B3-4BFE205648F4}"/>
-              </a:ext>
-            </a:extLst>
-          </p:cNvPr>
+          <p:cNvPr id="6" name="灯片编号占位符 5"/>
           <p:cNvSpPr>
             <a:spLocks noGrp="1"/>
           </p:cNvSpPr>
@@ -1054,18 +975,12 @@
           <a:p>
             <a:fld id="{68FF4377-F939-48DD-B821-2CDC16E414E7}" type="slidenum">
               <a:rPr lang="zh-CN" altLang="en-US" smtClean="0"/>
-              <a:t>‹#›</a:t>
             </a:fld>
             <a:endParaRPr lang="zh-CN" altLang="en-US"/>
           </a:p>
         </p:txBody>
       </p:sp>
     </p:spTree>
-    <p:extLst>
-      <p:ext uri="{BB962C8B-B14F-4D97-AF65-F5344CB8AC3E}">
-        <p14:creationId xmlns:p14="http://schemas.microsoft.com/office/powerpoint/2010/main" val="1689715399"/>
-      </p:ext>
-    </p:extLst>
   </p:cSld>
   <p:clrMapOvr>
     <a:masterClrMapping/>
@@ -1092,13 +1007,7 @@
       </p:grpSpPr>
       <p:sp>
         <p:nvSpPr>
-          <p:cNvPr id="2" name="竖排标题 1">
-            <a:extLst>
-              <a:ext uri="{FF2B5EF4-FFF2-40B4-BE49-F238E27FC236}">
-                <a16:creationId xmlns:a16="http://schemas.microsoft.com/office/drawing/2014/main" id="{4BBEF04E-A7F0-D761-73F1-15CD42BD3385}"/>
-              </a:ext>
-            </a:extLst>
-          </p:cNvPr>
+          <p:cNvPr id="2" name="竖排标题 1"/>
           <p:cNvSpPr>
             <a:spLocks noGrp="1"/>
           </p:cNvSpPr>
@@ -1120,18 +1029,13 @@
               <a:rPr lang="zh-CN" altLang="en-US"/>
               <a:t>单击此处编辑母版标题样式</a:t>
             </a:r>
-          </a:p>
-        </p:txBody>
-      </p:sp>
-      <p:sp>
-        <p:nvSpPr>
-          <p:cNvPr id="3" name="竖排文字占位符 2">
-            <a:extLst>
-              <a:ext uri="{FF2B5EF4-FFF2-40B4-BE49-F238E27FC236}">
-                <a16:creationId xmlns:a16="http://schemas.microsoft.com/office/drawing/2014/main" id="{C358B174-01F5-522A-CA79-3A00B79F8F39}"/>
-              </a:ext>
-            </a:extLst>
-          </p:cNvPr>
+            <a:endParaRPr lang="zh-CN" altLang="en-US"/>
+          </a:p>
+        </p:txBody>
+      </p:sp>
+      <p:sp>
+        <p:nvSpPr>
+          <p:cNvPr id="3" name="竖排文字占位符 2"/>
           <p:cNvSpPr>
             <a:spLocks noGrp="1"/>
           </p:cNvSpPr>
@@ -1154,6 +1058,7 @@
               <a:rPr lang="zh-CN" altLang="en-US"/>
               <a:t>单击此处编辑母版文本样式</a:t>
             </a:r>
+            <a:endParaRPr lang="zh-CN" altLang="en-US"/>
           </a:p>
           <a:p>
             <a:pPr lvl="1"/>
@@ -1161,6 +1066,7 @@
               <a:rPr lang="zh-CN" altLang="en-US"/>
               <a:t>二级</a:t>
             </a:r>
+            <a:endParaRPr lang="zh-CN" altLang="en-US"/>
           </a:p>
           <a:p>
             <a:pPr lvl="2"/>
@@ -1168,6 +1074,7 @@
               <a:rPr lang="zh-CN" altLang="en-US"/>
               <a:t>三级</a:t>
             </a:r>
+            <a:endParaRPr lang="zh-CN" altLang="en-US"/>
           </a:p>
           <a:p>
             <a:pPr lvl="3"/>
@@ -1175,6 +1082,7 @@
               <a:rPr lang="zh-CN" altLang="en-US"/>
               <a:t>四级</a:t>
             </a:r>
+            <a:endParaRPr lang="zh-CN" altLang="en-US"/>
           </a:p>
           <a:p>
             <a:pPr lvl="4"/>
@@ -1182,18 +1090,13 @@
               <a:rPr lang="zh-CN" altLang="en-US"/>
               <a:t>五级</a:t>
             </a:r>
-          </a:p>
-        </p:txBody>
-      </p:sp>
-      <p:sp>
-        <p:nvSpPr>
-          <p:cNvPr id="4" name="日期占位符 3">
-            <a:extLst>
-              <a:ext uri="{FF2B5EF4-FFF2-40B4-BE49-F238E27FC236}">
-                <a16:creationId xmlns:a16="http://schemas.microsoft.com/office/drawing/2014/main" id="{B9D7285A-CCED-D19F-F393-5D1B870C25BC}"/>
-              </a:ext>
-            </a:extLst>
-          </p:cNvPr>
+            <a:endParaRPr lang="zh-CN" altLang="en-US"/>
+          </a:p>
+        </p:txBody>
+      </p:sp>
+      <p:sp>
+        <p:nvSpPr>
+          <p:cNvPr id="4" name="日期占位符 3"/>
           <p:cNvSpPr>
             <a:spLocks noGrp="1"/>
           </p:cNvSpPr>
@@ -1208,7 +1111,6 @@
           <a:p>
             <a:fld id="{CA1860E2-8529-400A-813D-9D88C47B50CC}" type="datetimeFigureOut">
               <a:rPr lang="zh-CN" altLang="en-US" smtClean="0"/>
-              <a:t>2022/12/7</a:t>
             </a:fld>
             <a:endParaRPr lang="zh-CN" altLang="en-US"/>
           </a:p>
@@ -1216,13 +1118,7 @@
       </p:sp>
       <p:sp>
         <p:nvSpPr>
-          <p:cNvPr id="5" name="页脚占位符 4">
-            <a:extLst>
-              <a:ext uri="{FF2B5EF4-FFF2-40B4-BE49-F238E27FC236}">
-                <a16:creationId xmlns:a16="http://schemas.microsoft.com/office/drawing/2014/main" id="{42300966-B3A3-B397-C79F-7286FE999B0E}"/>
-              </a:ext>
-            </a:extLst>
-          </p:cNvPr>
+          <p:cNvPr id="5" name="页脚占位符 4"/>
           <p:cNvSpPr>
             <a:spLocks noGrp="1"/>
           </p:cNvSpPr>
@@ -1241,13 +1137,7 @@
       </p:sp>
       <p:sp>
         <p:nvSpPr>
-          <p:cNvPr id="6" name="灯片编号占位符 5">
-            <a:extLst>
-              <a:ext uri="{FF2B5EF4-FFF2-40B4-BE49-F238E27FC236}">
-                <a16:creationId xmlns:a16="http://schemas.microsoft.com/office/drawing/2014/main" id="{480B7920-6B67-3D41-3E56-018C7CA111B0}"/>
-              </a:ext>
-            </a:extLst>
-          </p:cNvPr>
+          <p:cNvPr id="6" name="灯片编号占位符 5"/>
           <p:cNvSpPr>
             <a:spLocks noGrp="1"/>
           </p:cNvSpPr>
@@ -1262,18 +1152,12 @@
           <a:p>
             <a:fld id="{68FF4377-F939-48DD-B821-2CDC16E414E7}" type="slidenum">
               <a:rPr lang="zh-CN" altLang="en-US" smtClean="0"/>
-              <a:t>‹#›</a:t>
             </a:fld>
             <a:endParaRPr lang="zh-CN" altLang="en-US"/>
           </a:p>
         </p:txBody>
       </p:sp>
     </p:spTree>
-    <p:extLst>
-      <p:ext uri="{BB962C8B-B14F-4D97-AF65-F5344CB8AC3E}">
-        <p14:creationId xmlns:p14="http://schemas.microsoft.com/office/powerpoint/2010/main" val="1685213199"/>
-      </p:ext>
-    </p:extLst>
   </p:cSld>
   <p:clrMapOvr>
     <a:masterClrMapping/>
@@ -1300,13 +1184,7 @@
       </p:grpSpPr>
       <p:sp>
         <p:nvSpPr>
-          <p:cNvPr id="2" name="标题 1">
-            <a:extLst>
-              <a:ext uri="{FF2B5EF4-FFF2-40B4-BE49-F238E27FC236}">
-                <a16:creationId xmlns:a16="http://schemas.microsoft.com/office/drawing/2014/main" id="{39E838FB-DC4A-6245-164D-4792073CE3EA}"/>
-              </a:ext>
-            </a:extLst>
-          </p:cNvPr>
+          <p:cNvPr id="2" name="标题 1"/>
           <p:cNvSpPr>
             <a:spLocks noGrp="1"/>
           </p:cNvSpPr>
@@ -1323,18 +1201,13 @@
               <a:rPr lang="zh-CN" altLang="en-US"/>
               <a:t>单击此处编辑母版标题样式</a:t>
             </a:r>
-          </a:p>
-        </p:txBody>
-      </p:sp>
-      <p:sp>
-        <p:nvSpPr>
-          <p:cNvPr id="3" name="内容占位符 2">
-            <a:extLst>
-              <a:ext uri="{FF2B5EF4-FFF2-40B4-BE49-F238E27FC236}">
-                <a16:creationId xmlns:a16="http://schemas.microsoft.com/office/drawing/2014/main" id="{49830522-917D-CA9E-3372-D210533947C1}"/>
-              </a:ext>
-            </a:extLst>
-          </p:cNvPr>
+            <a:endParaRPr lang="zh-CN" altLang="en-US"/>
+          </a:p>
+        </p:txBody>
+      </p:sp>
+      <p:sp>
+        <p:nvSpPr>
+          <p:cNvPr id="3" name="内容占位符 2"/>
           <p:cNvSpPr>
             <a:spLocks noGrp="1"/>
           </p:cNvSpPr>
@@ -1352,6 +1225,7 @@
               <a:rPr lang="zh-CN" altLang="en-US"/>
               <a:t>单击此处编辑母版文本样式</a:t>
             </a:r>
+            <a:endParaRPr lang="zh-CN" altLang="en-US"/>
           </a:p>
           <a:p>
             <a:pPr lvl="1"/>
@@ -1359,6 +1233,7 @@
               <a:rPr lang="zh-CN" altLang="en-US"/>
               <a:t>二级</a:t>
             </a:r>
+            <a:endParaRPr lang="zh-CN" altLang="en-US"/>
           </a:p>
           <a:p>
             <a:pPr lvl="2"/>
@@ -1366,6 +1241,7 @@
               <a:rPr lang="zh-CN" altLang="en-US"/>
               <a:t>三级</a:t>
             </a:r>
+            <a:endParaRPr lang="zh-CN" altLang="en-US"/>
           </a:p>
           <a:p>
             <a:pPr lvl="3"/>
@@ -1373,6 +1249,7 @@
               <a:rPr lang="zh-CN" altLang="en-US"/>
               <a:t>四级</a:t>
             </a:r>
+            <a:endParaRPr lang="zh-CN" altLang="en-US"/>
           </a:p>
           <a:p>
             <a:pPr lvl="4"/>
@@ -1380,18 +1257,13 @@
               <a:rPr lang="zh-CN" altLang="en-US"/>
               <a:t>五级</a:t>
             </a:r>
-          </a:p>
-        </p:txBody>
-      </p:sp>
-      <p:sp>
-        <p:nvSpPr>
-          <p:cNvPr id="4" name="日期占位符 3">
-            <a:extLst>
-              <a:ext uri="{FF2B5EF4-FFF2-40B4-BE49-F238E27FC236}">
-                <a16:creationId xmlns:a16="http://schemas.microsoft.com/office/drawing/2014/main" id="{04A2DADD-2730-4FB8-F0D0-5B370BE80EF1}"/>
-              </a:ext>
-            </a:extLst>
-          </p:cNvPr>
+            <a:endParaRPr lang="zh-CN" altLang="en-US"/>
+          </a:p>
+        </p:txBody>
+      </p:sp>
+      <p:sp>
+        <p:nvSpPr>
+          <p:cNvPr id="4" name="日期占位符 3"/>
           <p:cNvSpPr>
             <a:spLocks noGrp="1"/>
           </p:cNvSpPr>
@@ -1406,7 +1278,6 @@
           <a:p>
             <a:fld id="{CA1860E2-8529-400A-813D-9D88C47B50CC}" type="datetimeFigureOut">
               <a:rPr lang="zh-CN" altLang="en-US" smtClean="0"/>
-              <a:t>2022/12/7</a:t>
             </a:fld>
             <a:endParaRPr lang="zh-CN" altLang="en-US"/>
           </a:p>
@@ -1414,13 +1285,7 @@
       </p:sp>
       <p:sp>
         <p:nvSpPr>
-          <p:cNvPr id="5" name="页脚占位符 4">
-            <a:extLst>
-              <a:ext uri="{FF2B5EF4-FFF2-40B4-BE49-F238E27FC236}">
-                <a16:creationId xmlns:a16="http://schemas.microsoft.com/office/drawing/2014/main" id="{9A687B6B-A9D9-47FC-8451-68531E3B902A}"/>
-              </a:ext>
-            </a:extLst>
-          </p:cNvPr>
+          <p:cNvPr id="5" name="页脚占位符 4"/>
           <p:cNvSpPr>
             <a:spLocks noGrp="1"/>
           </p:cNvSpPr>
@@ -1439,13 +1304,7 @@
       </p:sp>
       <p:sp>
         <p:nvSpPr>
-          <p:cNvPr id="6" name="灯片编号占位符 5">
-            <a:extLst>
-              <a:ext uri="{FF2B5EF4-FFF2-40B4-BE49-F238E27FC236}">
-                <a16:creationId xmlns:a16="http://schemas.microsoft.com/office/drawing/2014/main" id="{00F83997-3D29-444B-5751-427F23E5037B}"/>
-              </a:ext>
-            </a:extLst>
-          </p:cNvPr>
+          <p:cNvPr id="6" name="灯片编号占位符 5"/>
           <p:cNvSpPr>
             <a:spLocks noGrp="1"/>
           </p:cNvSpPr>
@@ -1460,18 +1319,12 @@
           <a:p>
             <a:fld id="{68FF4377-F939-48DD-B821-2CDC16E414E7}" type="slidenum">
               <a:rPr lang="zh-CN" altLang="en-US" smtClean="0"/>
-              <a:t>‹#›</a:t>
             </a:fld>
             <a:endParaRPr lang="zh-CN" altLang="en-US"/>
           </a:p>
         </p:txBody>
       </p:sp>
     </p:spTree>
-    <p:extLst>
-      <p:ext uri="{BB962C8B-B14F-4D97-AF65-F5344CB8AC3E}">
-        <p14:creationId xmlns:p14="http://schemas.microsoft.com/office/powerpoint/2010/main" val="13403545"/>
-      </p:ext>
-    </p:extLst>
   </p:cSld>
   <p:clrMapOvr>
     <a:masterClrMapping/>
@@ -1498,13 +1351,7 @@
       </p:grpSpPr>
       <p:sp>
         <p:nvSpPr>
-          <p:cNvPr id="2" name="标题 1">
-            <a:extLst>
-              <a:ext uri="{FF2B5EF4-FFF2-40B4-BE49-F238E27FC236}">
-                <a16:creationId xmlns:a16="http://schemas.microsoft.com/office/drawing/2014/main" id="{BEA0C8A7-76D9-11E7-8F53-12AEA320FDDD}"/>
-              </a:ext>
-            </a:extLst>
-          </p:cNvPr>
+          <p:cNvPr id="2" name="标题 1"/>
           <p:cNvSpPr>
             <a:spLocks noGrp="1"/>
           </p:cNvSpPr>
@@ -1530,18 +1377,13 @@
               <a:rPr lang="zh-CN" altLang="en-US"/>
               <a:t>单击此处编辑母版标题样式</a:t>
             </a:r>
-          </a:p>
-        </p:txBody>
-      </p:sp>
-      <p:sp>
-        <p:nvSpPr>
-          <p:cNvPr id="3" name="文本占位符 2">
-            <a:extLst>
-              <a:ext uri="{FF2B5EF4-FFF2-40B4-BE49-F238E27FC236}">
-                <a16:creationId xmlns:a16="http://schemas.microsoft.com/office/drawing/2014/main" id="{770DB2DD-D96B-ED93-BC9F-81D7900F1567}"/>
-              </a:ext>
-            </a:extLst>
-          </p:cNvPr>
+            <a:endParaRPr lang="zh-CN" altLang="en-US"/>
+          </a:p>
+        </p:txBody>
+      </p:sp>
+      <p:sp>
+        <p:nvSpPr>
+          <p:cNvPr id="3" name="文本占位符 2"/>
           <p:cNvSpPr>
             <a:spLocks noGrp="1"/>
           </p:cNvSpPr>
@@ -1655,18 +1497,13 @@
               <a:rPr lang="zh-CN" altLang="en-US"/>
               <a:t>单击此处编辑母版文本样式</a:t>
             </a:r>
-          </a:p>
-        </p:txBody>
-      </p:sp>
-      <p:sp>
-        <p:nvSpPr>
-          <p:cNvPr id="4" name="日期占位符 3">
-            <a:extLst>
-              <a:ext uri="{FF2B5EF4-FFF2-40B4-BE49-F238E27FC236}">
-                <a16:creationId xmlns:a16="http://schemas.microsoft.com/office/drawing/2014/main" id="{A1D8057C-F63A-CB2E-4659-5AB5CF1D6A3C}"/>
-              </a:ext>
-            </a:extLst>
-          </p:cNvPr>
+            <a:endParaRPr lang="zh-CN" altLang="en-US"/>
+          </a:p>
+        </p:txBody>
+      </p:sp>
+      <p:sp>
+        <p:nvSpPr>
+          <p:cNvPr id="4" name="日期占位符 3"/>
           <p:cNvSpPr>
             <a:spLocks noGrp="1"/>
           </p:cNvSpPr>
@@ -1681,7 +1518,6 @@
           <a:p>
             <a:fld id="{CA1860E2-8529-400A-813D-9D88C47B50CC}" type="datetimeFigureOut">
               <a:rPr lang="zh-CN" altLang="en-US" smtClean="0"/>
-              <a:t>2022/12/7</a:t>
             </a:fld>
             <a:endParaRPr lang="zh-CN" altLang="en-US"/>
           </a:p>
@@ -1689,13 +1525,7 @@
       </p:sp>
       <p:sp>
         <p:nvSpPr>
-          <p:cNvPr id="5" name="页脚占位符 4">
-            <a:extLst>
-              <a:ext uri="{FF2B5EF4-FFF2-40B4-BE49-F238E27FC236}">
-                <a16:creationId xmlns:a16="http://schemas.microsoft.com/office/drawing/2014/main" id="{4616950A-CFBA-AA57-AC92-42F87C2297F7}"/>
-              </a:ext>
-            </a:extLst>
-          </p:cNvPr>
+          <p:cNvPr id="5" name="页脚占位符 4"/>
           <p:cNvSpPr>
             <a:spLocks noGrp="1"/>
           </p:cNvSpPr>
@@ -1714,13 +1544,7 @@
       </p:sp>
       <p:sp>
         <p:nvSpPr>
-          <p:cNvPr id="6" name="灯片编号占位符 5">
-            <a:extLst>
-              <a:ext uri="{FF2B5EF4-FFF2-40B4-BE49-F238E27FC236}">
-                <a16:creationId xmlns:a16="http://schemas.microsoft.com/office/drawing/2014/main" id="{14A4957C-D527-E470-B990-23F227F6804F}"/>
-              </a:ext>
-            </a:extLst>
-          </p:cNvPr>
+          <p:cNvPr id="6" name="灯片编号占位符 5"/>
           <p:cNvSpPr>
             <a:spLocks noGrp="1"/>
           </p:cNvSpPr>
@@ -1735,18 +1559,12 @@
           <a:p>
             <a:fld id="{68FF4377-F939-48DD-B821-2CDC16E414E7}" type="slidenum">
               <a:rPr lang="zh-CN" altLang="en-US" smtClean="0"/>
-              <a:t>‹#›</a:t>
             </a:fld>
             <a:endParaRPr lang="zh-CN" altLang="en-US"/>
           </a:p>
         </p:txBody>
       </p:sp>
     </p:spTree>
-    <p:extLst>
-      <p:ext uri="{BB962C8B-B14F-4D97-AF65-F5344CB8AC3E}">
-        <p14:creationId xmlns:p14="http://schemas.microsoft.com/office/powerpoint/2010/main" val="14750951"/>
-      </p:ext>
-    </p:extLst>
   </p:cSld>
   <p:clrMapOvr>
     <a:masterClrMapping/>
@@ -1773,13 +1591,7 @@
       </p:grpSpPr>
       <p:sp>
         <p:nvSpPr>
-          <p:cNvPr id="2" name="标题 1">
-            <a:extLst>
-              <a:ext uri="{FF2B5EF4-FFF2-40B4-BE49-F238E27FC236}">
-                <a16:creationId xmlns:a16="http://schemas.microsoft.com/office/drawing/2014/main" id="{3127455B-0EC6-CD98-BE3C-7F1E80CF0BC1}"/>
-              </a:ext>
-            </a:extLst>
-          </p:cNvPr>
+          <p:cNvPr id="2" name="标题 1"/>
           <p:cNvSpPr>
             <a:spLocks noGrp="1"/>
           </p:cNvSpPr>
@@ -1796,18 +1608,13 @@
               <a:rPr lang="zh-CN" altLang="en-US"/>
               <a:t>单击此处编辑母版标题样式</a:t>
             </a:r>
-          </a:p>
-        </p:txBody>
-      </p:sp>
-      <p:sp>
-        <p:nvSpPr>
-          <p:cNvPr id="3" name="内容占位符 2">
-            <a:extLst>
-              <a:ext uri="{FF2B5EF4-FFF2-40B4-BE49-F238E27FC236}">
-                <a16:creationId xmlns:a16="http://schemas.microsoft.com/office/drawing/2014/main" id="{357959A0-2FDA-B266-441F-8F56155C4756}"/>
-              </a:ext>
-            </a:extLst>
-          </p:cNvPr>
+            <a:endParaRPr lang="zh-CN" altLang="en-US"/>
+          </a:p>
+        </p:txBody>
+      </p:sp>
+      <p:sp>
+        <p:nvSpPr>
+          <p:cNvPr id="3" name="内容占位符 2"/>
           <p:cNvSpPr>
             <a:spLocks noGrp="1"/>
           </p:cNvSpPr>
@@ -1830,6 +1637,7 @@
               <a:rPr lang="zh-CN" altLang="en-US"/>
               <a:t>单击此处编辑母版文本样式</a:t>
             </a:r>
+            <a:endParaRPr lang="zh-CN" altLang="en-US"/>
           </a:p>
           <a:p>
             <a:pPr lvl="1"/>
@@ -1837,6 +1645,7 @@
               <a:rPr lang="zh-CN" altLang="en-US"/>
               <a:t>二级</a:t>
             </a:r>
+            <a:endParaRPr lang="zh-CN" altLang="en-US"/>
           </a:p>
           <a:p>
             <a:pPr lvl="2"/>
@@ -1844,6 +1653,7 @@
               <a:rPr lang="zh-CN" altLang="en-US"/>
               <a:t>三级</a:t>
             </a:r>
+            <a:endParaRPr lang="zh-CN" altLang="en-US"/>
           </a:p>
           <a:p>
             <a:pPr lvl="3"/>
@@ -1851,6 +1661,7 @@
               <a:rPr lang="zh-CN" altLang="en-US"/>
               <a:t>四级</a:t>
             </a:r>
+            <a:endParaRPr lang="zh-CN" altLang="en-US"/>
           </a:p>
           <a:p>
             <a:pPr lvl="4"/>
@@ -1858,18 +1669,13 @@
               <a:rPr lang="zh-CN" altLang="en-US"/>
               <a:t>五级</a:t>
             </a:r>
-          </a:p>
-        </p:txBody>
-      </p:sp>
-      <p:sp>
-        <p:nvSpPr>
-          <p:cNvPr id="4" name="内容占位符 3">
-            <a:extLst>
-              <a:ext uri="{FF2B5EF4-FFF2-40B4-BE49-F238E27FC236}">
-                <a16:creationId xmlns:a16="http://schemas.microsoft.com/office/drawing/2014/main" id="{E098CE20-466D-B5EB-0C84-9E269DDC06AF}"/>
-              </a:ext>
-            </a:extLst>
-          </p:cNvPr>
+            <a:endParaRPr lang="zh-CN" altLang="en-US"/>
+          </a:p>
+        </p:txBody>
+      </p:sp>
+      <p:sp>
+        <p:nvSpPr>
+          <p:cNvPr id="4" name="内容占位符 3"/>
           <p:cNvSpPr>
             <a:spLocks noGrp="1"/>
           </p:cNvSpPr>
@@ -1892,6 +1698,7 @@
               <a:rPr lang="zh-CN" altLang="en-US"/>
               <a:t>单击此处编辑母版文本样式</a:t>
             </a:r>
+            <a:endParaRPr lang="zh-CN" altLang="en-US"/>
           </a:p>
           <a:p>
             <a:pPr lvl="1"/>
@@ -1899,6 +1706,7 @@
               <a:rPr lang="zh-CN" altLang="en-US"/>
               <a:t>二级</a:t>
             </a:r>
+            <a:endParaRPr lang="zh-CN" altLang="en-US"/>
           </a:p>
           <a:p>
             <a:pPr lvl="2"/>
@@ -1906,6 +1714,7 @@
               <a:rPr lang="zh-CN" altLang="en-US"/>
               <a:t>三级</a:t>
             </a:r>
+            <a:endParaRPr lang="zh-CN" altLang="en-US"/>
           </a:p>
           <a:p>
             <a:pPr lvl="3"/>
@@ -1913,6 +1722,7 @@
               <a:rPr lang="zh-CN" altLang="en-US"/>
               <a:t>四级</a:t>
             </a:r>
+            <a:endParaRPr lang="zh-CN" altLang="en-US"/>
           </a:p>
           <a:p>
             <a:pPr lvl="4"/>
@@ -1920,18 +1730,13 @@
               <a:rPr lang="zh-CN" altLang="en-US"/>
               <a:t>五级</a:t>
             </a:r>
-          </a:p>
-        </p:txBody>
-      </p:sp>
-      <p:sp>
-        <p:nvSpPr>
-          <p:cNvPr id="5" name="日期占位符 4">
-            <a:extLst>
-              <a:ext uri="{FF2B5EF4-FFF2-40B4-BE49-F238E27FC236}">
-                <a16:creationId xmlns:a16="http://schemas.microsoft.com/office/drawing/2014/main" id="{1A9EAF19-6C09-AB7A-7D25-C84D1E8B8160}"/>
-              </a:ext>
-            </a:extLst>
-          </p:cNvPr>
+            <a:endParaRPr lang="zh-CN" altLang="en-US"/>
+          </a:p>
+        </p:txBody>
+      </p:sp>
+      <p:sp>
+        <p:nvSpPr>
+          <p:cNvPr id="5" name="日期占位符 4"/>
           <p:cNvSpPr>
             <a:spLocks noGrp="1"/>
           </p:cNvSpPr>
@@ -1946,7 +1751,6 @@
           <a:p>
             <a:fld id="{CA1860E2-8529-400A-813D-9D88C47B50CC}" type="datetimeFigureOut">
               <a:rPr lang="zh-CN" altLang="en-US" smtClean="0"/>
-              <a:t>2022/12/7</a:t>
             </a:fld>
             <a:endParaRPr lang="zh-CN" altLang="en-US"/>
           </a:p>
@@ -1954,13 +1758,7 @@
       </p:sp>
       <p:sp>
         <p:nvSpPr>
-          <p:cNvPr id="6" name="页脚占位符 5">
-            <a:extLst>
-              <a:ext uri="{FF2B5EF4-FFF2-40B4-BE49-F238E27FC236}">
-                <a16:creationId xmlns:a16="http://schemas.microsoft.com/office/drawing/2014/main" id="{821EA656-2E0C-17E2-03A6-1BD334165A76}"/>
-              </a:ext>
-            </a:extLst>
-          </p:cNvPr>
+          <p:cNvPr id="6" name="页脚占位符 5"/>
           <p:cNvSpPr>
             <a:spLocks noGrp="1"/>
           </p:cNvSpPr>
@@ -1979,13 +1777,7 @@
       </p:sp>
       <p:sp>
         <p:nvSpPr>
-          <p:cNvPr id="7" name="灯片编号占位符 6">
-            <a:extLst>
-              <a:ext uri="{FF2B5EF4-FFF2-40B4-BE49-F238E27FC236}">
-                <a16:creationId xmlns:a16="http://schemas.microsoft.com/office/drawing/2014/main" id="{9ABA24CB-AD2A-0C42-22ED-2B160EF1AEC0}"/>
-              </a:ext>
-            </a:extLst>
-          </p:cNvPr>
+          <p:cNvPr id="7" name="灯片编号占位符 6"/>
           <p:cNvSpPr>
             <a:spLocks noGrp="1"/>
           </p:cNvSpPr>
@@ -2000,18 +1792,12 @@
           <a:p>
             <a:fld id="{68FF4377-F939-48DD-B821-2CDC16E414E7}" type="slidenum">
               <a:rPr lang="zh-CN" altLang="en-US" smtClean="0"/>
-              <a:t>‹#›</a:t>
             </a:fld>
             <a:endParaRPr lang="zh-CN" altLang="en-US"/>
           </a:p>
         </p:txBody>
       </p:sp>
     </p:spTree>
-    <p:extLst>
-      <p:ext uri="{BB962C8B-B14F-4D97-AF65-F5344CB8AC3E}">
-        <p14:creationId xmlns:p14="http://schemas.microsoft.com/office/powerpoint/2010/main" val="1412905845"/>
-      </p:ext>
-    </p:extLst>
   </p:cSld>
   <p:clrMapOvr>
     <a:masterClrMapping/>
@@ -2038,13 +1824,7 @@
       </p:grpSpPr>
       <p:sp>
         <p:nvSpPr>
-          <p:cNvPr id="2" name="标题 1">
-            <a:extLst>
-              <a:ext uri="{FF2B5EF4-FFF2-40B4-BE49-F238E27FC236}">
-                <a16:creationId xmlns:a16="http://schemas.microsoft.com/office/drawing/2014/main" id="{402FAE90-0315-32B1-8B18-0D96D819AB09}"/>
-              </a:ext>
-            </a:extLst>
-          </p:cNvPr>
+          <p:cNvPr id="2" name="标题 1"/>
           <p:cNvSpPr>
             <a:spLocks noGrp="1"/>
           </p:cNvSpPr>
@@ -2066,18 +1846,13 @@
               <a:rPr lang="zh-CN" altLang="en-US"/>
               <a:t>单击此处编辑母版标题样式</a:t>
             </a:r>
-          </a:p>
-        </p:txBody>
-      </p:sp>
-      <p:sp>
-        <p:nvSpPr>
-          <p:cNvPr id="3" name="文本占位符 2">
-            <a:extLst>
-              <a:ext uri="{FF2B5EF4-FFF2-40B4-BE49-F238E27FC236}">
-                <a16:creationId xmlns:a16="http://schemas.microsoft.com/office/drawing/2014/main" id="{0348E54D-4DB7-1C44-A81B-6ECB925749B3}"/>
-              </a:ext>
-            </a:extLst>
-          </p:cNvPr>
+            <a:endParaRPr lang="zh-CN" altLang="en-US"/>
+          </a:p>
+        </p:txBody>
+      </p:sp>
+      <p:sp>
+        <p:nvSpPr>
+          <p:cNvPr id="3" name="文本占位符 2"/>
           <p:cNvSpPr>
             <a:spLocks noGrp="1"/>
           </p:cNvSpPr>
@@ -2137,18 +1912,13 @@
               <a:rPr lang="zh-CN" altLang="en-US"/>
               <a:t>单击此处编辑母版文本样式</a:t>
             </a:r>
-          </a:p>
-        </p:txBody>
-      </p:sp>
-      <p:sp>
-        <p:nvSpPr>
-          <p:cNvPr id="4" name="内容占位符 3">
-            <a:extLst>
-              <a:ext uri="{FF2B5EF4-FFF2-40B4-BE49-F238E27FC236}">
-                <a16:creationId xmlns:a16="http://schemas.microsoft.com/office/drawing/2014/main" id="{84F0842B-E2E7-4274-1AB8-CB0540B8F994}"/>
-              </a:ext>
-            </a:extLst>
-          </p:cNvPr>
+            <a:endParaRPr lang="zh-CN" altLang="en-US"/>
+          </a:p>
+        </p:txBody>
+      </p:sp>
+      <p:sp>
+        <p:nvSpPr>
+          <p:cNvPr id="4" name="内容占位符 3"/>
           <p:cNvSpPr>
             <a:spLocks noGrp="1"/>
           </p:cNvSpPr>
@@ -2171,6 +1941,7 @@
               <a:rPr lang="zh-CN" altLang="en-US"/>
               <a:t>单击此处编辑母版文本样式</a:t>
             </a:r>
+            <a:endParaRPr lang="zh-CN" altLang="en-US"/>
           </a:p>
           <a:p>
             <a:pPr lvl="1"/>
@@ -2178,6 +1949,7 @@
               <a:rPr lang="zh-CN" altLang="en-US"/>
               <a:t>二级</a:t>
             </a:r>
+            <a:endParaRPr lang="zh-CN" altLang="en-US"/>
           </a:p>
           <a:p>
             <a:pPr lvl="2"/>
@@ -2185,6 +1957,7 @@
               <a:rPr lang="zh-CN" altLang="en-US"/>
               <a:t>三级</a:t>
             </a:r>
+            <a:endParaRPr lang="zh-CN" altLang="en-US"/>
           </a:p>
           <a:p>
             <a:pPr lvl="3"/>
@@ -2192,6 +1965,7 @@
               <a:rPr lang="zh-CN" altLang="en-US"/>
               <a:t>四级</a:t>
             </a:r>
+            <a:endParaRPr lang="zh-CN" altLang="en-US"/>
           </a:p>
           <a:p>
             <a:pPr lvl="4"/>
@@ -2199,18 +1973,13 @@
               <a:rPr lang="zh-CN" altLang="en-US"/>
               <a:t>五级</a:t>
             </a:r>
-          </a:p>
-        </p:txBody>
-      </p:sp>
-      <p:sp>
-        <p:nvSpPr>
-          <p:cNvPr id="5" name="文本占位符 4">
-            <a:extLst>
-              <a:ext uri="{FF2B5EF4-FFF2-40B4-BE49-F238E27FC236}">
-                <a16:creationId xmlns:a16="http://schemas.microsoft.com/office/drawing/2014/main" id="{1C006FCA-BE23-7EAD-D5CD-E3FF089D6A07}"/>
-              </a:ext>
-            </a:extLst>
-          </p:cNvPr>
+            <a:endParaRPr lang="zh-CN" altLang="en-US"/>
+          </a:p>
+        </p:txBody>
+      </p:sp>
+      <p:sp>
+        <p:nvSpPr>
+          <p:cNvPr id="5" name="文本占位符 4"/>
           <p:cNvSpPr>
             <a:spLocks noGrp="1"/>
           </p:cNvSpPr>
@@ -2270,18 +2039,13 @@
               <a:rPr lang="zh-CN" altLang="en-US"/>
               <a:t>单击此处编辑母版文本样式</a:t>
             </a:r>
-          </a:p>
-        </p:txBody>
-      </p:sp>
-      <p:sp>
-        <p:nvSpPr>
-          <p:cNvPr id="6" name="内容占位符 5">
-            <a:extLst>
-              <a:ext uri="{FF2B5EF4-FFF2-40B4-BE49-F238E27FC236}">
-                <a16:creationId xmlns:a16="http://schemas.microsoft.com/office/drawing/2014/main" id="{734B06B1-00D4-D0F6-35E0-EFEE4079250D}"/>
-              </a:ext>
-            </a:extLst>
-          </p:cNvPr>
+            <a:endParaRPr lang="zh-CN" altLang="en-US"/>
+          </a:p>
+        </p:txBody>
+      </p:sp>
+      <p:sp>
+        <p:nvSpPr>
+          <p:cNvPr id="6" name="内容占位符 5"/>
           <p:cNvSpPr>
             <a:spLocks noGrp="1"/>
           </p:cNvSpPr>
@@ -2304,6 +2068,7 @@
               <a:rPr lang="zh-CN" altLang="en-US"/>
               <a:t>单击此处编辑母版文本样式</a:t>
             </a:r>
+            <a:endParaRPr lang="zh-CN" altLang="en-US"/>
           </a:p>
           <a:p>
             <a:pPr lvl="1"/>
@@ -2311,6 +2076,7 @@
               <a:rPr lang="zh-CN" altLang="en-US"/>
               <a:t>二级</a:t>
             </a:r>
+            <a:endParaRPr lang="zh-CN" altLang="en-US"/>
           </a:p>
           <a:p>
             <a:pPr lvl="2"/>
@@ -2318,6 +2084,7 @@
               <a:rPr lang="zh-CN" altLang="en-US"/>
               <a:t>三级</a:t>
             </a:r>
+            <a:endParaRPr lang="zh-CN" altLang="en-US"/>
           </a:p>
           <a:p>
             <a:pPr lvl="3"/>
@@ -2325,6 +2092,7 @@
               <a:rPr lang="zh-CN" altLang="en-US"/>
               <a:t>四级</a:t>
             </a:r>
+            <a:endParaRPr lang="zh-CN" altLang="en-US"/>
           </a:p>
           <a:p>
             <a:pPr lvl="4"/>
@@ -2332,18 +2100,13 @@
               <a:rPr lang="zh-CN" altLang="en-US"/>
               <a:t>五级</a:t>
             </a:r>
-          </a:p>
-        </p:txBody>
-      </p:sp>
-      <p:sp>
-        <p:nvSpPr>
-          <p:cNvPr id="7" name="日期占位符 6">
-            <a:extLst>
-              <a:ext uri="{FF2B5EF4-FFF2-40B4-BE49-F238E27FC236}">
-                <a16:creationId xmlns:a16="http://schemas.microsoft.com/office/drawing/2014/main" id="{EB9084C4-9AEB-D8A1-3DD0-2121D2E6C7E4}"/>
-              </a:ext>
-            </a:extLst>
-          </p:cNvPr>
+            <a:endParaRPr lang="zh-CN" altLang="en-US"/>
+          </a:p>
+        </p:txBody>
+      </p:sp>
+      <p:sp>
+        <p:nvSpPr>
+          <p:cNvPr id="7" name="日期占位符 6"/>
           <p:cNvSpPr>
             <a:spLocks noGrp="1"/>
           </p:cNvSpPr>
@@ -2358,7 +2121,6 @@
           <a:p>
             <a:fld id="{CA1860E2-8529-400A-813D-9D88C47B50CC}" type="datetimeFigureOut">
               <a:rPr lang="zh-CN" altLang="en-US" smtClean="0"/>
-              <a:t>2022/12/7</a:t>
             </a:fld>
             <a:endParaRPr lang="zh-CN" altLang="en-US"/>
           </a:p>
@@ -2366,13 +2128,7 @@
       </p:sp>
       <p:sp>
         <p:nvSpPr>
-          <p:cNvPr id="8" name="页脚占位符 7">
-            <a:extLst>
-              <a:ext uri="{FF2B5EF4-FFF2-40B4-BE49-F238E27FC236}">
-                <a16:creationId xmlns:a16="http://schemas.microsoft.com/office/drawing/2014/main" id="{DC470150-630A-C3DD-F249-B422A8ABDB5B}"/>
-              </a:ext>
-            </a:extLst>
-          </p:cNvPr>
+          <p:cNvPr id="8" name="页脚占位符 7"/>
           <p:cNvSpPr>
             <a:spLocks noGrp="1"/>
           </p:cNvSpPr>
@@ -2391,13 +2147,7 @@
       </p:sp>
       <p:sp>
         <p:nvSpPr>
-          <p:cNvPr id="9" name="灯片编号占位符 8">
-            <a:extLst>
-              <a:ext uri="{FF2B5EF4-FFF2-40B4-BE49-F238E27FC236}">
-                <a16:creationId xmlns:a16="http://schemas.microsoft.com/office/drawing/2014/main" id="{F1D8F94B-3604-B212-9EA3-1058AAB3F509}"/>
-              </a:ext>
-            </a:extLst>
-          </p:cNvPr>
+          <p:cNvPr id="9" name="灯片编号占位符 8"/>
           <p:cNvSpPr>
             <a:spLocks noGrp="1"/>
           </p:cNvSpPr>
@@ -2412,18 +2162,12 @@
           <a:p>
             <a:fld id="{68FF4377-F939-48DD-B821-2CDC16E414E7}" type="slidenum">
               <a:rPr lang="zh-CN" altLang="en-US" smtClean="0"/>
-              <a:t>‹#›</a:t>
             </a:fld>
             <a:endParaRPr lang="zh-CN" altLang="en-US"/>
           </a:p>
         </p:txBody>
       </p:sp>
     </p:spTree>
-    <p:extLst>
-      <p:ext uri="{BB962C8B-B14F-4D97-AF65-F5344CB8AC3E}">
-        <p14:creationId xmlns:p14="http://schemas.microsoft.com/office/powerpoint/2010/main" val="3599534006"/>
-      </p:ext>
-    </p:extLst>
   </p:cSld>
   <p:clrMapOvr>
     <a:masterClrMapping/>
@@ -2450,13 +2194,7 @@
       </p:grpSpPr>
       <p:sp>
         <p:nvSpPr>
-          <p:cNvPr id="2" name="标题 1">
-            <a:extLst>
-              <a:ext uri="{FF2B5EF4-FFF2-40B4-BE49-F238E27FC236}">
-                <a16:creationId xmlns:a16="http://schemas.microsoft.com/office/drawing/2014/main" id="{AA6AFDA9-E0E6-A918-7E81-734DDD9542C7}"/>
-              </a:ext>
-            </a:extLst>
-          </p:cNvPr>
+          <p:cNvPr id="2" name="标题 1"/>
           <p:cNvSpPr>
             <a:spLocks noGrp="1"/>
           </p:cNvSpPr>
@@ -2473,18 +2211,13 @@
               <a:rPr lang="zh-CN" altLang="en-US"/>
               <a:t>单击此处编辑母版标题样式</a:t>
             </a:r>
-          </a:p>
-        </p:txBody>
-      </p:sp>
-      <p:sp>
-        <p:nvSpPr>
-          <p:cNvPr id="3" name="日期占位符 2">
-            <a:extLst>
-              <a:ext uri="{FF2B5EF4-FFF2-40B4-BE49-F238E27FC236}">
-                <a16:creationId xmlns:a16="http://schemas.microsoft.com/office/drawing/2014/main" id="{97BDC206-16B1-F39B-08E4-D6476DAD5556}"/>
-              </a:ext>
-            </a:extLst>
-          </p:cNvPr>
+            <a:endParaRPr lang="zh-CN" altLang="en-US"/>
+          </a:p>
+        </p:txBody>
+      </p:sp>
+      <p:sp>
+        <p:nvSpPr>
+          <p:cNvPr id="3" name="日期占位符 2"/>
           <p:cNvSpPr>
             <a:spLocks noGrp="1"/>
           </p:cNvSpPr>
@@ -2499,7 +2232,6 @@
           <a:p>
             <a:fld id="{CA1860E2-8529-400A-813D-9D88C47B50CC}" type="datetimeFigureOut">
               <a:rPr lang="zh-CN" altLang="en-US" smtClean="0"/>
-              <a:t>2022/12/7</a:t>
             </a:fld>
             <a:endParaRPr lang="zh-CN" altLang="en-US"/>
           </a:p>
@@ -2507,13 +2239,7 @@
       </p:sp>
       <p:sp>
         <p:nvSpPr>
-          <p:cNvPr id="4" name="页脚占位符 3">
-            <a:extLst>
-              <a:ext uri="{FF2B5EF4-FFF2-40B4-BE49-F238E27FC236}">
-                <a16:creationId xmlns:a16="http://schemas.microsoft.com/office/drawing/2014/main" id="{7A1DBBFF-A06F-6941-E275-B384C1B8D0D0}"/>
-              </a:ext>
-            </a:extLst>
-          </p:cNvPr>
+          <p:cNvPr id="4" name="页脚占位符 3"/>
           <p:cNvSpPr>
             <a:spLocks noGrp="1"/>
           </p:cNvSpPr>
@@ -2532,13 +2258,7 @@
       </p:sp>
       <p:sp>
         <p:nvSpPr>
-          <p:cNvPr id="5" name="灯片编号占位符 4">
-            <a:extLst>
-              <a:ext uri="{FF2B5EF4-FFF2-40B4-BE49-F238E27FC236}">
-                <a16:creationId xmlns:a16="http://schemas.microsoft.com/office/drawing/2014/main" id="{7BEB7006-1F7A-A6A2-8C7D-7E4A933397BF}"/>
-              </a:ext>
-            </a:extLst>
-          </p:cNvPr>
+          <p:cNvPr id="5" name="灯片编号占位符 4"/>
           <p:cNvSpPr>
             <a:spLocks noGrp="1"/>
           </p:cNvSpPr>
@@ -2553,18 +2273,12 @@
           <a:p>
             <a:fld id="{68FF4377-F939-48DD-B821-2CDC16E414E7}" type="slidenum">
               <a:rPr lang="zh-CN" altLang="en-US" smtClean="0"/>
-              <a:t>‹#›</a:t>
             </a:fld>
             <a:endParaRPr lang="zh-CN" altLang="en-US"/>
           </a:p>
         </p:txBody>
       </p:sp>
     </p:spTree>
-    <p:extLst>
-      <p:ext uri="{BB962C8B-B14F-4D97-AF65-F5344CB8AC3E}">
-        <p14:creationId xmlns:p14="http://schemas.microsoft.com/office/powerpoint/2010/main" val="429517673"/>
-      </p:ext>
-    </p:extLst>
   </p:cSld>
   <p:clrMapOvr>
     <a:masterClrMapping/>
@@ -2591,13 +2305,7 @@
       </p:grpSpPr>
       <p:sp>
         <p:nvSpPr>
-          <p:cNvPr id="2" name="日期占位符 1">
-            <a:extLst>
-              <a:ext uri="{FF2B5EF4-FFF2-40B4-BE49-F238E27FC236}">
-                <a16:creationId xmlns:a16="http://schemas.microsoft.com/office/drawing/2014/main" id="{4302B4EE-6CD1-0960-0559-430030649241}"/>
-              </a:ext>
-            </a:extLst>
-          </p:cNvPr>
+          <p:cNvPr id="2" name="日期占位符 1"/>
           <p:cNvSpPr>
             <a:spLocks noGrp="1"/>
           </p:cNvSpPr>
@@ -2612,7 +2320,6 @@
           <a:p>
             <a:fld id="{CA1860E2-8529-400A-813D-9D88C47B50CC}" type="datetimeFigureOut">
               <a:rPr lang="zh-CN" altLang="en-US" smtClean="0"/>
-              <a:t>2022/12/7</a:t>
             </a:fld>
             <a:endParaRPr lang="zh-CN" altLang="en-US"/>
           </a:p>
@@ -2620,13 +2327,7 @@
       </p:sp>
       <p:sp>
         <p:nvSpPr>
-          <p:cNvPr id="3" name="页脚占位符 2">
-            <a:extLst>
-              <a:ext uri="{FF2B5EF4-FFF2-40B4-BE49-F238E27FC236}">
-                <a16:creationId xmlns:a16="http://schemas.microsoft.com/office/drawing/2014/main" id="{B6C37530-40A7-3709-35A2-E7E6862627E5}"/>
-              </a:ext>
-            </a:extLst>
-          </p:cNvPr>
+          <p:cNvPr id="3" name="页脚占位符 2"/>
           <p:cNvSpPr>
             <a:spLocks noGrp="1"/>
           </p:cNvSpPr>
@@ -2645,13 +2346,7 @@
       </p:sp>
       <p:sp>
         <p:nvSpPr>
-          <p:cNvPr id="4" name="灯片编号占位符 3">
-            <a:extLst>
-              <a:ext uri="{FF2B5EF4-FFF2-40B4-BE49-F238E27FC236}">
-                <a16:creationId xmlns:a16="http://schemas.microsoft.com/office/drawing/2014/main" id="{2A520804-4FBC-1C8C-F29F-63443EDCA35F}"/>
-              </a:ext>
-            </a:extLst>
-          </p:cNvPr>
+          <p:cNvPr id="4" name="灯片编号占位符 3"/>
           <p:cNvSpPr>
             <a:spLocks noGrp="1"/>
           </p:cNvSpPr>
@@ -2666,18 +2361,12 @@
           <a:p>
             <a:fld id="{68FF4377-F939-48DD-B821-2CDC16E414E7}" type="slidenum">
               <a:rPr lang="zh-CN" altLang="en-US" smtClean="0"/>
-              <a:t>‹#›</a:t>
             </a:fld>
             <a:endParaRPr lang="zh-CN" altLang="en-US"/>
           </a:p>
         </p:txBody>
       </p:sp>
     </p:spTree>
-    <p:extLst>
-      <p:ext uri="{BB962C8B-B14F-4D97-AF65-F5344CB8AC3E}">
-        <p14:creationId xmlns:p14="http://schemas.microsoft.com/office/powerpoint/2010/main" val="569256604"/>
-      </p:ext>
-    </p:extLst>
   </p:cSld>
   <p:clrMapOvr>
     <a:masterClrMapping/>
@@ -2704,13 +2393,7 @@
       </p:grpSpPr>
       <p:sp>
         <p:nvSpPr>
-          <p:cNvPr id="2" name="标题 1">
-            <a:extLst>
-              <a:ext uri="{FF2B5EF4-FFF2-40B4-BE49-F238E27FC236}">
-                <a16:creationId xmlns:a16="http://schemas.microsoft.com/office/drawing/2014/main" id="{F4EBD196-6EA4-1D44-D6D8-878D5C44F395}"/>
-              </a:ext>
-            </a:extLst>
-          </p:cNvPr>
+          <p:cNvPr id="2" name="标题 1"/>
           <p:cNvSpPr>
             <a:spLocks noGrp="1"/>
           </p:cNvSpPr>
@@ -2736,18 +2419,13 @@
               <a:rPr lang="zh-CN" altLang="en-US"/>
               <a:t>单击此处编辑母版标题样式</a:t>
             </a:r>
-          </a:p>
-        </p:txBody>
-      </p:sp>
-      <p:sp>
-        <p:nvSpPr>
-          <p:cNvPr id="3" name="内容占位符 2">
-            <a:extLst>
-              <a:ext uri="{FF2B5EF4-FFF2-40B4-BE49-F238E27FC236}">
-                <a16:creationId xmlns:a16="http://schemas.microsoft.com/office/drawing/2014/main" id="{FCCDB13D-327C-336D-78D2-CE202B776196}"/>
-              </a:ext>
-            </a:extLst>
-          </p:cNvPr>
+            <a:endParaRPr lang="zh-CN" altLang="en-US"/>
+          </a:p>
+        </p:txBody>
+      </p:sp>
+      <p:sp>
+        <p:nvSpPr>
+          <p:cNvPr id="3" name="内容占位符 2"/>
           <p:cNvSpPr>
             <a:spLocks noGrp="1"/>
           </p:cNvSpPr>
@@ -2798,6 +2476,7 @@
               <a:rPr lang="zh-CN" altLang="en-US"/>
               <a:t>单击此处编辑母版文本样式</a:t>
             </a:r>
+            <a:endParaRPr lang="zh-CN" altLang="en-US"/>
           </a:p>
           <a:p>
             <a:pPr lvl="1"/>
@@ -2805,6 +2484,7 @@
               <a:rPr lang="zh-CN" altLang="en-US"/>
               <a:t>二级</a:t>
             </a:r>
+            <a:endParaRPr lang="zh-CN" altLang="en-US"/>
           </a:p>
           <a:p>
             <a:pPr lvl="2"/>
@@ -2812,6 +2492,7 @@
               <a:rPr lang="zh-CN" altLang="en-US"/>
               <a:t>三级</a:t>
             </a:r>
+            <a:endParaRPr lang="zh-CN" altLang="en-US"/>
           </a:p>
           <a:p>
             <a:pPr lvl="3"/>
@@ -2819,6 +2500,7 @@
               <a:rPr lang="zh-CN" altLang="en-US"/>
               <a:t>四级</a:t>
             </a:r>
+            <a:endParaRPr lang="zh-CN" altLang="en-US"/>
           </a:p>
           <a:p>
             <a:pPr lvl="4"/>
@@ -2826,18 +2508,13 @@
               <a:rPr lang="zh-CN" altLang="en-US"/>
               <a:t>五级</a:t>
             </a:r>
-          </a:p>
-        </p:txBody>
-      </p:sp>
-      <p:sp>
-        <p:nvSpPr>
-          <p:cNvPr id="4" name="文本占位符 3">
-            <a:extLst>
-              <a:ext uri="{FF2B5EF4-FFF2-40B4-BE49-F238E27FC236}">
-                <a16:creationId xmlns:a16="http://schemas.microsoft.com/office/drawing/2014/main" id="{6417CB7E-0AF2-13A8-E1E0-23F5C7D72147}"/>
-              </a:ext>
-            </a:extLst>
-          </p:cNvPr>
+            <a:endParaRPr lang="zh-CN" altLang="en-US"/>
+          </a:p>
+        </p:txBody>
+      </p:sp>
+      <p:sp>
+        <p:nvSpPr>
+          <p:cNvPr id="4" name="文本占位符 3"/>
           <p:cNvSpPr>
             <a:spLocks noGrp="1"/>
           </p:cNvSpPr>
@@ -2897,18 +2574,13 @@
               <a:rPr lang="zh-CN" altLang="en-US"/>
               <a:t>单击此处编辑母版文本样式</a:t>
             </a:r>
-          </a:p>
-        </p:txBody>
-      </p:sp>
-      <p:sp>
-        <p:nvSpPr>
-          <p:cNvPr id="5" name="日期占位符 4">
-            <a:extLst>
-              <a:ext uri="{FF2B5EF4-FFF2-40B4-BE49-F238E27FC236}">
-                <a16:creationId xmlns:a16="http://schemas.microsoft.com/office/drawing/2014/main" id="{74EF3201-03D3-9B4E-AC13-1E0AE5775534}"/>
-              </a:ext>
-            </a:extLst>
-          </p:cNvPr>
+            <a:endParaRPr lang="zh-CN" altLang="en-US"/>
+          </a:p>
+        </p:txBody>
+      </p:sp>
+      <p:sp>
+        <p:nvSpPr>
+          <p:cNvPr id="5" name="日期占位符 4"/>
           <p:cNvSpPr>
             <a:spLocks noGrp="1"/>
           </p:cNvSpPr>
@@ -2923,7 +2595,6 @@
           <a:p>
             <a:fld id="{CA1860E2-8529-400A-813D-9D88C47B50CC}" type="datetimeFigureOut">
               <a:rPr lang="zh-CN" altLang="en-US" smtClean="0"/>
-              <a:t>2022/12/7</a:t>
             </a:fld>
             <a:endParaRPr lang="zh-CN" altLang="en-US"/>
           </a:p>
@@ -2931,13 +2602,7 @@
       </p:sp>
       <p:sp>
         <p:nvSpPr>
-          <p:cNvPr id="6" name="页脚占位符 5">
-            <a:extLst>
-              <a:ext uri="{FF2B5EF4-FFF2-40B4-BE49-F238E27FC236}">
-                <a16:creationId xmlns:a16="http://schemas.microsoft.com/office/drawing/2014/main" id="{1F93A161-8B61-FDF5-472F-0CF9A4C3A734}"/>
-              </a:ext>
-            </a:extLst>
-          </p:cNvPr>
+          <p:cNvPr id="6" name="页脚占位符 5"/>
           <p:cNvSpPr>
             <a:spLocks noGrp="1"/>
           </p:cNvSpPr>
@@ -2956,13 +2621,7 @@
       </p:sp>
       <p:sp>
         <p:nvSpPr>
-          <p:cNvPr id="7" name="灯片编号占位符 6">
-            <a:extLst>
-              <a:ext uri="{FF2B5EF4-FFF2-40B4-BE49-F238E27FC236}">
-                <a16:creationId xmlns:a16="http://schemas.microsoft.com/office/drawing/2014/main" id="{394364BD-FF50-E633-2656-D229984EDACB}"/>
-              </a:ext>
-            </a:extLst>
-          </p:cNvPr>
+          <p:cNvPr id="7" name="灯片编号占位符 6"/>
           <p:cNvSpPr>
             <a:spLocks noGrp="1"/>
           </p:cNvSpPr>
@@ -2977,18 +2636,12 @@
           <a:p>
             <a:fld id="{68FF4377-F939-48DD-B821-2CDC16E414E7}" type="slidenum">
               <a:rPr lang="zh-CN" altLang="en-US" smtClean="0"/>
-              <a:t>‹#›</a:t>
             </a:fld>
             <a:endParaRPr lang="zh-CN" altLang="en-US"/>
           </a:p>
         </p:txBody>
       </p:sp>
     </p:spTree>
-    <p:extLst>
-      <p:ext uri="{BB962C8B-B14F-4D97-AF65-F5344CB8AC3E}">
-        <p14:creationId xmlns:p14="http://schemas.microsoft.com/office/powerpoint/2010/main" val="789273136"/>
-      </p:ext>
-    </p:extLst>
   </p:cSld>
   <p:clrMapOvr>
     <a:masterClrMapping/>
@@ -3015,13 +2668,7 @@
       </p:grpSpPr>
       <p:sp>
         <p:nvSpPr>
-          <p:cNvPr id="2" name="标题 1">
-            <a:extLst>
-              <a:ext uri="{FF2B5EF4-FFF2-40B4-BE49-F238E27FC236}">
-                <a16:creationId xmlns:a16="http://schemas.microsoft.com/office/drawing/2014/main" id="{02B4E1E3-4C78-89A4-EC4A-CC58284CBB31}"/>
-              </a:ext>
-            </a:extLst>
-          </p:cNvPr>
+          <p:cNvPr id="2" name="标题 1"/>
           <p:cNvSpPr>
             <a:spLocks noGrp="1"/>
           </p:cNvSpPr>
@@ -3047,18 +2694,13 @@
               <a:rPr lang="zh-CN" altLang="en-US"/>
               <a:t>单击此处编辑母版标题样式</a:t>
             </a:r>
-          </a:p>
-        </p:txBody>
-      </p:sp>
-      <p:sp>
-        <p:nvSpPr>
-          <p:cNvPr id="3" name="图片占位符 2">
-            <a:extLst>
-              <a:ext uri="{FF2B5EF4-FFF2-40B4-BE49-F238E27FC236}">
-                <a16:creationId xmlns:a16="http://schemas.microsoft.com/office/drawing/2014/main" id="{484E98BE-5BC4-22E4-BF24-AAB8E023F7AB}"/>
-              </a:ext>
-            </a:extLst>
-          </p:cNvPr>
+            <a:endParaRPr lang="zh-CN" altLang="en-US"/>
+          </a:p>
+        </p:txBody>
+      </p:sp>
+      <p:sp>
+        <p:nvSpPr>
+          <p:cNvPr id="3" name="图片占位符 2"/>
           <p:cNvSpPr>
             <a:spLocks noGrp="1"/>
           </p:cNvSpPr>
@@ -3119,13 +2761,7 @@
       </p:sp>
       <p:sp>
         <p:nvSpPr>
-          <p:cNvPr id="4" name="文本占位符 3">
-            <a:extLst>
-              <a:ext uri="{FF2B5EF4-FFF2-40B4-BE49-F238E27FC236}">
-                <a16:creationId xmlns:a16="http://schemas.microsoft.com/office/drawing/2014/main" id="{6470E51C-9270-83DB-00F0-0437FF415E89}"/>
-              </a:ext>
-            </a:extLst>
-          </p:cNvPr>
+          <p:cNvPr id="4" name="文本占位符 3"/>
           <p:cNvSpPr>
             <a:spLocks noGrp="1"/>
           </p:cNvSpPr>
@@ -3185,18 +2821,13 @@
               <a:rPr lang="zh-CN" altLang="en-US"/>
               <a:t>单击此处编辑母版文本样式</a:t>
             </a:r>
-          </a:p>
-        </p:txBody>
-      </p:sp>
-      <p:sp>
-        <p:nvSpPr>
-          <p:cNvPr id="5" name="日期占位符 4">
-            <a:extLst>
-              <a:ext uri="{FF2B5EF4-FFF2-40B4-BE49-F238E27FC236}">
-                <a16:creationId xmlns:a16="http://schemas.microsoft.com/office/drawing/2014/main" id="{EC3DCF2C-8045-4793-A0F0-C3D6040A6B42}"/>
-              </a:ext>
-            </a:extLst>
-          </p:cNvPr>
+            <a:endParaRPr lang="zh-CN" altLang="en-US"/>
+          </a:p>
+        </p:txBody>
+      </p:sp>
+      <p:sp>
+        <p:nvSpPr>
+          <p:cNvPr id="5" name="日期占位符 4"/>
           <p:cNvSpPr>
             <a:spLocks noGrp="1"/>
           </p:cNvSpPr>
@@ -3211,7 +2842,6 @@
           <a:p>
             <a:fld id="{CA1860E2-8529-400A-813D-9D88C47B50CC}" type="datetimeFigureOut">
               <a:rPr lang="zh-CN" altLang="en-US" smtClean="0"/>
-              <a:t>2022/12/7</a:t>
             </a:fld>
             <a:endParaRPr lang="zh-CN" altLang="en-US"/>
           </a:p>
@@ -3219,13 +2849,7 @@
       </p:sp>
       <p:sp>
         <p:nvSpPr>
-          <p:cNvPr id="6" name="页脚占位符 5">
-            <a:extLst>
-              <a:ext uri="{FF2B5EF4-FFF2-40B4-BE49-F238E27FC236}">
-                <a16:creationId xmlns:a16="http://schemas.microsoft.com/office/drawing/2014/main" id="{D9F1948F-3A6C-518C-B35A-171000E67568}"/>
-              </a:ext>
-            </a:extLst>
-          </p:cNvPr>
+          <p:cNvPr id="6" name="页脚占位符 5"/>
           <p:cNvSpPr>
             <a:spLocks noGrp="1"/>
           </p:cNvSpPr>
@@ -3244,13 +2868,7 @@
       </p:sp>
       <p:sp>
         <p:nvSpPr>
-          <p:cNvPr id="7" name="灯片编号占位符 6">
-            <a:extLst>
-              <a:ext uri="{FF2B5EF4-FFF2-40B4-BE49-F238E27FC236}">
-                <a16:creationId xmlns:a16="http://schemas.microsoft.com/office/drawing/2014/main" id="{E9057324-441C-B2D8-473F-B678C13C284B}"/>
-              </a:ext>
-            </a:extLst>
-          </p:cNvPr>
+          <p:cNvPr id="7" name="灯片编号占位符 6"/>
           <p:cNvSpPr>
             <a:spLocks noGrp="1"/>
           </p:cNvSpPr>
@@ -3265,18 +2883,12 @@
           <a:p>
             <a:fld id="{68FF4377-F939-48DD-B821-2CDC16E414E7}" type="slidenum">
               <a:rPr lang="zh-CN" altLang="en-US" smtClean="0"/>
-              <a:t>‹#›</a:t>
             </a:fld>
             <a:endParaRPr lang="zh-CN" altLang="en-US"/>
           </a:p>
         </p:txBody>
       </p:sp>
     </p:spTree>
-    <p:extLst>
-      <p:ext uri="{BB962C8B-B14F-4D97-AF65-F5344CB8AC3E}">
-        <p14:creationId xmlns:p14="http://schemas.microsoft.com/office/powerpoint/2010/main" val="3848861802"/>
-      </p:ext>
-    </p:extLst>
   </p:cSld>
   <p:clrMapOvr>
     <a:masterClrMapping/>
@@ -3308,13 +2920,7 @@
       </p:grpSpPr>
       <p:sp>
         <p:nvSpPr>
-          <p:cNvPr id="2" name="标题占位符 1">
-            <a:extLst>
-              <a:ext uri="{FF2B5EF4-FFF2-40B4-BE49-F238E27FC236}">
-                <a16:creationId xmlns:a16="http://schemas.microsoft.com/office/drawing/2014/main" id="{944C6703-41F7-CD14-EBCA-8514D80CE204}"/>
-              </a:ext>
-            </a:extLst>
-          </p:cNvPr>
+          <p:cNvPr id="2" name="标题占位符 1"/>
           <p:cNvSpPr>
             <a:spLocks noGrp="1"/>
           </p:cNvSpPr>
@@ -3341,18 +2947,13 @@
               <a:rPr lang="zh-CN" altLang="en-US"/>
               <a:t>单击此处编辑母版标题样式</a:t>
             </a:r>
-          </a:p>
-        </p:txBody>
-      </p:sp>
-      <p:sp>
-        <p:nvSpPr>
-          <p:cNvPr id="3" name="文本占位符 2">
-            <a:extLst>
-              <a:ext uri="{FF2B5EF4-FFF2-40B4-BE49-F238E27FC236}">
-                <a16:creationId xmlns:a16="http://schemas.microsoft.com/office/drawing/2014/main" id="{B327AA2F-FEBB-373C-C693-F934DEDC0856}"/>
-              </a:ext>
-            </a:extLst>
-          </p:cNvPr>
+            <a:endParaRPr lang="zh-CN" altLang="en-US"/>
+          </a:p>
+        </p:txBody>
+      </p:sp>
+      <p:sp>
+        <p:nvSpPr>
+          <p:cNvPr id="3" name="文本占位符 2"/>
           <p:cNvSpPr>
             <a:spLocks noGrp="1"/>
           </p:cNvSpPr>
@@ -3380,6 +2981,7 @@
               <a:rPr lang="zh-CN" altLang="en-US"/>
               <a:t>单击此处编辑母版文本样式</a:t>
             </a:r>
+            <a:endParaRPr lang="zh-CN" altLang="en-US"/>
           </a:p>
           <a:p>
             <a:pPr lvl="1"/>
@@ -3387,6 +2989,7 @@
               <a:rPr lang="zh-CN" altLang="en-US"/>
               <a:t>二级</a:t>
             </a:r>
+            <a:endParaRPr lang="zh-CN" altLang="en-US"/>
           </a:p>
           <a:p>
             <a:pPr lvl="2"/>
@@ -3394,6 +2997,7 @@
               <a:rPr lang="zh-CN" altLang="en-US"/>
               <a:t>三级</a:t>
             </a:r>
+            <a:endParaRPr lang="zh-CN" altLang="en-US"/>
           </a:p>
           <a:p>
             <a:pPr lvl="3"/>
@@ -3401,6 +3005,7 @@
               <a:rPr lang="zh-CN" altLang="en-US"/>
               <a:t>四级</a:t>
             </a:r>
+            <a:endParaRPr lang="zh-CN" altLang="en-US"/>
           </a:p>
           <a:p>
             <a:pPr lvl="4"/>
@@ -3408,18 +3013,13 @@
               <a:rPr lang="zh-CN" altLang="en-US"/>
               <a:t>五级</a:t>
             </a:r>
-          </a:p>
-        </p:txBody>
-      </p:sp>
-      <p:sp>
-        <p:nvSpPr>
-          <p:cNvPr id="4" name="日期占位符 3">
-            <a:extLst>
-              <a:ext uri="{FF2B5EF4-FFF2-40B4-BE49-F238E27FC236}">
-                <a16:creationId xmlns:a16="http://schemas.microsoft.com/office/drawing/2014/main" id="{64CF5109-B5CC-44D1-10F2-3333949E6D58}"/>
-              </a:ext>
-            </a:extLst>
-          </p:cNvPr>
+            <a:endParaRPr lang="zh-CN" altLang="en-US"/>
+          </a:p>
+        </p:txBody>
+      </p:sp>
+      <p:sp>
+        <p:nvSpPr>
+          <p:cNvPr id="4" name="日期占位符 3"/>
           <p:cNvSpPr>
             <a:spLocks noGrp="1"/>
           </p:cNvSpPr>
@@ -3452,7 +3052,6 @@
           <a:p>
             <a:fld id="{CA1860E2-8529-400A-813D-9D88C47B50CC}" type="datetimeFigureOut">
               <a:rPr lang="zh-CN" altLang="en-US" smtClean="0"/>
-              <a:t>2022/12/7</a:t>
             </a:fld>
             <a:endParaRPr lang="zh-CN" altLang="en-US"/>
           </a:p>
@@ -3460,13 +3059,7 @@
       </p:sp>
       <p:sp>
         <p:nvSpPr>
-          <p:cNvPr id="5" name="页脚占位符 4">
-            <a:extLst>
-              <a:ext uri="{FF2B5EF4-FFF2-40B4-BE49-F238E27FC236}">
-                <a16:creationId xmlns:a16="http://schemas.microsoft.com/office/drawing/2014/main" id="{AF093E64-5A40-618C-034C-E9951761AD2D}"/>
-              </a:ext>
-            </a:extLst>
-          </p:cNvPr>
+          <p:cNvPr id="5" name="页脚占位符 4"/>
           <p:cNvSpPr>
             <a:spLocks noGrp="1"/>
           </p:cNvSpPr>
@@ -3503,13 +3096,7 @@
       </p:sp>
       <p:sp>
         <p:nvSpPr>
-          <p:cNvPr id="6" name="灯片编号占位符 5">
-            <a:extLst>
-              <a:ext uri="{FF2B5EF4-FFF2-40B4-BE49-F238E27FC236}">
-                <a16:creationId xmlns:a16="http://schemas.microsoft.com/office/drawing/2014/main" id="{B580AB31-134A-AF28-0608-0B0DDD79046F}"/>
-              </a:ext>
-            </a:extLst>
-          </p:cNvPr>
+          <p:cNvPr id="6" name="灯片编号占位符 5"/>
           <p:cNvSpPr>
             <a:spLocks noGrp="1"/>
           </p:cNvSpPr>
@@ -3542,18 +3129,12 @@
           <a:p>
             <a:fld id="{68FF4377-F939-48DD-B821-2CDC16E414E7}" type="slidenum">
               <a:rPr lang="zh-CN" altLang="en-US" smtClean="0"/>
-              <a:t>‹#›</a:t>
             </a:fld>
             <a:endParaRPr lang="zh-CN" altLang="en-US"/>
           </a:p>
         </p:txBody>
       </p:sp>
     </p:spTree>
-    <p:extLst>
-      <p:ext uri="{BB962C8B-B14F-4D97-AF65-F5344CB8AC3E}">
-        <p14:creationId xmlns:p14="http://schemas.microsoft.com/office/powerpoint/2010/main" val="3125981107"/>
-      </p:ext>
-    </p:extLst>
   </p:cSld>
   <p:clrMap bg1="lt1" tx1="dk1" bg2="lt2" tx2="dk2" accent1="accent1" accent2="accent2" accent3="accent3" accent4="accent4" accent5="accent5" accent6="accent6" hlink="hlink" folHlink="folHlink"/>
   <p:sldLayoutIdLst>
@@ -3597,7 +3178,7 @@
         <a:spcBef>
           <a:spcPts val="1000"/>
         </a:spcBef>
-        <a:buFont typeface="Arial" panose="020B0604020202020204" pitchFamily="34" charset="0"/>
+        <a:buFont typeface="Arial" panose="02080604020202020204" pitchFamily="34" charset="0"/>
         <a:buChar char="•"/>
         <a:defRPr sz="2800" kern="1200">
           <a:solidFill>
@@ -3615,7 +3196,7 @@
         <a:spcBef>
           <a:spcPts val="500"/>
         </a:spcBef>
-        <a:buFont typeface="Arial" panose="020B0604020202020204" pitchFamily="34" charset="0"/>
+        <a:buFont typeface="Arial" panose="02080604020202020204" pitchFamily="34" charset="0"/>
         <a:buChar char="•"/>
         <a:defRPr sz="2400" kern="1200">
           <a:solidFill>
@@ -3633,7 +3214,7 @@
         <a:spcBef>
           <a:spcPts val="500"/>
         </a:spcBef>
-        <a:buFont typeface="Arial" panose="020B0604020202020204" pitchFamily="34" charset="0"/>
+        <a:buFont typeface="Arial" panose="02080604020202020204" pitchFamily="34" charset="0"/>
         <a:buChar char="•"/>
         <a:defRPr sz="2000" kern="1200">
           <a:solidFill>
@@ -3651,7 +3232,7 @@
         <a:spcBef>
           <a:spcPts val="500"/>
         </a:spcBef>
-        <a:buFont typeface="Arial" panose="020B0604020202020204" pitchFamily="34" charset="0"/>
+        <a:buFont typeface="Arial" panose="02080604020202020204" pitchFamily="34" charset="0"/>
         <a:buChar char="•"/>
         <a:defRPr sz="1800" kern="1200">
           <a:solidFill>
@@ -3669,7 +3250,7 @@
         <a:spcBef>
           <a:spcPts val="500"/>
         </a:spcBef>
-        <a:buFont typeface="Arial" panose="020B0604020202020204" pitchFamily="34" charset="0"/>
+        <a:buFont typeface="Arial" panose="02080604020202020204" pitchFamily="34" charset="0"/>
         <a:buChar char="•"/>
         <a:defRPr sz="1800" kern="1200">
           <a:solidFill>
@@ -3687,7 +3268,7 @@
         <a:spcBef>
           <a:spcPts val="500"/>
         </a:spcBef>
-        <a:buFont typeface="Arial" panose="020B0604020202020204" pitchFamily="34" charset="0"/>
+        <a:buFont typeface="Arial" panose="02080604020202020204" pitchFamily="34" charset="0"/>
         <a:buChar char="•"/>
         <a:defRPr sz="1800" kern="1200">
           <a:solidFill>
@@ -3705,7 +3286,7 @@
         <a:spcBef>
           <a:spcPts val="500"/>
         </a:spcBef>
-        <a:buFont typeface="Arial" panose="020B0604020202020204" pitchFamily="34" charset="0"/>
+        <a:buFont typeface="Arial" panose="02080604020202020204" pitchFamily="34" charset="0"/>
         <a:buChar char="•"/>
         <a:defRPr sz="1800" kern="1200">
           <a:solidFill>
@@ -3723,7 +3304,7 @@
         <a:spcBef>
           <a:spcPts val="500"/>
         </a:spcBef>
-        <a:buFont typeface="Arial" panose="020B0604020202020204" pitchFamily="34" charset="0"/>
+        <a:buFont typeface="Arial" panose="02080604020202020204" pitchFamily="34" charset="0"/>
         <a:buChar char="•"/>
         <a:defRPr sz="1800" kern="1200">
           <a:solidFill>
@@ -3741,7 +3322,7 @@
         <a:spcBef>
           <a:spcPts val="500"/>
         </a:spcBef>
-        <a:buFont typeface="Arial" panose="020B0604020202020204" pitchFamily="34" charset="0"/>
+        <a:buFont typeface="Arial" panose="02080604020202020204" pitchFamily="34" charset="0"/>
         <a:buChar char="•"/>
         <a:defRPr sz="1800" kern="1200">
           <a:solidFill>
@@ -3871,13 +3452,7 @@
       </p:grpSpPr>
       <p:sp>
         <p:nvSpPr>
-          <p:cNvPr id="2" name="标题 1">
-            <a:extLst>
-              <a:ext uri="{FF2B5EF4-FFF2-40B4-BE49-F238E27FC236}">
-                <a16:creationId xmlns:a16="http://schemas.microsoft.com/office/drawing/2014/main" id="{9FF463A9-A53F-1437-0FF2-6A9E7268A876}"/>
-              </a:ext>
-            </a:extLst>
-          </p:cNvPr>
+          <p:cNvPr id="2" name="标题 1"/>
           <p:cNvSpPr>
             <a:spLocks noGrp="1"/>
           </p:cNvSpPr>
@@ -3898,18 +3473,13 @@
               <a:rPr lang="zh-CN" altLang="en-US" dirty="0"/>
               <a:t>解释器从入门到跑路</a:t>
             </a:r>
-          </a:p>
-        </p:txBody>
-      </p:sp>
-      <p:sp>
-        <p:nvSpPr>
-          <p:cNvPr id="3" name="副标题 2">
-            <a:extLst>
-              <a:ext uri="{FF2B5EF4-FFF2-40B4-BE49-F238E27FC236}">
-                <a16:creationId xmlns:a16="http://schemas.microsoft.com/office/drawing/2014/main" id="{A7947B86-7763-B8C9-9934-0B6F136EB900}"/>
-              </a:ext>
-            </a:extLst>
-          </p:cNvPr>
+            <a:endParaRPr lang="zh-CN" altLang="en-US" dirty="0"/>
+          </a:p>
+        </p:txBody>
+      </p:sp>
+      <p:sp>
+        <p:nvSpPr>
+          <p:cNvPr id="3" name="副标题 2"/>
           <p:cNvSpPr>
             <a:spLocks noGrp="1"/>
           </p:cNvSpPr>
@@ -3930,22 +3500,18 @@
               <a:rPr lang="zh-CN" altLang="en-US" dirty="0"/>
               <a:t>叶恒迪</a:t>
             </a:r>
+            <a:endParaRPr lang="zh-CN" altLang="en-US" dirty="0"/>
           </a:p>
         </p:txBody>
       </p:sp>
     </p:spTree>
-    <p:extLst>
-      <p:ext uri="{BB962C8B-B14F-4D97-AF65-F5344CB8AC3E}">
-        <p14:creationId xmlns:p14="http://schemas.microsoft.com/office/powerpoint/2010/main" val="3836592445"/>
-      </p:ext>
-    </p:extLst>
   </p:cSld>
   <p:clrMapOvr>
     <a:masterClrMapping/>
   </p:clrMapOvr>
-  <mc:AlternateContent xmlns:mc="http://schemas.openxmlformats.org/markup-compatibility/2006">
-    <mc:Choice xmlns:p159="http://schemas.microsoft.com/office/powerpoint/2015/09/main" Requires="p159">
-      <p:transition spd="slow">
+  <mc:AlternateContent xmlns:mc="http://schemas.openxmlformats.org/markup-compatibility/2006" xmlns:p159="http://schemas.microsoft.com/office/powerpoint/2015/09/main">
+    <mc:Choice Requires="p159">
+      <p:transition xmlns:p14="http://schemas.microsoft.com/office/powerpoint/2010/main" spd="slow">
         <p159:morph option="byObject"/>
       </p:transition>
     </mc:Choice>
@@ -3977,13 +3543,7 @@
       </p:grpSpPr>
       <p:sp>
         <p:nvSpPr>
-          <p:cNvPr id="4" name="标题 3">
-            <a:extLst>
-              <a:ext uri="{FF2B5EF4-FFF2-40B4-BE49-F238E27FC236}">
-                <a16:creationId xmlns:a16="http://schemas.microsoft.com/office/drawing/2014/main" id="{3E0F059F-D334-B573-1751-9AAA39EEA2E4}"/>
-              </a:ext>
-            </a:extLst>
-          </p:cNvPr>
+          <p:cNvPr id="4" name="标题 3"/>
           <p:cNvSpPr>
             <a:spLocks noGrp="1"/>
           </p:cNvSpPr>
@@ -4000,18 +3560,13 @@
               <a:rPr lang="zh-CN" altLang="en-US" dirty="0"/>
               <a:t>解析源程序</a:t>
             </a:r>
-          </a:p>
-        </p:txBody>
-      </p:sp>
-      <p:sp>
-        <p:nvSpPr>
-          <p:cNvPr id="5" name="内容占位符 4">
-            <a:extLst>
-              <a:ext uri="{FF2B5EF4-FFF2-40B4-BE49-F238E27FC236}">
-                <a16:creationId xmlns:a16="http://schemas.microsoft.com/office/drawing/2014/main" id="{42E2237F-7C12-F696-5875-202AB848FDFA}"/>
-              </a:ext>
-            </a:extLst>
-          </p:cNvPr>
+            <a:endParaRPr lang="zh-CN" altLang="en-US" dirty="0"/>
+          </a:p>
+        </p:txBody>
+      </p:sp>
+      <p:sp>
+        <p:nvSpPr>
+          <p:cNvPr id="5" name="内容占位符 4"/>
           <p:cNvSpPr>
             <a:spLocks noGrp="1"/>
           </p:cNvSpPr>
@@ -4088,18 +3643,13 @@
         </p:txBody>
       </p:sp>
     </p:spTree>
-    <p:extLst>
-      <p:ext uri="{BB962C8B-B14F-4D97-AF65-F5344CB8AC3E}">
-        <p14:creationId xmlns:p14="http://schemas.microsoft.com/office/powerpoint/2010/main" val="551404817"/>
-      </p:ext>
-    </p:extLst>
   </p:cSld>
   <p:clrMapOvr>
     <a:masterClrMapping/>
   </p:clrMapOvr>
-  <mc:AlternateContent xmlns:mc="http://schemas.openxmlformats.org/markup-compatibility/2006">
-    <mc:Choice xmlns:p159="http://schemas.microsoft.com/office/powerpoint/2015/09/main" Requires="p159">
-      <p:transition spd="slow">
+  <mc:AlternateContent xmlns:mc="http://schemas.openxmlformats.org/markup-compatibility/2006" xmlns:p159="http://schemas.microsoft.com/office/powerpoint/2015/09/main">
+    <mc:Choice Requires="p159">
+      <p:transition xmlns:p14="http://schemas.microsoft.com/office/powerpoint/2010/main" spd="slow">
         <p159:morph option="byObject"/>
       </p:transition>
     </mc:Choice>
@@ -4131,13 +3681,7 @@
       </p:grpSpPr>
       <p:sp>
         <p:nvSpPr>
-          <p:cNvPr id="2" name="标题 1">
-            <a:extLst>
-              <a:ext uri="{FF2B5EF4-FFF2-40B4-BE49-F238E27FC236}">
-                <a16:creationId xmlns:a16="http://schemas.microsoft.com/office/drawing/2014/main" id="{81C5361D-FB22-96BF-CC56-788DA16A5DAC}"/>
-              </a:ext>
-            </a:extLst>
-          </p:cNvPr>
+          <p:cNvPr id="2" name="标题 1"/>
           <p:cNvSpPr>
             <a:spLocks noGrp="1"/>
           </p:cNvSpPr>
@@ -4164,13 +3708,7 @@
       </p:sp>
       <p:sp>
         <p:nvSpPr>
-          <p:cNvPr id="3" name="内容占位符 2">
-            <a:extLst>
-              <a:ext uri="{FF2B5EF4-FFF2-40B4-BE49-F238E27FC236}">
-                <a16:creationId xmlns:a16="http://schemas.microsoft.com/office/drawing/2014/main" id="{2F3CF473-534F-1298-B3DE-0E715B5A9F3B}"/>
-              </a:ext>
-            </a:extLst>
-          </p:cNvPr>
+          <p:cNvPr id="3" name="内容占位符 2"/>
           <p:cNvSpPr>
             <a:spLocks noGrp="1"/>
           </p:cNvSpPr>
@@ -4191,6 +3729,7 @@
               <a:rPr lang="en-US" altLang="zh-CN" dirty="0"/>
               <a:t>IR</a:t>
             </a:r>
+            <a:endParaRPr lang="en-US" altLang="zh-CN" dirty="0"/>
           </a:p>
           <a:p>
             <a:pPr lvl="1"/>
@@ -4210,6 +3749,7 @@
               <a:rPr lang="en-US" altLang="zh-CN" dirty="0"/>
               <a:t>reallocate</a:t>
             </a:r>
+            <a:endParaRPr lang="en-US" altLang="zh-CN" dirty="0"/>
           </a:p>
           <a:p>
             <a:pPr lvl="1"/>
@@ -4260,22 +3800,18 @@
               <a:rPr lang="zh-CN" altLang="en-US" dirty="0"/>
               <a:t>类记录类型信息，跳转信息以及额外的信息（如加法加的数量）</a:t>
             </a:r>
+            <a:endParaRPr lang="zh-CN" altLang="en-US" dirty="0"/>
           </a:p>
         </p:txBody>
       </p:sp>
     </p:spTree>
-    <p:extLst>
-      <p:ext uri="{BB962C8B-B14F-4D97-AF65-F5344CB8AC3E}">
-        <p14:creationId xmlns:p14="http://schemas.microsoft.com/office/powerpoint/2010/main" val="3641726500"/>
-      </p:ext>
-    </p:extLst>
   </p:cSld>
   <p:clrMapOvr>
     <a:masterClrMapping/>
   </p:clrMapOvr>
-  <mc:AlternateContent xmlns:mc="http://schemas.openxmlformats.org/markup-compatibility/2006">
-    <mc:Choice xmlns:p159="http://schemas.microsoft.com/office/powerpoint/2015/09/main" Requires="p159">
-      <p:transition spd="slow">
+  <mc:AlternateContent xmlns:mc="http://schemas.openxmlformats.org/markup-compatibility/2006" xmlns:p159="http://schemas.microsoft.com/office/powerpoint/2015/09/main">
+    <mc:Choice Requires="p159">
+      <p:transition xmlns:p14="http://schemas.microsoft.com/office/powerpoint/2010/main" spd="slow">
         <p159:morph option="byObject"/>
       </p:transition>
     </mc:Choice>
@@ -4307,13 +3843,7 @@
       </p:grpSpPr>
       <p:sp>
         <p:nvSpPr>
-          <p:cNvPr id="2" name="标题 1">
-            <a:extLst>
-              <a:ext uri="{FF2B5EF4-FFF2-40B4-BE49-F238E27FC236}">
-                <a16:creationId xmlns:a16="http://schemas.microsoft.com/office/drawing/2014/main" id="{289B5052-DF89-56D9-B41A-95A431D579FF}"/>
-              </a:ext>
-            </a:extLst>
-          </p:cNvPr>
+          <p:cNvPr id="2" name="标题 1"/>
           <p:cNvSpPr>
             <a:spLocks noGrp="1"/>
           </p:cNvSpPr>
@@ -4330,18 +3860,13 @@
               <a:rPr lang="zh-CN" altLang="en-US" dirty="0"/>
               <a:t>无用循环删除</a:t>
             </a:r>
-          </a:p>
-        </p:txBody>
-      </p:sp>
-      <p:sp>
-        <p:nvSpPr>
-          <p:cNvPr id="3" name="内容占位符 2">
-            <a:extLst>
-              <a:ext uri="{FF2B5EF4-FFF2-40B4-BE49-F238E27FC236}">
-                <a16:creationId xmlns:a16="http://schemas.microsoft.com/office/drawing/2014/main" id="{9A648304-703C-5567-E849-E2224D165CDA}"/>
-              </a:ext>
-            </a:extLst>
-          </p:cNvPr>
+            <a:endParaRPr lang="zh-CN" altLang="en-US" dirty="0"/>
+          </a:p>
+        </p:txBody>
+      </p:sp>
+      <p:sp>
+        <p:nvSpPr>
+          <p:cNvPr id="3" name="内容占位符 2"/>
           <p:cNvSpPr>
             <a:spLocks noGrp="1"/>
           </p:cNvSpPr>
@@ -4385,6 +3910,7 @@
               <a:rPr lang="en-US" altLang="zh-CN" dirty="0"/>
               <a:t>0.</a:t>
             </a:r>
+            <a:endParaRPr lang="en-US" altLang="zh-CN" dirty="0"/>
           </a:p>
           <a:p>
             <a:r>
@@ -4395,6 +3921,7 @@
               <a:rPr lang="en-US" altLang="zh-CN" dirty="0"/>
               <a:t>!</a:t>
             </a:r>
+            <a:endParaRPr lang="en-US" altLang="zh-CN" dirty="0"/>
           </a:p>
           <a:p>
             <a:r>
@@ -4413,6 +3940,7 @@
               <a:rPr lang="en-US" altLang="zh-CN" dirty="0"/>
               <a:t>=&gt; useless!</a:t>
             </a:r>
+            <a:endParaRPr lang="en-US" altLang="zh-CN" dirty="0"/>
           </a:p>
           <a:p>
             <a:r>
@@ -4447,18 +3975,13 @@
         </p:txBody>
       </p:sp>
     </p:spTree>
-    <p:extLst>
-      <p:ext uri="{BB962C8B-B14F-4D97-AF65-F5344CB8AC3E}">
-        <p14:creationId xmlns:p14="http://schemas.microsoft.com/office/powerpoint/2010/main" val="3238942789"/>
-      </p:ext>
-    </p:extLst>
   </p:cSld>
   <p:clrMapOvr>
     <a:masterClrMapping/>
   </p:clrMapOvr>
-  <mc:AlternateContent xmlns:mc="http://schemas.openxmlformats.org/markup-compatibility/2006">
-    <mc:Choice xmlns:p159="http://schemas.microsoft.com/office/powerpoint/2015/09/main" Requires="p159">
-      <p:transition spd="slow">
+  <mc:AlternateContent xmlns:mc="http://schemas.openxmlformats.org/markup-compatibility/2006" xmlns:p159="http://schemas.microsoft.com/office/powerpoint/2015/09/main">
+    <mc:Choice Requires="p159">
+      <p:transition xmlns:p14="http://schemas.microsoft.com/office/powerpoint/2010/main" spd="slow">
         <p159:morph option="byObject"/>
       </p:transition>
     </mc:Choice>
@@ -4490,13 +4013,7 @@
       </p:grpSpPr>
       <p:sp>
         <p:nvSpPr>
-          <p:cNvPr id="2" name="标题 1">
-            <a:extLst>
-              <a:ext uri="{FF2B5EF4-FFF2-40B4-BE49-F238E27FC236}">
-                <a16:creationId xmlns:a16="http://schemas.microsoft.com/office/drawing/2014/main" id="{BC3F7B31-4DEE-2E1D-8D23-403C00FCE7E4}"/>
-              </a:ext>
-            </a:extLst>
-          </p:cNvPr>
+          <p:cNvPr id="2" name="标题 1"/>
           <p:cNvSpPr>
             <a:spLocks noGrp="1"/>
           </p:cNvSpPr>
@@ -4517,18 +4034,13 @@
               <a:rPr lang="zh-CN" altLang="en-US" dirty="0"/>
               <a:t>优化</a:t>
             </a:r>
-          </a:p>
-        </p:txBody>
-      </p:sp>
-      <p:sp>
-        <p:nvSpPr>
-          <p:cNvPr id="3" name="内容占位符 2">
-            <a:extLst>
-              <a:ext uri="{FF2B5EF4-FFF2-40B4-BE49-F238E27FC236}">
-                <a16:creationId xmlns:a16="http://schemas.microsoft.com/office/drawing/2014/main" id="{F60F08DB-CAEB-091A-F002-F50512FE3167}"/>
-              </a:ext>
-            </a:extLst>
-          </p:cNvPr>
+            <a:endParaRPr lang="zh-CN" altLang="en-US" dirty="0"/>
+          </a:p>
+        </p:txBody>
+      </p:sp>
+      <p:sp>
+        <p:nvSpPr>
+          <p:cNvPr id="3" name="内容占位符 2"/>
           <p:cNvSpPr>
             <a:spLocks noGrp="1"/>
           </p:cNvSpPr>
@@ -4609,6 +4121,7 @@
               <a:rPr lang="en-US" altLang="zh-CN" dirty="0"/>
               <a:t>)</a:t>
             </a:r>
+            <a:endParaRPr lang="en-US" altLang="zh-CN" dirty="0"/>
           </a:p>
           <a:p>
             <a:pPr lvl="1"/>
@@ -4668,6 +4181,7 @@
               <a:rPr lang="en-US" altLang="zh-CN" dirty="0"/>
               <a:t>!</a:t>
             </a:r>
+            <a:endParaRPr lang="en-US" altLang="zh-CN" dirty="0"/>
           </a:p>
           <a:p>
             <a:r>
@@ -4687,18 +4201,13 @@
         </p:txBody>
       </p:sp>
     </p:spTree>
-    <p:extLst>
-      <p:ext uri="{BB962C8B-B14F-4D97-AF65-F5344CB8AC3E}">
-        <p14:creationId xmlns:p14="http://schemas.microsoft.com/office/powerpoint/2010/main" val="389028649"/>
-      </p:ext>
-    </p:extLst>
   </p:cSld>
   <p:clrMapOvr>
     <a:masterClrMapping/>
   </p:clrMapOvr>
-  <mc:AlternateContent xmlns:mc="http://schemas.openxmlformats.org/markup-compatibility/2006">
-    <mc:Choice xmlns:p159="http://schemas.microsoft.com/office/powerpoint/2015/09/main" Requires="p159">
-      <p:transition spd="slow">
+  <mc:AlternateContent xmlns:mc="http://schemas.openxmlformats.org/markup-compatibility/2006" xmlns:p159="http://schemas.microsoft.com/office/powerpoint/2015/09/main">
+    <mc:Choice Requires="p159">
+      <p:transition xmlns:p14="http://schemas.microsoft.com/office/powerpoint/2010/main" spd="slow">
         <p159:morph option="byObject"/>
       </p:transition>
     </mc:Choice>
@@ -4730,13 +4239,7 @@
       </p:grpSpPr>
       <p:sp>
         <p:nvSpPr>
-          <p:cNvPr id="2" name="标题 1">
-            <a:extLst>
-              <a:ext uri="{FF2B5EF4-FFF2-40B4-BE49-F238E27FC236}">
-                <a16:creationId xmlns:a16="http://schemas.microsoft.com/office/drawing/2014/main" id="{32387CE0-0690-5454-E76F-24BE00031A08}"/>
-              </a:ext>
-            </a:extLst>
-          </p:cNvPr>
+          <p:cNvPr id="2" name="标题 1"/>
           <p:cNvSpPr>
             <a:spLocks noGrp="1"/>
           </p:cNvSpPr>
@@ -4753,18 +4256,13 @@
               <a:rPr lang="zh-CN" altLang="en-US" dirty="0"/>
               <a:t>冗余语句优化</a:t>
             </a:r>
-          </a:p>
-        </p:txBody>
-      </p:sp>
-      <p:sp>
-        <p:nvSpPr>
-          <p:cNvPr id="3" name="内容占位符 2">
-            <a:extLst>
-              <a:ext uri="{FF2B5EF4-FFF2-40B4-BE49-F238E27FC236}">
-                <a16:creationId xmlns:a16="http://schemas.microsoft.com/office/drawing/2014/main" id="{A1CFF7BC-359C-66C4-2ECB-C0BA12FD1DD6}"/>
-              </a:ext>
-            </a:extLst>
-          </p:cNvPr>
+            <a:endParaRPr lang="zh-CN" altLang="en-US" dirty="0"/>
+          </a:p>
+        </p:txBody>
+      </p:sp>
+      <p:sp>
+        <p:nvSpPr>
+          <p:cNvPr id="3" name="内容占位符 2"/>
           <p:cNvSpPr>
             <a:spLocks noGrp="1"/>
           </p:cNvSpPr>
@@ -4864,6 +4362,7 @@
               <a:rPr lang="en-US" altLang="zh-CN" dirty="0"/>
               <a:t>input</a:t>
             </a:r>
+            <a:endParaRPr lang="en-US" altLang="zh-CN" dirty="0"/>
           </a:p>
           <a:p>
             <a:pPr lvl="1"/>
@@ -4920,22 +4419,18 @@
               <a:rPr lang="en-US" altLang="zh-CN" dirty="0"/>
               <a:t>input</a:t>
             </a:r>
+            <a:endParaRPr lang="en-US" altLang="zh-CN" dirty="0"/>
           </a:p>
         </p:txBody>
       </p:sp>
     </p:spTree>
-    <p:extLst>
-      <p:ext uri="{BB962C8B-B14F-4D97-AF65-F5344CB8AC3E}">
-        <p14:creationId xmlns:p14="http://schemas.microsoft.com/office/powerpoint/2010/main" val="2136842849"/>
-      </p:ext>
-    </p:extLst>
   </p:cSld>
   <p:clrMapOvr>
     <a:masterClrMapping/>
   </p:clrMapOvr>
-  <mc:AlternateContent xmlns:mc="http://schemas.openxmlformats.org/markup-compatibility/2006">
-    <mc:Choice xmlns:p159="http://schemas.microsoft.com/office/powerpoint/2015/09/main" Requires="p159">
-      <p:transition spd="slow">
+  <mc:AlternateContent xmlns:mc="http://schemas.openxmlformats.org/markup-compatibility/2006" xmlns:p159="http://schemas.microsoft.com/office/powerpoint/2015/09/main">
+    <mc:Choice Requires="p159">
+      <p:transition xmlns:p14="http://schemas.microsoft.com/office/powerpoint/2010/main" spd="slow">
         <p159:morph option="byObject"/>
       </p:transition>
     </mc:Choice>
@@ -4967,13 +4462,7 @@
       </p:grpSpPr>
       <p:sp>
         <p:nvSpPr>
-          <p:cNvPr id="2" name="标题 1">
-            <a:extLst>
-              <a:ext uri="{FF2B5EF4-FFF2-40B4-BE49-F238E27FC236}">
-                <a16:creationId xmlns:a16="http://schemas.microsoft.com/office/drawing/2014/main" id="{34E8E605-EF65-1869-E3F7-63FE122E69BD}"/>
-              </a:ext>
-            </a:extLst>
-          </p:cNvPr>
+          <p:cNvPr id="2" name="标题 1"/>
           <p:cNvSpPr>
             <a:spLocks noGrp="1"/>
           </p:cNvSpPr>
@@ -4990,18 +4479,13 @@
               <a:rPr lang="zh-CN" altLang="en-US" dirty="0"/>
               <a:t>偏移量优化</a:t>
             </a:r>
-          </a:p>
-        </p:txBody>
-      </p:sp>
-      <p:sp>
-        <p:nvSpPr>
-          <p:cNvPr id="3" name="内容占位符 2">
-            <a:extLst>
-              <a:ext uri="{FF2B5EF4-FFF2-40B4-BE49-F238E27FC236}">
-                <a16:creationId xmlns:a16="http://schemas.microsoft.com/office/drawing/2014/main" id="{77A1E94B-1620-BF26-5A55-BD8B2908E3A2}"/>
-              </a:ext>
-            </a:extLst>
-          </p:cNvPr>
+            <a:endParaRPr lang="zh-CN" altLang="en-US" dirty="0"/>
+          </a:p>
+        </p:txBody>
+      </p:sp>
+      <p:sp>
+        <p:nvSpPr>
+          <p:cNvPr id="3" name="内容占位符 2"/>
           <p:cNvSpPr>
             <a:spLocks noGrp="1"/>
           </p:cNvSpPr>
@@ -5046,6 +4530,7 @@
               <a:rPr lang="en-US" altLang="zh-CN" dirty="0"/>
               <a:t>p[0]++, p[1]++, p[3]--, </a:t>
             </a:r>
+            <a:endParaRPr lang="en-US" altLang="zh-CN" dirty="0"/>
           </a:p>
           <a:p>
             <a:pPr marL="457200" lvl="1" indent="0">
@@ -5055,6 +4540,7 @@
               <a:rPr lang="en-US" altLang="zh-CN" dirty="0"/>
               <a:t>p[-1]++</a:t>
             </a:r>
+            <a:endParaRPr lang="en-US" altLang="zh-CN" dirty="0"/>
           </a:p>
           <a:p>
             <a:pPr lvl="1"/>
@@ -5129,6 +4615,7 @@
               <a:rPr lang="en-US" altLang="zh-CN" dirty="0"/>
               <a:t>.</a:t>
             </a:r>
+            <a:endParaRPr lang="en-US" altLang="zh-CN" dirty="0"/>
           </a:p>
           <a:p>
             <a:r>
@@ -5148,18 +4635,13 @@
         </p:txBody>
       </p:sp>
     </p:spTree>
-    <p:extLst>
-      <p:ext uri="{BB962C8B-B14F-4D97-AF65-F5344CB8AC3E}">
-        <p14:creationId xmlns:p14="http://schemas.microsoft.com/office/powerpoint/2010/main" val="1003557158"/>
-      </p:ext>
-    </p:extLst>
   </p:cSld>
   <p:clrMapOvr>
     <a:masterClrMapping/>
   </p:clrMapOvr>
-  <mc:AlternateContent xmlns:mc="http://schemas.openxmlformats.org/markup-compatibility/2006">
-    <mc:Choice xmlns:p159="http://schemas.microsoft.com/office/powerpoint/2015/09/main" Requires="p159">
-      <p:transition spd="slow">
+  <mc:AlternateContent xmlns:mc="http://schemas.openxmlformats.org/markup-compatibility/2006" xmlns:p159="http://schemas.microsoft.com/office/powerpoint/2015/09/main">
+    <mc:Choice Requires="p159">
+      <p:transition xmlns:p14="http://schemas.microsoft.com/office/powerpoint/2010/main" spd="slow">
         <p159:morph option="byObject"/>
       </p:transition>
     </mc:Choice>
@@ -5191,13 +4673,7 @@
       </p:grpSpPr>
       <p:sp>
         <p:nvSpPr>
-          <p:cNvPr id="2" name="标题 1">
-            <a:extLst>
-              <a:ext uri="{FF2B5EF4-FFF2-40B4-BE49-F238E27FC236}">
-                <a16:creationId xmlns:a16="http://schemas.microsoft.com/office/drawing/2014/main" id="{5793FC9D-EFB0-87CD-420D-31E64B9F81BF}"/>
-              </a:ext>
-            </a:extLst>
-          </p:cNvPr>
+          <p:cNvPr id="2" name="标题 1"/>
           <p:cNvSpPr>
             <a:spLocks noGrp="1"/>
           </p:cNvSpPr>
@@ -5214,20 +4690,15 @@
               <a:rPr lang="zh-CN" altLang="en-US" dirty="0"/>
               <a:t>乘法优化</a:t>
             </a:r>
-          </a:p>
-        </p:txBody>
-      </p:sp>
-      <mc:AlternateContent xmlns:mc="http://schemas.openxmlformats.org/markup-compatibility/2006" xmlns:a14="http://schemas.microsoft.com/office/drawing/2010/main">
-        <mc:Choice Requires="a14">
+            <a:endParaRPr lang="zh-CN" altLang="en-US" dirty="0"/>
+          </a:p>
+        </p:txBody>
+      </p:sp>
+      <mc:AlternateContent xmlns:mc="http://schemas.openxmlformats.org/markup-compatibility/2006">
+        <mc:Choice xmlns:a14="http://schemas.microsoft.com/office/drawing/2010/main" Requires="a14">
           <p:sp>
             <p:nvSpPr>
-              <p:cNvPr id="3" name="内容占位符 2">
-                <a:extLst>
-                  <a:ext uri="{FF2B5EF4-FFF2-40B4-BE49-F238E27FC236}">
-                    <a16:creationId xmlns:a16="http://schemas.microsoft.com/office/drawing/2014/main" id="{7B758578-2AB0-3661-EC38-918784FBD718}"/>
-                  </a:ext>
-                </a:extLst>
-              </p:cNvPr>
+              <p:cNvPr id="3" name="内容占位符 2"/>
               <p:cNvSpPr>
                 <a:spLocks noGrp="1"/>
               </p:cNvSpPr>
@@ -5451,28 +4922,22 @@
             </p:txBody>
           </p:sp>
         </mc:Choice>
-        <mc:Fallback xmlns="">
+        <mc:Fallback>
           <p:sp>
             <p:nvSpPr>
-              <p:cNvPr id="3" name="内容占位符 2">
-                <a:extLst>
-                  <a:ext uri="{FF2B5EF4-FFF2-40B4-BE49-F238E27FC236}">
-                    <a16:creationId xmlns:a16="http://schemas.microsoft.com/office/drawing/2014/main" id="{7B758578-2AB0-3661-EC38-918784FBD718}"/>
-                  </a:ext>
-                </a:extLst>
-              </p:cNvPr>
+              <p:cNvPr id="3" name="内容占位符 2"/>
               <p:cNvSpPr>
-                <a:spLocks noGrp="1" noRot="1" noChangeAspect="1" noMove="1" noResize="1" noEditPoints="1" noAdjustHandles="1" noChangeArrowheads="1" noChangeShapeType="1" noTextEdit="1"/>
+                <a:spLocks noRot="1" noChangeAspect="1" noMove="1" noResize="1" noEditPoints="1" noAdjustHandles="1" noChangeArrowheads="1" noChangeShapeType="1" noTextEdit="1"/>
               </p:cNvSpPr>
               <p:nvPr>
                 <p:ph idx="1"/>
               </p:nvPr>
             </p:nvSpPr>
             <p:spPr>
-              <a:blipFill>
-                <a:blip r:embed="rId2"/>
+              <a:blipFill rotWithShape="1">
+                <a:blip r:embed="rId1"/>
                 <a:stretch>
-                  <a:fillRect l="-1043" t="-2521" r="-290"/>
+                  <a:fillRect b="7"/>
                 </a:stretch>
               </a:blipFill>
             </p:spPr>
@@ -5492,18 +4957,13 @@
         </mc:Fallback>
       </mc:AlternateContent>
     </p:spTree>
-    <p:extLst>
-      <p:ext uri="{BB962C8B-B14F-4D97-AF65-F5344CB8AC3E}">
-        <p14:creationId xmlns:p14="http://schemas.microsoft.com/office/powerpoint/2010/main" val="1694916637"/>
-      </p:ext>
-    </p:extLst>
   </p:cSld>
   <p:clrMapOvr>
     <a:masterClrMapping/>
   </p:clrMapOvr>
-  <mc:AlternateContent xmlns:mc="http://schemas.openxmlformats.org/markup-compatibility/2006">
-    <mc:Choice xmlns:p159="http://schemas.microsoft.com/office/powerpoint/2015/09/main" Requires="p159">
-      <p:transition spd="slow">
+  <mc:AlternateContent xmlns:mc="http://schemas.openxmlformats.org/markup-compatibility/2006" xmlns:p159="http://schemas.microsoft.com/office/powerpoint/2015/09/main">
+    <mc:Choice Requires="p159">
+      <p:transition xmlns:p14="http://schemas.microsoft.com/office/powerpoint/2010/main" spd="slow">
         <p159:morph option="byObject"/>
       </p:transition>
     </mc:Choice>
@@ -5535,13 +4995,7 @@
       </p:grpSpPr>
       <p:sp>
         <p:nvSpPr>
-          <p:cNvPr id="2" name="标题 1">
-            <a:extLst>
-              <a:ext uri="{FF2B5EF4-FFF2-40B4-BE49-F238E27FC236}">
-                <a16:creationId xmlns:a16="http://schemas.microsoft.com/office/drawing/2014/main" id="{E16F939F-C4B9-09C3-02DC-90ED79959BC4}"/>
-              </a:ext>
-            </a:extLst>
-          </p:cNvPr>
+          <p:cNvPr id="2" name="标题 1"/>
           <p:cNvSpPr>
             <a:spLocks noGrp="1"/>
           </p:cNvSpPr>
@@ -5558,18 +5012,13 @@
               <a:rPr lang="zh-CN" altLang="en-US" dirty="0"/>
               <a:t>整理</a:t>
             </a:r>
-          </a:p>
-        </p:txBody>
-      </p:sp>
-      <p:sp>
-        <p:nvSpPr>
-          <p:cNvPr id="3" name="内容占位符 2">
-            <a:extLst>
-              <a:ext uri="{FF2B5EF4-FFF2-40B4-BE49-F238E27FC236}">
-                <a16:creationId xmlns:a16="http://schemas.microsoft.com/office/drawing/2014/main" id="{84E63525-6202-EA5F-C09F-D8840EAD6367}"/>
-              </a:ext>
-            </a:extLst>
-          </p:cNvPr>
+            <a:endParaRPr lang="zh-CN" altLang="en-US" dirty="0"/>
+          </a:p>
+        </p:txBody>
+      </p:sp>
+      <p:sp>
+        <p:nvSpPr>
+          <p:cNvPr id="3" name="内容占位符 2"/>
           <p:cNvSpPr>
             <a:spLocks noGrp="1"/>
           </p:cNvSpPr>
@@ -5611,18 +5060,13 @@
         </p:txBody>
       </p:sp>
     </p:spTree>
-    <p:extLst>
-      <p:ext uri="{BB962C8B-B14F-4D97-AF65-F5344CB8AC3E}">
-        <p14:creationId xmlns:p14="http://schemas.microsoft.com/office/powerpoint/2010/main" val="3024324737"/>
-      </p:ext>
-    </p:extLst>
   </p:cSld>
   <p:clrMapOvr>
     <a:masterClrMapping/>
   </p:clrMapOvr>
-  <mc:AlternateContent xmlns:mc="http://schemas.openxmlformats.org/markup-compatibility/2006">
-    <mc:Choice xmlns:p159="http://schemas.microsoft.com/office/powerpoint/2015/09/main" Requires="p159">
-      <p:transition spd="slow">
+  <mc:AlternateContent xmlns:mc="http://schemas.openxmlformats.org/markup-compatibility/2006" xmlns:p159="http://schemas.microsoft.com/office/powerpoint/2015/09/main">
+    <mc:Choice Requires="p159">
+      <p:transition xmlns:p14="http://schemas.microsoft.com/office/powerpoint/2010/main" spd="slow">
         <p159:morph option="byObject"/>
       </p:transition>
     </mc:Choice>
@@ -5654,13 +5098,7 @@
       </p:grpSpPr>
       <p:sp>
         <p:nvSpPr>
-          <p:cNvPr id="2" name="标题 1">
-            <a:extLst>
-              <a:ext uri="{FF2B5EF4-FFF2-40B4-BE49-F238E27FC236}">
-                <a16:creationId xmlns:a16="http://schemas.microsoft.com/office/drawing/2014/main" id="{95CC0987-022E-B3AC-2052-553AA336C3A2}"/>
-              </a:ext>
-            </a:extLst>
-          </p:cNvPr>
+          <p:cNvPr id="2" name="标题 1"/>
           <p:cNvSpPr>
             <a:spLocks noGrp="1"/>
           </p:cNvSpPr>
@@ -5677,18 +5115,13 @@
               <a:rPr lang="zh-CN" altLang="en-US" dirty="0"/>
               <a:t>设计虚拟机</a:t>
             </a:r>
-          </a:p>
-        </p:txBody>
-      </p:sp>
-      <p:sp>
-        <p:nvSpPr>
-          <p:cNvPr id="3" name="内容占位符 2">
-            <a:extLst>
-              <a:ext uri="{FF2B5EF4-FFF2-40B4-BE49-F238E27FC236}">
-                <a16:creationId xmlns:a16="http://schemas.microsoft.com/office/drawing/2014/main" id="{7126775F-8A82-CF73-C8F0-68707D02D9A5}"/>
-              </a:ext>
-            </a:extLst>
-          </p:cNvPr>
+            <a:endParaRPr lang="zh-CN" altLang="en-US" dirty="0"/>
+          </a:p>
+        </p:txBody>
+      </p:sp>
+      <p:sp>
+        <p:nvSpPr>
+          <p:cNvPr id="3" name="内容占位符 2"/>
           <p:cNvSpPr>
             <a:spLocks noGrp="1"/>
           </p:cNvSpPr>
@@ -5830,13 +5263,7 @@
                     <a:lumOff val="50000"/>
                   </a:schemeClr>
                 </a:solidFill>
-                <a:hlinkClick r:id="rId2">
-                  <a:extLst>
-                    <a:ext uri="{A12FA001-AC4F-418D-AE19-62706E023703}">
-                      <ahyp:hlinkClr xmlns:ahyp="http://schemas.microsoft.com/office/drawing/2018/hyperlinkcolor" val="tx"/>
-                    </a:ext>
-                  </a:extLst>
-                </a:hlinkClick>
+                <a:hlinkClick r:id="rId1"/>
               </a:rPr>
               <a:t>Cushyz</a:t>
             </a:r>
@@ -5895,6 +5322,14 @@
               </a:rPr>
               <a:t>!)</a:t>
             </a:r>
+            <a:endParaRPr lang="en-US" altLang="zh-CN" dirty="0">
+              <a:solidFill>
+                <a:schemeClr val="tx1">
+                  <a:lumMod val="50000"/>
+                  <a:lumOff val="50000"/>
+                </a:schemeClr>
+              </a:solidFill>
+            </a:endParaRPr>
           </a:p>
           <a:p>
             <a:pPr lvl="1"/>
@@ -5907,18 +5342,13 @@
         </p:txBody>
       </p:sp>
     </p:spTree>
-    <p:extLst>
-      <p:ext uri="{BB962C8B-B14F-4D97-AF65-F5344CB8AC3E}">
-        <p14:creationId xmlns:p14="http://schemas.microsoft.com/office/powerpoint/2010/main" val="2356411386"/>
-      </p:ext>
-    </p:extLst>
   </p:cSld>
   <p:clrMapOvr>
     <a:masterClrMapping/>
   </p:clrMapOvr>
-  <mc:AlternateContent xmlns:mc="http://schemas.openxmlformats.org/markup-compatibility/2006">
-    <mc:Choice xmlns:p159="http://schemas.microsoft.com/office/powerpoint/2015/09/main" Requires="p159">
-      <p:transition spd="slow">
+  <mc:AlternateContent xmlns:mc="http://schemas.openxmlformats.org/markup-compatibility/2006" xmlns:p159="http://schemas.microsoft.com/office/powerpoint/2015/09/main">
+    <mc:Choice Requires="p159">
+      <p:transition xmlns:p14="http://schemas.microsoft.com/office/powerpoint/2010/main" spd="slow">
         <p159:morph option="byObject"/>
       </p:transition>
     </mc:Choice>
@@ -5950,13 +5380,7 @@
       </p:grpSpPr>
       <p:sp>
         <p:nvSpPr>
-          <p:cNvPr id="4" name="标题 3">
-            <a:extLst>
-              <a:ext uri="{FF2B5EF4-FFF2-40B4-BE49-F238E27FC236}">
-                <a16:creationId xmlns:a16="http://schemas.microsoft.com/office/drawing/2014/main" id="{CB563C64-CDC7-E993-225E-6262FB89DD32}"/>
-              </a:ext>
-            </a:extLst>
-          </p:cNvPr>
+          <p:cNvPr id="4" name="标题 3"/>
           <p:cNvSpPr>
             <a:spLocks noGrp="1"/>
           </p:cNvSpPr>
@@ -5973,18 +5397,13 @@
               <a:rPr lang="zh-CN" altLang="en-US" dirty="0"/>
               <a:t>可视化结果</a:t>
             </a:r>
-          </a:p>
-        </p:txBody>
-      </p:sp>
-      <p:sp>
-        <p:nvSpPr>
-          <p:cNvPr id="5" name="文本占位符 4">
-            <a:extLst>
-              <a:ext uri="{FF2B5EF4-FFF2-40B4-BE49-F238E27FC236}">
-                <a16:creationId xmlns:a16="http://schemas.microsoft.com/office/drawing/2014/main" id="{2ED5013D-CFF9-F773-2901-1131895913E3}"/>
-              </a:ext>
-            </a:extLst>
-          </p:cNvPr>
+            <a:endParaRPr lang="zh-CN" altLang="en-US" dirty="0"/>
+          </a:p>
+        </p:txBody>
+      </p:sp>
+      <p:sp>
+        <p:nvSpPr>
+          <p:cNvPr id="5" name="文本占位符 4"/>
           <p:cNvSpPr>
             <a:spLocks noGrp="1"/>
           </p:cNvSpPr>
@@ -6006,18 +5425,13 @@
         </p:txBody>
       </p:sp>
     </p:spTree>
-    <p:extLst>
-      <p:ext uri="{BB962C8B-B14F-4D97-AF65-F5344CB8AC3E}">
-        <p14:creationId xmlns:p14="http://schemas.microsoft.com/office/powerpoint/2010/main" val="492391199"/>
-      </p:ext>
-    </p:extLst>
   </p:cSld>
   <p:clrMapOvr>
     <a:masterClrMapping/>
   </p:clrMapOvr>
-  <mc:AlternateContent xmlns:mc="http://schemas.openxmlformats.org/markup-compatibility/2006">
-    <mc:Choice xmlns:p159="http://schemas.microsoft.com/office/powerpoint/2015/09/main" Requires="p159">
-      <p:transition spd="slow">
+  <mc:AlternateContent xmlns:mc="http://schemas.openxmlformats.org/markup-compatibility/2006" xmlns:p159="http://schemas.microsoft.com/office/powerpoint/2015/09/main">
+    <mc:Choice Requires="p159">
+      <p:transition xmlns:p14="http://schemas.microsoft.com/office/powerpoint/2010/main" spd="slow">
         <p159:morph option="byObject"/>
       </p:transition>
     </mc:Choice>
@@ -6049,13 +5463,7 @@
       </p:grpSpPr>
       <p:sp>
         <p:nvSpPr>
-          <p:cNvPr id="4" name="标题 3">
-            <a:extLst>
-              <a:ext uri="{FF2B5EF4-FFF2-40B4-BE49-F238E27FC236}">
-                <a16:creationId xmlns:a16="http://schemas.microsoft.com/office/drawing/2014/main" id="{7231A501-0ABA-DC11-1A8D-6ACCCF2CC6E3}"/>
-              </a:ext>
-            </a:extLst>
-          </p:cNvPr>
+          <p:cNvPr id="4" name="标题 3"/>
           <p:cNvSpPr>
             <a:spLocks noGrp="1"/>
           </p:cNvSpPr>
@@ -6072,18 +5480,13 @@
               <a:rPr lang="zh-CN" altLang="en-US" dirty="0"/>
               <a:t>思路</a:t>
             </a:r>
-          </a:p>
-        </p:txBody>
-      </p:sp>
-      <p:sp>
-        <p:nvSpPr>
-          <p:cNvPr id="5" name="文本占位符 4">
-            <a:extLst>
-              <a:ext uri="{FF2B5EF4-FFF2-40B4-BE49-F238E27FC236}">
-                <a16:creationId xmlns:a16="http://schemas.microsoft.com/office/drawing/2014/main" id="{22B3A656-284C-60EB-FBC0-8D184A9C0059}"/>
-              </a:ext>
-            </a:extLst>
-          </p:cNvPr>
+            <a:endParaRPr lang="zh-CN" altLang="en-US" dirty="0"/>
+          </a:p>
+        </p:txBody>
+      </p:sp>
+      <p:sp>
+        <p:nvSpPr>
+          <p:cNvPr id="5" name="文本占位符 4"/>
           <p:cNvSpPr>
             <a:spLocks noGrp="1"/>
           </p:cNvSpPr>
@@ -6105,18 +5508,13 @@
         </p:txBody>
       </p:sp>
     </p:spTree>
-    <p:extLst>
-      <p:ext uri="{BB962C8B-B14F-4D97-AF65-F5344CB8AC3E}">
-        <p14:creationId xmlns:p14="http://schemas.microsoft.com/office/powerpoint/2010/main" val="3691756604"/>
-      </p:ext>
-    </p:extLst>
   </p:cSld>
   <p:clrMapOvr>
     <a:masterClrMapping/>
   </p:clrMapOvr>
-  <mc:AlternateContent xmlns:mc="http://schemas.openxmlformats.org/markup-compatibility/2006">
-    <mc:Choice xmlns:p159="http://schemas.microsoft.com/office/powerpoint/2015/09/main" Requires="p159">
-      <p:transition spd="slow">
+  <mc:AlternateContent xmlns:mc="http://schemas.openxmlformats.org/markup-compatibility/2006" xmlns:p159="http://schemas.microsoft.com/office/powerpoint/2015/09/main">
+    <mc:Choice Requires="p159">
+      <p:transition xmlns:p14="http://schemas.microsoft.com/office/powerpoint/2010/main" spd="slow">
         <p159:morph option="byObject"/>
       </p:transition>
     </mc:Choice>
@@ -6148,13 +5546,7 @@
       </p:grpSpPr>
       <p:sp>
         <p:nvSpPr>
-          <p:cNvPr id="6" name="标题 5">
-            <a:extLst>
-              <a:ext uri="{FF2B5EF4-FFF2-40B4-BE49-F238E27FC236}">
-                <a16:creationId xmlns:a16="http://schemas.microsoft.com/office/drawing/2014/main" id="{6A4ACA39-551B-8527-D598-353A78A932AD}"/>
-              </a:ext>
-            </a:extLst>
-          </p:cNvPr>
+          <p:cNvPr id="6" name="标题 5"/>
           <p:cNvSpPr>
             <a:spLocks noGrp="1"/>
           </p:cNvSpPr>
@@ -6175,18 +5567,13 @@
               <a:rPr lang="zh-CN" altLang="en-US" dirty="0"/>
               <a:t>可视化</a:t>
             </a:r>
+            <a:endParaRPr lang="zh-CN" altLang="en-US" dirty="0"/>
           </a:p>
         </p:txBody>
       </p:sp>
       <p:pic>
         <p:nvPicPr>
-          <p:cNvPr id="10" name="图片占位符 9" descr="图片包含 文本&#10;&#10;描述已自动生成">
-            <a:extLst>
-              <a:ext uri="{FF2B5EF4-FFF2-40B4-BE49-F238E27FC236}">
-                <a16:creationId xmlns:a16="http://schemas.microsoft.com/office/drawing/2014/main" id="{E22C5465-BD66-C23A-ADC5-F66135281C8F}"/>
-              </a:ext>
-            </a:extLst>
-          </p:cNvPr>
+          <p:cNvPr id="10" name="图片占位符 9" descr="图片包含 文本&#10;&#10;描述已自动生成"/>
           <p:cNvPicPr>
             <a:picLocks noGrp="1" noChangeAspect="1"/>
           </p:cNvPicPr>
@@ -6195,7 +5582,7 @@
           </p:nvPr>
         </p:nvPicPr>
         <p:blipFill>
-          <a:blip r:embed="rId3">
+          <a:blip r:embed="rId1">
             <a:extLst>
               <a:ext uri="{28A0092B-C50C-407E-A947-70E740481C1C}">
                 <a14:useLocalDpi xmlns:a14="http://schemas.microsoft.com/office/drawing/2010/main" val="0"/>
@@ -6211,13 +5598,7 @@
       </p:pic>
       <p:sp>
         <p:nvSpPr>
-          <p:cNvPr id="8" name="文本占位符 7">
-            <a:extLst>
-              <a:ext uri="{FF2B5EF4-FFF2-40B4-BE49-F238E27FC236}">
-                <a16:creationId xmlns:a16="http://schemas.microsoft.com/office/drawing/2014/main" id="{8E7FD620-1C30-FFC1-D24F-06E835F3E410}"/>
-              </a:ext>
-            </a:extLst>
-          </p:cNvPr>
+          <p:cNvPr id="8" name="文本占位符 7"/>
           <p:cNvSpPr>
             <a:spLocks noGrp="1"/>
           </p:cNvSpPr>
@@ -6264,18 +5645,13 @@
         </p:txBody>
       </p:sp>
     </p:spTree>
-    <p:extLst>
-      <p:ext uri="{BB962C8B-B14F-4D97-AF65-F5344CB8AC3E}">
-        <p14:creationId xmlns:p14="http://schemas.microsoft.com/office/powerpoint/2010/main" val="4101628320"/>
-      </p:ext>
-    </p:extLst>
   </p:cSld>
   <p:clrMapOvr>
     <a:masterClrMapping/>
   </p:clrMapOvr>
-  <mc:AlternateContent xmlns:mc="http://schemas.openxmlformats.org/markup-compatibility/2006">
-    <mc:Choice xmlns:p159="http://schemas.microsoft.com/office/powerpoint/2015/09/main" Requires="p159">
-      <p:transition spd="slow">
+  <mc:AlternateContent xmlns:mc="http://schemas.openxmlformats.org/markup-compatibility/2006" xmlns:p159="http://schemas.microsoft.com/office/powerpoint/2015/09/main">
+    <mc:Choice Requires="p159">
+      <p:transition xmlns:p14="http://schemas.microsoft.com/office/powerpoint/2010/main" spd="slow">
         <p159:morph option="byObject"/>
       </p:transition>
     </mc:Choice>
@@ -6307,13 +5683,7 @@
       </p:grpSpPr>
       <p:sp>
         <p:nvSpPr>
-          <p:cNvPr id="2" name="标题 1">
-            <a:extLst>
-              <a:ext uri="{FF2B5EF4-FFF2-40B4-BE49-F238E27FC236}">
-                <a16:creationId xmlns:a16="http://schemas.microsoft.com/office/drawing/2014/main" id="{5BE9E8F7-8561-04C5-10B2-43ACC9E3DF61}"/>
-              </a:ext>
-            </a:extLst>
-          </p:cNvPr>
+          <p:cNvPr id="2" name="标题 1"/>
           <p:cNvSpPr>
             <a:spLocks noGrp="1"/>
           </p:cNvSpPr>
@@ -6334,18 +5704,13 @@
               <a:rPr lang="zh-CN" altLang="en-US" dirty="0"/>
               <a:t>可视化</a:t>
             </a:r>
+            <a:endParaRPr lang="zh-CN" altLang="en-US" dirty="0"/>
           </a:p>
         </p:txBody>
       </p:sp>
       <p:pic>
         <p:nvPicPr>
-          <p:cNvPr id="10" name="图片占位符 9" descr="图表, 瀑布图&#10;&#10;描述已自动生成">
-            <a:extLst>
-              <a:ext uri="{FF2B5EF4-FFF2-40B4-BE49-F238E27FC236}">
-                <a16:creationId xmlns:a16="http://schemas.microsoft.com/office/drawing/2014/main" id="{B40C4275-4352-7A05-D9CC-F7843DD0F571}"/>
-              </a:ext>
-            </a:extLst>
-          </p:cNvPr>
+          <p:cNvPr id="10" name="图片占位符 9" descr="图表, 瀑布图&#10;&#10;描述已自动生成"/>
           <p:cNvPicPr>
             <a:picLocks noGrp="1" noChangeAspect="1"/>
           </p:cNvPicPr>
@@ -6354,7 +5719,7 @@
           </p:nvPr>
         </p:nvPicPr>
         <p:blipFill>
-          <a:blip r:embed="rId2">
+          <a:blip r:embed="rId1">
             <a:extLst>
               <a:ext uri="{28A0092B-C50C-407E-A947-70E740481C1C}">
                 <a14:useLocalDpi xmlns:a14="http://schemas.microsoft.com/office/drawing/2010/main" val="0"/>
@@ -6374,13 +5739,7 @@
       </p:pic>
       <p:sp>
         <p:nvSpPr>
-          <p:cNvPr id="4" name="文本占位符 3">
-            <a:extLst>
-              <a:ext uri="{FF2B5EF4-FFF2-40B4-BE49-F238E27FC236}">
-                <a16:creationId xmlns:a16="http://schemas.microsoft.com/office/drawing/2014/main" id="{D0244F5E-2D2C-CFDD-0EDF-4B311B7B4024}"/>
-              </a:ext>
-            </a:extLst>
-          </p:cNvPr>
+          <p:cNvPr id="4" name="文本占位符 3"/>
           <p:cNvSpPr>
             <a:spLocks noGrp="1"/>
           </p:cNvSpPr>
@@ -6430,25 +5789,20 @@
               <a:rPr lang="zh-CN" altLang="en-US" sz="2400" dirty="0"/>
               <a:t>其接受一个输入，并返回质因数分解的结果。</a:t>
             </a:r>
+            <a:endParaRPr lang="zh-CN" altLang="en-US" sz="2400" dirty="0"/>
           </a:p>
         </p:txBody>
       </p:sp>
       <p:pic>
         <p:nvPicPr>
-          <p:cNvPr id="12" name="图片 11" descr="图片包含 应用程序&#10;&#10;描述已自动生成">
-            <a:extLst>
-              <a:ext uri="{FF2B5EF4-FFF2-40B4-BE49-F238E27FC236}">
-                <a16:creationId xmlns:a16="http://schemas.microsoft.com/office/drawing/2014/main" id="{840034C7-514C-BBC9-B9FA-8B2B24D8B7CE}"/>
-              </a:ext>
-            </a:extLst>
-          </p:cNvPr>
+          <p:cNvPr id="12" name="图片 11" descr="图片包含 应用程序&#10;&#10;描述已自动生成"/>
           <p:cNvPicPr>
             <a:picLocks noChangeAspect="1"/>
           </p:cNvPicPr>
           <p:nvPr/>
         </p:nvPicPr>
         <p:blipFill>
-          <a:blip r:embed="rId3">
+          <a:blip r:embed="rId2">
             <a:extLst>
               <a:ext uri="{28A0092B-C50C-407E-A947-70E740481C1C}">
                 <a14:useLocalDpi xmlns:a14="http://schemas.microsoft.com/office/drawing/2010/main" val="0"/>
@@ -6470,18 +5824,13 @@
         </p:spPr>
       </p:pic>
     </p:spTree>
-    <p:extLst>
-      <p:ext uri="{BB962C8B-B14F-4D97-AF65-F5344CB8AC3E}">
-        <p14:creationId xmlns:p14="http://schemas.microsoft.com/office/powerpoint/2010/main" val="243211051"/>
-      </p:ext>
-    </p:extLst>
   </p:cSld>
   <p:clrMapOvr>
     <a:masterClrMapping/>
   </p:clrMapOvr>
-  <mc:AlternateContent xmlns:mc="http://schemas.openxmlformats.org/markup-compatibility/2006">
-    <mc:Choice xmlns:p159="http://schemas.microsoft.com/office/powerpoint/2015/09/main" Requires="p159">
-      <p:transition spd="slow">
+  <mc:AlternateContent xmlns:mc="http://schemas.openxmlformats.org/markup-compatibility/2006" xmlns:p159="http://schemas.microsoft.com/office/powerpoint/2015/09/main">
+    <mc:Choice Requires="p159">
+      <p:transition xmlns:p14="http://schemas.microsoft.com/office/powerpoint/2010/main" spd="slow">
         <p159:morph option="byObject"/>
       </p:transition>
     </mc:Choice>
@@ -6649,13 +5998,7 @@
       </p:grpSpPr>
       <p:sp>
         <p:nvSpPr>
-          <p:cNvPr id="5" name="标题 4">
-            <a:extLst>
-              <a:ext uri="{FF2B5EF4-FFF2-40B4-BE49-F238E27FC236}">
-                <a16:creationId xmlns:a16="http://schemas.microsoft.com/office/drawing/2014/main" id="{6BF1EEF9-4136-1EC2-DA10-B8C7FC4E48FB}"/>
-              </a:ext>
-            </a:extLst>
-          </p:cNvPr>
+          <p:cNvPr id="5" name="标题 4"/>
           <p:cNvSpPr>
             <a:spLocks noGrp="1"/>
           </p:cNvSpPr>
@@ -6672,18 +6015,13 @@
               <a:rPr lang="zh-CN" altLang="en-US" dirty="0"/>
               <a:t>结论</a:t>
             </a:r>
-          </a:p>
-        </p:txBody>
-      </p:sp>
-      <p:sp>
-        <p:nvSpPr>
-          <p:cNvPr id="6" name="文本占位符 5">
-            <a:extLst>
-              <a:ext uri="{FF2B5EF4-FFF2-40B4-BE49-F238E27FC236}">
-                <a16:creationId xmlns:a16="http://schemas.microsoft.com/office/drawing/2014/main" id="{CF57B37D-59BB-84AD-8F5E-2B6BC2AE2E27}"/>
-              </a:ext>
-            </a:extLst>
-          </p:cNvPr>
+            <a:endParaRPr lang="zh-CN" altLang="en-US" dirty="0"/>
+          </a:p>
+        </p:txBody>
+      </p:sp>
+      <p:sp>
+        <p:nvSpPr>
+          <p:cNvPr id="6" name="文本占位符 5"/>
           <p:cNvSpPr>
             <a:spLocks noGrp="1"/>
           </p:cNvSpPr>
@@ -6705,18 +6043,13 @@
         </p:txBody>
       </p:sp>
     </p:spTree>
-    <p:extLst>
-      <p:ext uri="{BB962C8B-B14F-4D97-AF65-F5344CB8AC3E}">
-        <p14:creationId xmlns:p14="http://schemas.microsoft.com/office/powerpoint/2010/main" val="1980866904"/>
-      </p:ext>
-    </p:extLst>
   </p:cSld>
   <p:clrMapOvr>
     <a:masterClrMapping/>
   </p:clrMapOvr>
-  <mc:AlternateContent xmlns:mc="http://schemas.openxmlformats.org/markup-compatibility/2006">
-    <mc:Choice xmlns:p159="http://schemas.microsoft.com/office/powerpoint/2015/09/main" Requires="p159">
-      <p:transition spd="slow">
+  <mc:AlternateContent xmlns:mc="http://schemas.openxmlformats.org/markup-compatibility/2006" xmlns:p159="http://schemas.microsoft.com/office/powerpoint/2015/09/main">
+    <mc:Choice Requires="p159">
+      <p:transition xmlns:p14="http://schemas.microsoft.com/office/powerpoint/2010/main" spd="slow">
         <p159:morph option="byObject"/>
       </p:transition>
     </mc:Choice>
@@ -6748,13 +6081,7 @@
       </p:grpSpPr>
       <p:sp>
         <p:nvSpPr>
-          <p:cNvPr id="4" name="标题 3">
-            <a:extLst>
-              <a:ext uri="{FF2B5EF4-FFF2-40B4-BE49-F238E27FC236}">
-                <a16:creationId xmlns:a16="http://schemas.microsoft.com/office/drawing/2014/main" id="{584D1371-20AF-D30F-91AD-A2B1E0421CDC}"/>
-              </a:ext>
-            </a:extLst>
-          </p:cNvPr>
+          <p:cNvPr id="4" name="标题 3"/>
           <p:cNvSpPr>
             <a:spLocks noGrp="1"/>
           </p:cNvSpPr>
@@ -6771,18 +6098,13 @@
               <a:rPr lang="zh-CN" altLang="en-US" dirty="0"/>
               <a:t>结论</a:t>
             </a:r>
-          </a:p>
-        </p:txBody>
-      </p:sp>
-      <p:sp>
-        <p:nvSpPr>
-          <p:cNvPr id="5" name="内容占位符 4">
-            <a:extLst>
-              <a:ext uri="{FF2B5EF4-FFF2-40B4-BE49-F238E27FC236}">
-                <a16:creationId xmlns:a16="http://schemas.microsoft.com/office/drawing/2014/main" id="{82C23382-6B7F-65F7-4DFF-37AD616A99FF}"/>
-              </a:ext>
-            </a:extLst>
-          </p:cNvPr>
+            <a:endParaRPr lang="zh-CN" altLang="en-US" dirty="0"/>
+          </a:p>
+        </p:txBody>
+      </p:sp>
+      <p:sp>
+        <p:nvSpPr>
+          <p:cNvPr id="5" name="内容占位符 4"/>
           <p:cNvSpPr>
             <a:spLocks noGrp="1"/>
           </p:cNvSpPr>
@@ -6824,22 +6146,18 @@
               <a:rPr lang="zh-CN" altLang="en-US" dirty="0"/>
               <a:t>真的什么库都有，太爽了。</a:t>
             </a:r>
+            <a:endParaRPr lang="zh-CN" altLang="en-US" dirty="0"/>
           </a:p>
         </p:txBody>
       </p:sp>
     </p:spTree>
-    <p:extLst>
-      <p:ext uri="{BB962C8B-B14F-4D97-AF65-F5344CB8AC3E}">
-        <p14:creationId xmlns:p14="http://schemas.microsoft.com/office/powerpoint/2010/main" val="3642192407"/>
-      </p:ext>
-    </p:extLst>
   </p:cSld>
   <p:clrMapOvr>
     <a:masterClrMapping/>
   </p:clrMapOvr>
-  <mc:AlternateContent xmlns:mc="http://schemas.openxmlformats.org/markup-compatibility/2006">
-    <mc:Choice xmlns:p159="http://schemas.microsoft.com/office/powerpoint/2015/09/main" Requires="p159">
-      <p:transition spd="slow">
+  <mc:AlternateContent xmlns:mc="http://schemas.openxmlformats.org/markup-compatibility/2006" xmlns:p159="http://schemas.microsoft.com/office/powerpoint/2015/09/main">
+    <mc:Choice Requires="p159">
+      <p:transition xmlns:p14="http://schemas.microsoft.com/office/powerpoint/2010/main" spd="slow">
         <p159:morph option="byObject"/>
       </p:transition>
     </mc:Choice>
@@ -6871,13 +6189,7 @@
       </p:grpSpPr>
       <p:sp>
         <p:nvSpPr>
-          <p:cNvPr id="4" name="标题 3">
-            <a:extLst>
-              <a:ext uri="{FF2B5EF4-FFF2-40B4-BE49-F238E27FC236}">
-                <a16:creationId xmlns:a16="http://schemas.microsoft.com/office/drawing/2014/main" id="{8D9ED6C9-BFC1-3296-8E78-97673211A7D2}"/>
-              </a:ext>
-            </a:extLst>
-          </p:cNvPr>
+          <p:cNvPr id="4" name="标题 3"/>
           <p:cNvSpPr>
             <a:spLocks noGrp="1"/>
           </p:cNvSpPr>
@@ -6894,18 +6206,13 @@
               <a:rPr lang="zh-CN" altLang="en-US" dirty="0"/>
               <a:t>致谢</a:t>
             </a:r>
-          </a:p>
-        </p:txBody>
-      </p:sp>
-      <p:sp>
-        <p:nvSpPr>
-          <p:cNvPr id="5" name="文本占位符 4">
-            <a:extLst>
-              <a:ext uri="{FF2B5EF4-FFF2-40B4-BE49-F238E27FC236}">
-                <a16:creationId xmlns:a16="http://schemas.microsoft.com/office/drawing/2014/main" id="{7D79821A-328C-1302-4416-16214052DEA7}"/>
-              </a:ext>
-            </a:extLst>
-          </p:cNvPr>
+            <a:endParaRPr lang="zh-CN" altLang="en-US" dirty="0"/>
+          </a:p>
+        </p:txBody>
+      </p:sp>
+      <p:sp>
+        <p:nvSpPr>
+          <p:cNvPr id="5" name="文本占位符 4"/>
           <p:cNvSpPr>
             <a:spLocks noGrp="1"/>
           </p:cNvSpPr>
@@ -6937,6 +6244,19 @@
             <a:r>
               <a:rPr lang="zh-CN" altLang="en-US" dirty="0"/>
               <a:t>们太负责了！</a:t>
+            </a:r>
+            <a:endParaRPr lang="en-US" altLang="zh-CN" dirty="0"/>
+          </a:p>
+          <a:p>
+            <a:r>
+              <a:rPr lang="en-US" altLang="zh-CN" dirty="0" err="1">
+                <a:hlinkClick r:id="rId1"/>
+              </a:rPr>
+              <a:t>Cushyz</a:t>
+            </a:r>
+            <a:r>
+              <a:rPr lang="zh-CN" altLang="en-US" dirty="0"/>
+              <a:t>，这位好哥们帮我解决了不少问题</a:t>
             </a:r>
             <a:endParaRPr lang="en-US" altLang="zh-CN" dirty="0"/>
           </a:p>
@@ -6945,19 +6265,6 @@
               <a:rPr lang="en-US" altLang="zh-CN" dirty="0" err="1">
                 <a:hlinkClick r:id="rId2"/>
               </a:rPr>
-              <a:t>Cushyz</a:t>
-            </a:r>
-            <a:r>
-              <a:rPr lang="zh-CN" altLang="en-US" dirty="0"/>
-              <a:t>，这位好哥们帮我解决了不少问题</a:t>
-            </a:r>
-            <a:endParaRPr lang="en-US" altLang="zh-CN" dirty="0"/>
-          </a:p>
-          <a:p>
-            <a:r>
-              <a:rPr lang="en-US" altLang="zh-CN" dirty="0" err="1">
-                <a:hlinkClick r:id="rId3"/>
-              </a:rPr>
               <a:t>Github</a:t>
             </a:r>
             <a:r>
@@ -6991,18 +6298,13 @@
         </p:txBody>
       </p:sp>
     </p:spTree>
-    <p:extLst>
-      <p:ext uri="{BB962C8B-B14F-4D97-AF65-F5344CB8AC3E}">
-        <p14:creationId xmlns:p14="http://schemas.microsoft.com/office/powerpoint/2010/main" val="1209520276"/>
-      </p:ext>
-    </p:extLst>
   </p:cSld>
   <p:clrMapOvr>
     <a:masterClrMapping/>
   </p:clrMapOvr>
-  <mc:AlternateContent xmlns:mc="http://schemas.openxmlformats.org/markup-compatibility/2006">
-    <mc:Choice xmlns:p159="http://schemas.microsoft.com/office/powerpoint/2015/09/main" Requires="p159">
-      <p:transition spd="slow">
+  <mc:AlternateContent xmlns:mc="http://schemas.openxmlformats.org/markup-compatibility/2006" xmlns:p159="http://schemas.microsoft.com/office/powerpoint/2015/09/main">
+    <mc:Choice Requires="p159">
+      <p:transition xmlns:p14="http://schemas.microsoft.com/office/powerpoint/2010/main" spd="slow">
         <p159:morph option="byObject"/>
       </p:transition>
     </mc:Choice>
@@ -7034,13 +6336,7 @@
       </p:grpSpPr>
       <p:sp>
         <p:nvSpPr>
-          <p:cNvPr id="4" name="标题 3">
-            <a:extLst>
-              <a:ext uri="{FF2B5EF4-FFF2-40B4-BE49-F238E27FC236}">
-                <a16:creationId xmlns:a16="http://schemas.microsoft.com/office/drawing/2014/main" id="{7832D290-7823-D563-F567-96756126F6F3}"/>
-              </a:ext>
-            </a:extLst>
-          </p:cNvPr>
+          <p:cNvPr id="4" name="标题 3"/>
           <p:cNvSpPr>
             <a:spLocks noGrp="1"/>
           </p:cNvSpPr>
@@ -7057,18 +6353,13 @@
               <a:rPr lang="zh-CN" altLang="en-US" dirty="0"/>
               <a:t>选取语言</a:t>
             </a:r>
-          </a:p>
-        </p:txBody>
-      </p:sp>
-      <p:sp>
-        <p:nvSpPr>
-          <p:cNvPr id="5" name="内容占位符 4">
-            <a:extLst>
-              <a:ext uri="{FF2B5EF4-FFF2-40B4-BE49-F238E27FC236}">
-                <a16:creationId xmlns:a16="http://schemas.microsoft.com/office/drawing/2014/main" id="{86C076CA-4F47-CD5D-988E-982253AD8F7D}"/>
-              </a:ext>
-            </a:extLst>
-          </p:cNvPr>
+            <a:endParaRPr lang="zh-CN" altLang="en-US" dirty="0"/>
+          </a:p>
+        </p:txBody>
+      </p:sp>
+      <p:sp>
+        <p:nvSpPr>
+          <p:cNvPr id="5" name="内容占位符 4"/>
           <p:cNvSpPr>
             <a:spLocks noGrp="1"/>
           </p:cNvSpPr>
@@ -7085,6 +6376,7 @@
               <a:rPr lang="en-US" altLang="zh-CN" dirty="0"/>
               <a:t>Python?</a:t>
             </a:r>
+            <a:endParaRPr lang="en-US" altLang="zh-CN" dirty="0"/>
           </a:p>
           <a:p>
             <a:pPr lvl="1"/>
@@ -7131,6 +6423,7 @@
               <a:rPr lang="en-US" altLang="zh-CN" dirty="0"/>
               <a:t>!</a:t>
             </a:r>
+            <a:endParaRPr lang="en-US" altLang="zh-CN" dirty="0"/>
           </a:p>
           <a:p>
             <a:pPr lvl="1"/>
@@ -7167,18 +6460,13 @@
         </p:txBody>
       </p:sp>
     </p:spTree>
-    <p:extLst>
-      <p:ext uri="{BB962C8B-B14F-4D97-AF65-F5344CB8AC3E}">
-        <p14:creationId xmlns:p14="http://schemas.microsoft.com/office/powerpoint/2010/main" val="1845466293"/>
-      </p:ext>
-    </p:extLst>
   </p:cSld>
   <p:clrMapOvr>
     <a:masterClrMapping/>
   </p:clrMapOvr>
-  <mc:AlternateContent xmlns:mc="http://schemas.openxmlformats.org/markup-compatibility/2006">
-    <mc:Choice xmlns:p159="http://schemas.microsoft.com/office/powerpoint/2015/09/main" Requires="p159">
-      <p:transition spd="slow">
+  <mc:AlternateContent xmlns:mc="http://schemas.openxmlformats.org/markup-compatibility/2006" xmlns:p159="http://schemas.microsoft.com/office/powerpoint/2015/09/main">
+    <mc:Choice Requires="p159">
+      <p:transition xmlns:p14="http://schemas.microsoft.com/office/powerpoint/2010/main" spd="slow">
         <p159:morph option="byObject"/>
       </p:transition>
     </mc:Choice>
@@ -7210,13 +6498,7 @@
       </p:grpSpPr>
       <p:sp>
         <p:nvSpPr>
-          <p:cNvPr id="2" name="标题 1">
-            <a:extLst>
-              <a:ext uri="{FF2B5EF4-FFF2-40B4-BE49-F238E27FC236}">
-                <a16:creationId xmlns:a16="http://schemas.microsoft.com/office/drawing/2014/main" id="{AA269103-63B0-204A-CA83-21D8F3D18A97}"/>
-              </a:ext>
-            </a:extLst>
-          </p:cNvPr>
+          <p:cNvPr id="2" name="标题 1"/>
           <p:cNvSpPr>
             <a:spLocks noGrp="1"/>
           </p:cNvSpPr>
@@ -7237,18 +6519,13 @@
               <a:rPr lang="zh-CN" altLang="en-US" dirty="0"/>
               <a:t>速览</a:t>
             </a:r>
-          </a:p>
-        </p:txBody>
-      </p:sp>
-      <p:sp>
-        <p:nvSpPr>
-          <p:cNvPr id="3" name="内容占位符 2">
-            <a:extLst>
-              <a:ext uri="{FF2B5EF4-FFF2-40B4-BE49-F238E27FC236}">
-                <a16:creationId xmlns:a16="http://schemas.microsoft.com/office/drawing/2014/main" id="{3796F42E-6FE9-11EB-FE7D-C50331C0A3A9}"/>
-              </a:ext>
-            </a:extLst>
-          </p:cNvPr>
+            <a:endParaRPr lang="zh-CN" altLang="en-US" dirty="0"/>
+          </a:p>
+        </p:txBody>
+      </p:sp>
+      <p:sp>
+        <p:nvSpPr>
+          <p:cNvPr id="3" name="内容占位符 2"/>
           <p:cNvSpPr>
             <a:spLocks noGrp="1"/>
           </p:cNvSpPr>
@@ -7286,23 +6563,11 @@
       </p:sp>
       <p:graphicFrame>
         <p:nvGraphicFramePr>
-          <p:cNvPr id="4" name="表格 4">
-            <a:extLst>
-              <a:ext uri="{FF2B5EF4-FFF2-40B4-BE49-F238E27FC236}">
-                <a16:creationId xmlns:a16="http://schemas.microsoft.com/office/drawing/2014/main" id="{FE991186-0ED9-34AE-0387-C7BEEBE575B8}"/>
-              </a:ext>
-            </a:extLst>
-          </p:cNvPr>
+          <p:cNvPr id="4" name="表格 4"/>
           <p:cNvGraphicFramePr>
             <a:graphicFrameLocks noGrp="1"/>
           </p:cNvGraphicFramePr>
-          <p:nvPr>
-            <p:extLst>
-              <p:ext uri="{D42A27DB-BD31-4B8C-83A1-F6EECF244321}">
-                <p14:modId xmlns:p14="http://schemas.microsoft.com/office/powerpoint/2010/main" val="2243058785"/>
-              </p:ext>
-            </p:extLst>
-          </p:nvPr>
+          <p:nvPr/>
         </p:nvGraphicFramePr>
         <p:xfrm>
           <a:off x="3295192" y="2812416"/>
@@ -7315,20 +6580,8 @@
                 <a:tableStyleId>{D7AC3CCA-C797-4891-BE02-D94E43425B78}</a:tableStyleId>
               </a:tblPr>
               <a:tblGrid>
-                <a:gridCol w="921209">
-                  <a:extLst>
-                    <a:ext uri="{9D8B030D-6E8A-4147-A177-3AD203B41FA5}">
-                      <a16:colId xmlns:a16="http://schemas.microsoft.com/office/drawing/2014/main" val="52733775"/>
-                    </a:ext>
-                  </a:extLst>
-                </a:gridCol>
-                <a:gridCol w="4069760">
-                  <a:extLst>
-                    <a:ext uri="{9D8B030D-6E8A-4147-A177-3AD203B41FA5}">
-                      <a16:colId xmlns:a16="http://schemas.microsoft.com/office/drawing/2014/main" val="1193087989"/>
-                    </a:ext>
-                  </a:extLst>
-                </a:gridCol>
+                <a:gridCol w="921209"/>
+                <a:gridCol w="4069760"/>
               </a:tblGrid>
               <a:tr h="370840">
                 <a:tc>
@@ -7361,11 +6614,6 @@
                   </a:txBody>
                   <a:tcPr/>
                 </a:tc>
-                <a:extLst>
-                  <a:ext uri="{0D108BD9-81ED-4DB2-BD59-A6C34878D82A}">
-                    <a16:rowId xmlns:a16="http://schemas.microsoft.com/office/drawing/2014/main" val="3864892373"/>
-                  </a:ext>
-                </a:extLst>
               </a:tr>
               <a:tr h="370840">
                 <a:tc>
@@ -7398,11 +6646,6 @@
                   </a:txBody>
                   <a:tcPr/>
                 </a:tc>
-                <a:extLst>
-                  <a:ext uri="{0D108BD9-81ED-4DB2-BD59-A6C34878D82A}">
-                    <a16:rowId xmlns:a16="http://schemas.microsoft.com/office/drawing/2014/main" val="813139818"/>
-                  </a:ext>
-                </a:extLst>
               </a:tr>
               <a:tr h="370840">
                 <a:tc>
@@ -7435,11 +6678,6 @@
                   </a:txBody>
                   <a:tcPr/>
                 </a:tc>
-                <a:extLst>
-                  <a:ext uri="{0D108BD9-81ED-4DB2-BD59-A6C34878D82A}">
-                    <a16:rowId xmlns:a16="http://schemas.microsoft.com/office/drawing/2014/main" val="1222331503"/>
-                  </a:ext>
-                </a:extLst>
               </a:tr>
               <a:tr h="373686">
                 <a:tc>
@@ -7472,11 +6710,6 @@
                   </a:txBody>
                   <a:tcPr/>
                 </a:tc>
-                <a:extLst>
-                  <a:ext uri="{0D108BD9-81ED-4DB2-BD59-A6C34878D82A}">
-                    <a16:rowId xmlns:a16="http://schemas.microsoft.com/office/drawing/2014/main" val="2701641832"/>
-                  </a:ext>
-                </a:extLst>
               </a:tr>
               <a:tr h="370840">
                 <a:tc>
@@ -7509,11 +6742,6 @@
                   </a:txBody>
                   <a:tcPr/>
                 </a:tc>
-                <a:extLst>
-                  <a:ext uri="{0D108BD9-81ED-4DB2-BD59-A6C34878D82A}">
-                    <a16:rowId xmlns:a16="http://schemas.microsoft.com/office/drawing/2014/main" val="2985911086"/>
-                  </a:ext>
-                </a:extLst>
               </a:tr>
               <a:tr h="370840">
                 <a:tc>
@@ -7546,11 +6774,6 @@
                   </a:txBody>
                   <a:tcPr/>
                 </a:tc>
-                <a:extLst>
-                  <a:ext uri="{0D108BD9-81ED-4DB2-BD59-A6C34878D82A}">
-                    <a16:rowId xmlns:a16="http://schemas.microsoft.com/office/drawing/2014/main" val="4103439663"/>
-                  </a:ext>
-                </a:extLst>
               </a:tr>
               <a:tr h="370840">
                 <a:tc>
@@ -7591,11 +6814,6 @@
                   </a:txBody>
                   <a:tcPr/>
                 </a:tc>
-                <a:extLst>
-                  <a:ext uri="{0D108BD9-81ED-4DB2-BD59-A6C34878D82A}">
-                    <a16:rowId xmlns:a16="http://schemas.microsoft.com/office/drawing/2014/main" val="541657574"/>
-                  </a:ext>
-                </a:extLst>
               </a:tr>
               <a:tr h="370840">
                 <a:tc>
@@ -7628,29 +6846,19 @@
                   </a:txBody>
                   <a:tcPr/>
                 </a:tc>
-                <a:extLst>
-                  <a:ext uri="{0D108BD9-81ED-4DB2-BD59-A6C34878D82A}">
-                    <a16:rowId xmlns:a16="http://schemas.microsoft.com/office/drawing/2014/main" val="4225146549"/>
-                  </a:ext>
-                </a:extLst>
               </a:tr>
             </a:tbl>
           </a:graphicData>
         </a:graphic>
       </p:graphicFrame>
     </p:spTree>
-    <p:extLst>
-      <p:ext uri="{BB962C8B-B14F-4D97-AF65-F5344CB8AC3E}">
-        <p14:creationId xmlns:p14="http://schemas.microsoft.com/office/powerpoint/2010/main" val="1056716123"/>
-      </p:ext>
-    </p:extLst>
   </p:cSld>
   <p:clrMapOvr>
     <a:masterClrMapping/>
   </p:clrMapOvr>
-  <mc:AlternateContent xmlns:mc="http://schemas.openxmlformats.org/markup-compatibility/2006">
-    <mc:Choice xmlns:p159="http://schemas.microsoft.com/office/powerpoint/2015/09/main" Requires="p159">
-      <p:transition spd="slow">
+  <mc:AlternateContent xmlns:mc="http://schemas.openxmlformats.org/markup-compatibility/2006" xmlns:p159="http://schemas.microsoft.com/office/powerpoint/2015/09/main">
+    <mc:Choice Requires="p159">
+      <p:transition xmlns:p14="http://schemas.microsoft.com/office/powerpoint/2010/main" spd="slow">
         <p159:morph option="byObject"/>
       </p:transition>
     </mc:Choice>
@@ -7682,13 +6890,7 @@
       </p:grpSpPr>
       <p:sp>
         <p:nvSpPr>
-          <p:cNvPr id="2" name="标题 1">
-            <a:extLst>
-              <a:ext uri="{FF2B5EF4-FFF2-40B4-BE49-F238E27FC236}">
-                <a16:creationId xmlns:a16="http://schemas.microsoft.com/office/drawing/2014/main" id="{7147F7A4-C4FF-A9E6-AB88-675A66AA9B76}"/>
-              </a:ext>
-            </a:extLst>
-          </p:cNvPr>
+          <p:cNvPr id="2" name="标题 1"/>
           <p:cNvSpPr>
             <a:spLocks noGrp="1"/>
           </p:cNvSpPr>
@@ -7709,18 +6911,13 @@
               <a:rPr lang="zh-CN" altLang="en-US" dirty="0"/>
               <a:t>速览</a:t>
             </a:r>
-          </a:p>
-        </p:txBody>
-      </p:sp>
-      <p:sp>
-        <p:nvSpPr>
-          <p:cNvPr id="3" name="内容占位符 2">
-            <a:extLst>
-              <a:ext uri="{FF2B5EF4-FFF2-40B4-BE49-F238E27FC236}">
-                <a16:creationId xmlns:a16="http://schemas.microsoft.com/office/drawing/2014/main" id="{9C77BFF3-9CAC-FB51-19A4-56FA932F240D}"/>
-              </a:ext>
-            </a:extLst>
-          </p:cNvPr>
+            <a:endParaRPr lang="zh-CN" altLang="en-US" dirty="0"/>
+          </a:p>
+        </p:txBody>
+      </p:sp>
+      <p:sp>
+        <p:nvSpPr>
+          <p:cNvPr id="3" name="内容占位符 2"/>
           <p:cNvSpPr>
             <a:spLocks noGrp="1"/>
           </p:cNvSpPr>
@@ -7741,6 +6938,7 @@
               <a:rPr lang="en-US" altLang="zh-CN" dirty="0"/>
               <a:t>:</a:t>
             </a:r>
+            <a:endParaRPr lang="en-US" altLang="zh-CN" dirty="0"/>
           </a:p>
           <a:p>
             <a:pPr lvl="1"/>
@@ -7748,6 +6946,7 @@
               <a:rPr lang="en-US" altLang="zh-CN" dirty="0"/>
               <a:t>++++++++[&gt;++++[&gt;++&gt;+++&gt;+++&gt;+&lt;&lt;&lt;&lt;-]&gt;+&gt;+&gt;-&gt;&gt;+[&lt;]&lt;-]&gt;&gt;.&gt;---.+++++++..+++.&gt;&gt;.&lt;-.&lt;.+++.------.--------.&gt;&gt;+.&gt;++. </a:t>
             </a:r>
+            <a:endParaRPr lang="en-US" altLang="zh-CN" dirty="0"/>
           </a:p>
           <a:p>
             <a:r>
@@ -7766,18 +6965,13 @@
         </p:txBody>
       </p:sp>
     </p:spTree>
-    <p:extLst>
-      <p:ext uri="{BB962C8B-B14F-4D97-AF65-F5344CB8AC3E}">
-        <p14:creationId xmlns:p14="http://schemas.microsoft.com/office/powerpoint/2010/main" val="2747804980"/>
-      </p:ext>
-    </p:extLst>
   </p:cSld>
   <p:clrMapOvr>
     <a:masterClrMapping/>
   </p:clrMapOvr>
-  <mc:AlternateContent xmlns:mc="http://schemas.openxmlformats.org/markup-compatibility/2006">
-    <mc:Choice xmlns:p159="http://schemas.microsoft.com/office/powerpoint/2015/09/main" Requires="p159">
-      <p:transition spd="slow">
+  <mc:AlternateContent xmlns:mc="http://schemas.openxmlformats.org/markup-compatibility/2006" xmlns:p159="http://schemas.microsoft.com/office/powerpoint/2015/09/main">
+    <mc:Choice Requires="p159">
+      <p:transition xmlns:p14="http://schemas.microsoft.com/office/powerpoint/2010/main" spd="slow">
         <p159:morph option="byObject"/>
       </p:transition>
     </mc:Choice>
@@ -7809,13 +7003,7 @@
       </p:grpSpPr>
       <p:sp>
         <p:nvSpPr>
-          <p:cNvPr id="2" name="标题 1">
-            <a:extLst>
-              <a:ext uri="{FF2B5EF4-FFF2-40B4-BE49-F238E27FC236}">
-                <a16:creationId xmlns:a16="http://schemas.microsoft.com/office/drawing/2014/main" id="{FC0852D3-36BB-9C98-1D83-B8B7B23C7E04}"/>
-              </a:ext>
-            </a:extLst>
-          </p:cNvPr>
+          <p:cNvPr id="2" name="标题 1"/>
           <p:cNvSpPr>
             <a:spLocks noGrp="1"/>
           </p:cNvSpPr>
@@ -7832,18 +7020,13 @@
               <a:rPr lang="zh-CN" altLang="en-US" dirty="0"/>
               <a:t>问题分解</a:t>
             </a:r>
-          </a:p>
-        </p:txBody>
-      </p:sp>
-      <p:sp>
-        <p:nvSpPr>
-          <p:cNvPr id="3" name="内容占位符 2">
-            <a:extLst>
-              <a:ext uri="{FF2B5EF4-FFF2-40B4-BE49-F238E27FC236}">
-                <a16:creationId xmlns:a16="http://schemas.microsoft.com/office/drawing/2014/main" id="{DA139080-EB2C-E508-D0DE-51B17C989199}"/>
-              </a:ext>
-            </a:extLst>
-          </p:cNvPr>
+            <a:endParaRPr lang="zh-CN" altLang="en-US" dirty="0"/>
+          </a:p>
+        </p:txBody>
+      </p:sp>
+      <p:sp>
+        <p:nvSpPr>
+          <p:cNvPr id="3" name="内容占位符 2"/>
           <p:cNvSpPr>
             <a:spLocks noGrp="1"/>
           </p:cNvSpPr>
@@ -7952,18 +7135,13 @@
         </p:txBody>
       </p:sp>
     </p:spTree>
-    <p:extLst>
-      <p:ext uri="{BB962C8B-B14F-4D97-AF65-F5344CB8AC3E}">
-        <p14:creationId xmlns:p14="http://schemas.microsoft.com/office/powerpoint/2010/main" val="737090428"/>
-      </p:ext>
-    </p:extLst>
   </p:cSld>
   <p:clrMapOvr>
     <a:masterClrMapping/>
   </p:clrMapOvr>
-  <mc:AlternateContent xmlns:mc="http://schemas.openxmlformats.org/markup-compatibility/2006">
-    <mc:Choice xmlns:p159="http://schemas.microsoft.com/office/powerpoint/2015/09/main" Requires="p159">
-      <p:transition spd="slow">
+  <mc:AlternateContent xmlns:mc="http://schemas.openxmlformats.org/markup-compatibility/2006" xmlns:p159="http://schemas.microsoft.com/office/powerpoint/2015/09/main">
+    <mc:Choice Requires="p159">
+      <p:transition xmlns:p14="http://schemas.microsoft.com/office/powerpoint/2010/main" spd="slow">
         <p159:morph option="byObject"/>
       </p:transition>
     </mc:Choice>
@@ -7995,13 +7173,7 @@
       </p:grpSpPr>
       <p:sp>
         <p:nvSpPr>
-          <p:cNvPr id="4" name="标题 3">
-            <a:extLst>
-              <a:ext uri="{FF2B5EF4-FFF2-40B4-BE49-F238E27FC236}">
-                <a16:creationId xmlns:a16="http://schemas.microsoft.com/office/drawing/2014/main" id="{DBACD7B2-2126-8F45-491C-C2C01E4FF095}"/>
-              </a:ext>
-            </a:extLst>
-          </p:cNvPr>
+          <p:cNvPr id="4" name="标题 3"/>
           <p:cNvSpPr>
             <a:spLocks noGrp="1"/>
           </p:cNvSpPr>
@@ -8018,18 +7190,13 @@
               <a:rPr lang="zh-CN" altLang="en-US" dirty="0"/>
               <a:t>分工</a:t>
             </a:r>
-          </a:p>
-        </p:txBody>
-      </p:sp>
-      <p:sp>
-        <p:nvSpPr>
-          <p:cNvPr id="5" name="文本占位符 4">
-            <a:extLst>
-              <a:ext uri="{FF2B5EF4-FFF2-40B4-BE49-F238E27FC236}">
-                <a16:creationId xmlns:a16="http://schemas.microsoft.com/office/drawing/2014/main" id="{90DFF2F6-8FD5-16D2-A8F4-DBA1CFFAA014}"/>
-              </a:ext>
-            </a:extLst>
-          </p:cNvPr>
+            <a:endParaRPr lang="zh-CN" altLang="en-US" dirty="0"/>
+          </a:p>
+        </p:txBody>
+      </p:sp>
+      <p:sp>
+        <p:nvSpPr>
+          <p:cNvPr id="5" name="文本占位符 4"/>
           <p:cNvSpPr>
             <a:spLocks noGrp="1"/>
           </p:cNvSpPr>
@@ -8046,22 +7213,18 @@
               <a:rPr lang="zh-CN" altLang="en-US" dirty="0"/>
               <a:t>     啊这</a:t>
             </a:r>
+            <a:endParaRPr lang="zh-CN" altLang="en-US" dirty="0"/>
           </a:p>
         </p:txBody>
       </p:sp>
     </p:spTree>
-    <p:extLst>
-      <p:ext uri="{BB962C8B-B14F-4D97-AF65-F5344CB8AC3E}">
-        <p14:creationId xmlns:p14="http://schemas.microsoft.com/office/powerpoint/2010/main" val="2894021830"/>
-      </p:ext>
-    </p:extLst>
   </p:cSld>
   <p:clrMapOvr>
     <a:masterClrMapping/>
   </p:clrMapOvr>
-  <mc:AlternateContent xmlns:mc="http://schemas.openxmlformats.org/markup-compatibility/2006">
-    <mc:Choice xmlns:p159="http://schemas.microsoft.com/office/powerpoint/2015/09/main" Requires="p159">
-      <p:transition spd="slow">
+  <mc:AlternateContent xmlns:mc="http://schemas.openxmlformats.org/markup-compatibility/2006" xmlns:p159="http://schemas.microsoft.com/office/powerpoint/2015/09/main">
+    <mc:Choice Requires="p159">
+      <p:transition xmlns:p14="http://schemas.microsoft.com/office/powerpoint/2010/main" spd="slow">
         <p159:morph option="byObject"/>
       </p:transition>
     </mc:Choice>
@@ -8093,13 +7256,7 @@
       </p:grpSpPr>
       <p:sp>
         <p:nvSpPr>
-          <p:cNvPr id="4" name="标题 3">
-            <a:extLst>
-              <a:ext uri="{FF2B5EF4-FFF2-40B4-BE49-F238E27FC236}">
-                <a16:creationId xmlns:a16="http://schemas.microsoft.com/office/drawing/2014/main" id="{9C01DF15-4913-9B26-A29B-D40B9926CBAB}"/>
-              </a:ext>
-            </a:extLst>
-          </p:cNvPr>
+          <p:cNvPr id="4" name="标题 3"/>
           <p:cNvSpPr>
             <a:spLocks noGrp="1"/>
           </p:cNvSpPr>
@@ -8116,18 +7273,13 @@
               <a:rPr lang="zh-CN" altLang="en-US" dirty="0"/>
               <a:t>分工</a:t>
             </a:r>
-          </a:p>
-        </p:txBody>
-      </p:sp>
-      <p:sp>
-        <p:nvSpPr>
-          <p:cNvPr id="5" name="内容占位符 4">
-            <a:extLst>
-              <a:ext uri="{FF2B5EF4-FFF2-40B4-BE49-F238E27FC236}">
-                <a16:creationId xmlns:a16="http://schemas.microsoft.com/office/drawing/2014/main" id="{D360EDE3-F566-A218-3822-4678A5D81750}"/>
-              </a:ext>
-            </a:extLst>
-          </p:cNvPr>
+            <a:endParaRPr lang="zh-CN" altLang="en-US" dirty="0"/>
+          </a:p>
+        </p:txBody>
+      </p:sp>
+      <p:sp>
+        <p:nvSpPr>
+          <p:cNvPr id="5" name="内容占位符 4"/>
           <p:cNvSpPr>
             <a:spLocks noGrp="1"/>
           </p:cNvSpPr>
@@ -8144,22 +7296,18 @@
               <a:rPr lang="zh-CN" altLang="en-US" dirty="0"/>
               <a:t>组里就我一个人。</a:t>
             </a:r>
+            <a:endParaRPr lang="zh-CN" altLang="en-US" dirty="0"/>
           </a:p>
         </p:txBody>
       </p:sp>
     </p:spTree>
-    <p:extLst>
-      <p:ext uri="{BB962C8B-B14F-4D97-AF65-F5344CB8AC3E}">
-        <p14:creationId xmlns:p14="http://schemas.microsoft.com/office/powerpoint/2010/main" val="380768513"/>
-      </p:ext>
-    </p:extLst>
   </p:cSld>
   <p:clrMapOvr>
     <a:masterClrMapping/>
   </p:clrMapOvr>
-  <mc:AlternateContent xmlns:mc="http://schemas.openxmlformats.org/markup-compatibility/2006">
-    <mc:Choice xmlns:p159="http://schemas.microsoft.com/office/powerpoint/2015/09/main" Requires="p159">
-      <p:transition spd="slow">
+  <mc:AlternateContent xmlns:mc="http://schemas.openxmlformats.org/markup-compatibility/2006" xmlns:p159="http://schemas.microsoft.com/office/powerpoint/2015/09/main">
+    <mc:Choice Requires="p159">
+      <p:transition xmlns:p14="http://schemas.microsoft.com/office/powerpoint/2010/main" spd="slow">
         <p159:morph option="byObject"/>
       </p:transition>
     </mc:Choice>
@@ -8191,13 +7339,7 @@
       </p:grpSpPr>
       <p:sp>
         <p:nvSpPr>
-          <p:cNvPr id="6" name="标题 5">
-            <a:extLst>
-              <a:ext uri="{FF2B5EF4-FFF2-40B4-BE49-F238E27FC236}">
-                <a16:creationId xmlns:a16="http://schemas.microsoft.com/office/drawing/2014/main" id="{74CC2995-2F8C-E72F-7C1C-D11CCD05BB33}"/>
-              </a:ext>
-            </a:extLst>
-          </p:cNvPr>
+          <p:cNvPr id="6" name="标题 5"/>
           <p:cNvSpPr>
             <a:spLocks noGrp="1"/>
           </p:cNvSpPr>
@@ -8214,18 +7356,13 @@
               <a:rPr lang="zh-CN" altLang="en-US" dirty="0"/>
               <a:t>解决过程</a:t>
             </a:r>
-          </a:p>
-        </p:txBody>
-      </p:sp>
-      <p:sp>
-        <p:nvSpPr>
-          <p:cNvPr id="7" name="文本占位符 6">
-            <a:extLst>
-              <a:ext uri="{FF2B5EF4-FFF2-40B4-BE49-F238E27FC236}">
-                <a16:creationId xmlns:a16="http://schemas.microsoft.com/office/drawing/2014/main" id="{A44616EF-3F01-2D9E-E6DB-5068D9E9253D}"/>
-              </a:ext>
-            </a:extLst>
-          </p:cNvPr>
+            <a:endParaRPr lang="zh-CN" altLang="en-US" dirty="0"/>
+          </a:p>
+        </p:txBody>
+      </p:sp>
+      <p:sp>
+        <p:nvSpPr>
+          <p:cNvPr id="7" name="文本占位符 6"/>
           <p:cNvSpPr>
             <a:spLocks noGrp="1"/>
           </p:cNvSpPr>
@@ -8247,18 +7384,13 @@
         </p:txBody>
       </p:sp>
     </p:spTree>
-    <p:extLst>
-      <p:ext uri="{BB962C8B-B14F-4D97-AF65-F5344CB8AC3E}">
-        <p14:creationId xmlns:p14="http://schemas.microsoft.com/office/powerpoint/2010/main" val="2613435930"/>
-      </p:ext>
-    </p:extLst>
   </p:cSld>
   <p:clrMapOvr>
     <a:masterClrMapping/>
   </p:clrMapOvr>
-  <mc:AlternateContent xmlns:mc="http://schemas.openxmlformats.org/markup-compatibility/2006">
-    <mc:Choice xmlns:p159="http://schemas.microsoft.com/office/powerpoint/2015/09/main" Requires="p159">
-      <p:transition spd="slow">
+  <mc:AlternateContent xmlns:mc="http://schemas.openxmlformats.org/markup-compatibility/2006" xmlns:p159="http://schemas.microsoft.com/office/powerpoint/2015/09/main">
+    <mc:Choice Requires="p159">
+      <p:transition xmlns:p14="http://schemas.microsoft.com/office/powerpoint/2010/main" spd="slow">
         <p159:morph option="byObject"/>
       </p:transition>
     </mc:Choice>
@@ -8314,7 +7446,7 @@
     </a:clrScheme>
     <a:fontScheme name="Office">
       <a:majorFont>
-        <a:latin typeface="等线 Light" panose="020F0302020204030204"/>
+        <a:latin typeface="等线 Light"/>
         <a:ea typeface=""/>
         <a:cs typeface=""/>
         <a:font script="Jpan" typeface="游ゴシック Light"/>
@@ -8347,26 +7479,9 @@
         <a:font script="Viet" typeface="Times New Roman"/>
         <a:font script="Uigh" typeface="Microsoft Uighur"/>
         <a:font script="Geor" typeface="Sylfaen"/>
-        <a:font script="Armn" typeface="Arial"/>
-        <a:font script="Bugi" typeface="Leelawadee UI"/>
-        <a:font script="Bopo" typeface="Microsoft JhengHei"/>
-        <a:font script="Java" typeface="Javanese Text"/>
-        <a:font script="Lisu" typeface="Segoe UI"/>
-        <a:font script="Mymr" typeface="Myanmar Text"/>
-        <a:font script="Nkoo" typeface="Ebrima"/>
-        <a:font script="Olck" typeface="Nirmala UI"/>
-        <a:font script="Osma" typeface="Ebrima"/>
-        <a:font script="Phag" typeface="Phagspa"/>
-        <a:font script="Syrn" typeface="Estrangelo Edessa"/>
-        <a:font script="Syrj" typeface="Estrangelo Edessa"/>
-        <a:font script="Syre" typeface="Estrangelo Edessa"/>
-        <a:font script="Sora" typeface="Nirmala UI"/>
-        <a:font script="Tale" typeface="Microsoft Tai Le"/>
-        <a:font script="Talu" typeface="Microsoft New Tai Lue"/>
-        <a:font script="Tfng" typeface="Ebrima"/>
       </a:majorFont>
       <a:minorFont>
-        <a:latin typeface="等线" panose="020F0502020204030204"/>
+        <a:latin typeface="等线"/>
         <a:ea typeface=""/>
         <a:cs typeface=""/>
         <a:font script="Jpan" typeface="游ゴシック"/>
@@ -8399,23 +7514,6 @@
         <a:font script="Viet" typeface="Arial"/>
         <a:font script="Uigh" typeface="Microsoft Uighur"/>
         <a:font script="Geor" typeface="Sylfaen"/>
-        <a:font script="Armn" typeface="Arial"/>
-        <a:font script="Bugi" typeface="Leelawadee UI"/>
-        <a:font script="Bopo" typeface="Microsoft JhengHei"/>
-        <a:font script="Java" typeface="Javanese Text"/>
-        <a:font script="Lisu" typeface="Segoe UI"/>
-        <a:font script="Mymr" typeface="Myanmar Text"/>
-        <a:font script="Nkoo" typeface="Ebrima"/>
-        <a:font script="Olck" typeface="Nirmala UI"/>
-        <a:font script="Osma" typeface="Ebrima"/>
-        <a:font script="Phag" typeface="Phagspa"/>
-        <a:font script="Syrn" typeface="Estrangelo Edessa"/>
-        <a:font script="Syrj" typeface="Estrangelo Edessa"/>
-        <a:font script="Syre" typeface="Estrangelo Edessa"/>
-        <a:font script="Sora" typeface="Nirmala UI"/>
-        <a:font script="Tale" typeface="Microsoft Tai Le"/>
-        <a:font script="Talu" typeface="Microsoft New Tai Lue"/>
-        <a:font script="Tfng" typeface="Ebrima"/>
       </a:minorFont>
     </a:fontScheme>
     <a:fmtScheme name="Office">
@@ -8556,8 +7654,6 @@
       </a:bgFillStyleLst>
     </a:fmtScheme>
   </a:themeElements>
-  <a:objectDefaults/>
-  <a:extraClrSchemeLst/>
   <a:extLst>
     <a:ext uri="{05A4C25C-085E-4340-85A3-A5531E510DB2}">
       <thm15:themeFamily xmlns:thm15="http://schemas.microsoft.com/office/thememl/2012/main" name="Office Theme" id="{62F939B6-93AF-4DB8-9C6B-D6C7DFDC589F}" vid="{4A3C46E8-61CC-4603-A589-7422A47A8E4A}"/>
@@ -8609,7 +7705,7 @@
     </a:clrScheme>
     <a:fontScheme name="Office">
       <a:majorFont>
-        <a:latin typeface="等线 Light" panose="020F0302020204030204"/>
+        <a:latin typeface="等线 Light"/>
         <a:ea typeface=""/>
         <a:cs typeface=""/>
         <a:font script="Jpan" typeface="游ゴシック Light"/>
@@ -8642,26 +7738,9 @@
         <a:font script="Viet" typeface="Times New Roman"/>
         <a:font script="Uigh" typeface="Microsoft Uighur"/>
         <a:font script="Geor" typeface="Sylfaen"/>
-        <a:font script="Armn" typeface="Arial"/>
-        <a:font script="Bugi" typeface="Leelawadee UI"/>
-        <a:font script="Bopo" typeface="Microsoft JhengHei"/>
-        <a:font script="Java" typeface="Javanese Text"/>
-        <a:font script="Lisu" typeface="Segoe UI"/>
-        <a:font script="Mymr" typeface="Myanmar Text"/>
-        <a:font script="Nkoo" typeface="Ebrima"/>
-        <a:font script="Olck" typeface="Nirmala UI"/>
-        <a:font script="Osma" typeface="Ebrima"/>
-        <a:font script="Phag" typeface="Phagspa"/>
-        <a:font script="Syrn" typeface="Estrangelo Edessa"/>
-        <a:font script="Syrj" typeface="Estrangelo Edessa"/>
-        <a:font script="Syre" typeface="Estrangelo Edessa"/>
-        <a:font script="Sora" typeface="Nirmala UI"/>
-        <a:font script="Tale" typeface="Microsoft Tai Le"/>
-        <a:font script="Talu" typeface="Microsoft New Tai Lue"/>
-        <a:font script="Tfng" typeface="Ebrima"/>
       </a:majorFont>
       <a:minorFont>
-        <a:latin typeface="等线" panose="020F0502020204030204"/>
+        <a:latin typeface="等线"/>
         <a:ea typeface=""/>
         <a:cs typeface=""/>
         <a:font script="Jpan" typeface="游ゴシック"/>
@@ -8694,23 +7773,6 @@
         <a:font script="Viet" typeface="Arial"/>
         <a:font script="Uigh" typeface="Microsoft Uighur"/>
         <a:font script="Geor" typeface="Sylfaen"/>
-        <a:font script="Armn" typeface="Arial"/>
-        <a:font script="Bugi" typeface="Leelawadee UI"/>
-        <a:font script="Bopo" typeface="Microsoft JhengHei"/>
-        <a:font script="Java" typeface="Javanese Text"/>
-        <a:font script="Lisu" typeface="Segoe UI"/>
-        <a:font script="Mymr" typeface="Myanmar Text"/>
-        <a:font script="Nkoo" typeface="Ebrima"/>
-        <a:font script="Olck" typeface="Nirmala UI"/>
-        <a:font script="Osma" typeface="Ebrima"/>
-        <a:font script="Phag" typeface="Phagspa"/>
-        <a:font script="Syrn" typeface="Estrangelo Edessa"/>
-        <a:font script="Syrj" typeface="Estrangelo Edessa"/>
-        <a:font script="Syre" typeface="Estrangelo Edessa"/>
-        <a:font script="Sora" typeface="Nirmala UI"/>
-        <a:font script="Tale" typeface="Microsoft Tai Le"/>
-        <a:font script="Talu" typeface="Microsoft New Tai Lue"/>
-        <a:font script="Tfng" typeface="Ebrima"/>
       </a:minorFont>
     </a:fontScheme>
     <a:fmtScheme name="Office">
@@ -8851,8 +7913,6 @@
       </a:bgFillStyleLst>
     </a:fmtScheme>
   </a:themeElements>
-  <a:objectDefaults/>
-  <a:extraClrSchemeLst/>
   <a:extLst>
     <a:ext uri="{05A4C25C-085E-4340-85A3-A5531E510DB2}">
       <thm15:themeFamily xmlns:thm15="http://schemas.microsoft.com/office/thememl/2012/main" name="Office Theme" id="{62F939B6-93AF-4DB8-9C6B-D6C7DFDC589F}" vid="{4A3C46E8-61CC-4603-A589-7422A47A8E4A}"/>
